--- a/Plan/Thesis_overview.pptx
+++ b/Plan/Thesis_overview.pptx
@@ -241,7 +241,7 @@
               <a:pPr>
                 <a:defRPr/>
               </a:pPr>
-              <a:t>1/18/2015</a:t>
+              <a:t>1/19/2015</a:t>
             </a:fld>
             <a:endParaRPr lang="en-US" dirty="0"/>
           </a:p>
@@ -1155,7 +1155,7 @@
         <p:nvSpPr>
           <p:cNvPr id="20481" name="Rectangle 1"/>
           <p:cNvSpPr txBox="1">
-            <a:spLocks noChangeArrowheads="1"/>
+            <a:spLocks noGrp="1" noRot="1" noChangeAspect="1" noChangeArrowheads="1"/>
           </p:cNvSpPr>
           <p:nvPr>
             <p:ph type="sldImg"/>
@@ -1197,7 +1197,7 @@
         <p:nvSpPr>
           <p:cNvPr id="20482" name="Rectangle 2"/>
           <p:cNvSpPr txBox="1">
-            <a:spLocks noChangeArrowheads="1"/>
+            <a:spLocks noGrp="1" noChangeArrowheads="1"/>
           </p:cNvSpPr>
           <p:nvPr>
             <p:ph type="body" idx="1"/>
@@ -1313,7 +1313,7 @@
         <p:nvSpPr>
           <p:cNvPr id="20481" name="Rectangle 1"/>
           <p:cNvSpPr txBox="1">
-            <a:spLocks noChangeArrowheads="1"/>
+            <a:spLocks noGrp="1" noRot="1" noChangeAspect="1" noChangeArrowheads="1"/>
           </p:cNvSpPr>
           <p:nvPr>
             <p:ph type="sldImg"/>
@@ -1355,7 +1355,7 @@
         <p:nvSpPr>
           <p:cNvPr id="20482" name="Rectangle 2"/>
           <p:cNvSpPr txBox="1">
-            <a:spLocks noChangeArrowheads="1"/>
+            <a:spLocks noGrp="1" noChangeArrowheads="1"/>
           </p:cNvSpPr>
           <p:nvPr>
             <p:ph type="body" idx="1"/>
@@ -1471,7 +1471,7 @@
         <p:nvSpPr>
           <p:cNvPr id="20481" name="Rectangle 1"/>
           <p:cNvSpPr txBox="1">
-            <a:spLocks noChangeArrowheads="1"/>
+            <a:spLocks noGrp="1" noRot="1" noChangeAspect="1" noChangeArrowheads="1"/>
           </p:cNvSpPr>
           <p:nvPr>
             <p:ph type="sldImg"/>
@@ -1513,7 +1513,7 @@
         <p:nvSpPr>
           <p:cNvPr id="20482" name="Rectangle 2"/>
           <p:cNvSpPr txBox="1">
-            <a:spLocks noChangeArrowheads="1"/>
+            <a:spLocks noGrp="1" noChangeArrowheads="1"/>
           </p:cNvSpPr>
           <p:nvPr>
             <p:ph type="body" idx="1"/>
@@ -1629,7 +1629,7 @@
         <p:nvSpPr>
           <p:cNvPr id="20481" name="Rectangle 1"/>
           <p:cNvSpPr txBox="1">
-            <a:spLocks noChangeArrowheads="1"/>
+            <a:spLocks noGrp="1" noRot="1" noChangeAspect="1" noChangeArrowheads="1"/>
           </p:cNvSpPr>
           <p:nvPr>
             <p:ph type="sldImg"/>
@@ -1671,7 +1671,7 @@
         <p:nvSpPr>
           <p:cNvPr id="20482" name="Rectangle 2"/>
           <p:cNvSpPr txBox="1">
-            <a:spLocks noChangeArrowheads="1"/>
+            <a:spLocks noGrp="1" noChangeArrowheads="1"/>
           </p:cNvSpPr>
           <p:nvPr>
             <p:ph type="body" idx="1"/>
@@ -1787,7 +1787,7 @@
         <p:nvSpPr>
           <p:cNvPr id="20481" name="Rectangle 1"/>
           <p:cNvSpPr txBox="1">
-            <a:spLocks noChangeArrowheads="1"/>
+            <a:spLocks noGrp="1" noRot="1" noChangeAspect="1" noChangeArrowheads="1"/>
           </p:cNvSpPr>
           <p:nvPr>
             <p:ph type="sldImg"/>
@@ -1829,7 +1829,7 @@
         <p:nvSpPr>
           <p:cNvPr id="20482" name="Rectangle 2"/>
           <p:cNvSpPr txBox="1">
-            <a:spLocks noChangeArrowheads="1"/>
+            <a:spLocks noGrp="1" noChangeArrowheads="1"/>
           </p:cNvSpPr>
           <p:nvPr>
             <p:ph type="body" idx="1"/>
@@ -1945,7 +1945,7 @@
         <p:nvSpPr>
           <p:cNvPr id="20481" name="Rectangle 1"/>
           <p:cNvSpPr txBox="1">
-            <a:spLocks noChangeArrowheads="1"/>
+            <a:spLocks noGrp="1" noRot="1" noChangeAspect="1" noChangeArrowheads="1"/>
           </p:cNvSpPr>
           <p:nvPr>
             <p:ph type="sldImg"/>
@@ -1987,7 +1987,7 @@
         <p:nvSpPr>
           <p:cNvPr id="20482" name="Rectangle 2"/>
           <p:cNvSpPr txBox="1">
-            <a:spLocks noChangeArrowheads="1"/>
+            <a:spLocks noGrp="1" noChangeArrowheads="1"/>
           </p:cNvSpPr>
           <p:nvPr>
             <p:ph type="body" idx="1"/>
@@ -2103,7 +2103,7 @@
         <p:nvSpPr>
           <p:cNvPr id="20481" name="Rectangle 1"/>
           <p:cNvSpPr txBox="1">
-            <a:spLocks noChangeArrowheads="1"/>
+            <a:spLocks noGrp="1" noRot="1" noChangeAspect="1" noChangeArrowheads="1"/>
           </p:cNvSpPr>
           <p:nvPr>
             <p:ph type="sldImg"/>
@@ -2145,7 +2145,7 @@
         <p:nvSpPr>
           <p:cNvPr id="20482" name="Rectangle 2"/>
           <p:cNvSpPr txBox="1">
-            <a:spLocks noChangeArrowheads="1"/>
+            <a:spLocks noGrp="1" noChangeArrowheads="1"/>
           </p:cNvSpPr>
           <p:nvPr>
             <p:ph type="body" idx="1"/>
@@ -5703,7 +5703,6 @@
               <a:rPr lang="en-US" altLang="en-US" dirty="0" smtClean="0"/>
               <a:t>19 January 2015</a:t>
             </a:r>
-            <a:endParaRPr lang="en-US" altLang="en-US" dirty="0" smtClean="0"/>
           </a:p>
         </p:txBody>
       </p:sp>
@@ -6657,7 +6656,6 @@
               <a:rPr lang="en-US" altLang="it-IT" smtClean="0"/>
               <a:t>Paradigm shift towards the home environment</a:t>
             </a:r>
-            <a:endParaRPr lang="en-US" altLang="it-IT" smtClean="0"/>
           </a:p>
         </p:txBody>
       </p:sp>
@@ -7037,7 +7035,7 @@
   <p:timing>
     <p:tnLst>
       <p:par>
-        <p:cTn id="1" dur="indefinite" nodeType="tmRoot">
+        <p:cTn id="1" dur="indefinite" restart="never" nodeType="tmRoot">
           <p:childTnLst>
             <p:seq concurrent="1" nextAc="seek">
               <p:cTn id="2" dur="0" nodeType="mainSeq"/>
@@ -7398,7 +7396,7 @@
   <p:timing>
     <p:tnLst>
       <p:par>
-        <p:cTn id="1" dur="indefinite" nodeType="tmRoot">
+        <p:cTn id="1" dur="indefinite" restart="never" nodeType="tmRoot">
           <p:childTnLst>
             <p:seq concurrent="1" nextAc="seek">
               <p:cTn id="2" dur="0" nodeType="mainSeq"/>
@@ -7886,7 +7884,7 @@
       </p:grpSp>
       <p:sp>
         <p:nvSpPr>
-          <p:cNvPr id="13" name="Text Placeholder 2_"/>
+          <p:cNvPr id="13" name="Text Placeholder 2__"/>
           <p:cNvSpPr txBox="1">
             <a:spLocks/>
           </p:cNvSpPr>
@@ -8053,7 +8051,7 @@
             </a:r>
             <a:r>
               <a:rPr lang="it-IT" sz="1600" dirty="0" smtClean="0"/>
-              <a:t>Iinternational </a:t>
+              <a:t>International </a:t>
             </a:r>
             <a:r>
               <a:rPr lang="it-IT" sz="1600" dirty="0"/>
@@ -8153,7 +8151,7 @@
   <p:timing>
     <p:tnLst>
       <p:par>
-        <p:cTn id="1" dur="indefinite" nodeType="tmRoot">
+        <p:cTn id="1" dur="indefinite" restart="never" nodeType="tmRoot">
           <p:childTnLst>
             <p:seq concurrent="1" nextAc="seek">
               <p:cTn id="2" dur="0" nodeType="mainSeq"/>
@@ -8516,7 +8514,7 @@
   <p:timing>
     <p:tnLst>
       <p:par>
-        <p:cTn id="1" dur="indefinite" nodeType="tmRoot">
+        <p:cTn id="1" dur="indefinite" restart="never" nodeType="tmRoot">
           <p:childTnLst>
             <p:seq concurrent="1" nextAc="seek">
               <p:cTn id="2" dur="0" nodeType="mainSeq"/>
@@ -8793,7 +8791,7 @@
       </p:sp>
       <p:sp>
         <p:nvSpPr>
-          <p:cNvPr id="13" name="Text Placeholder 2_"/>
+          <p:cNvPr id="13" name="Text Placeholder 2__"/>
           <p:cNvSpPr txBox="1">
             <a:spLocks/>
           </p:cNvSpPr>
@@ -9050,7 +9048,7 @@
       </p:pic>
       <p:pic>
         <p:nvPicPr>
-          <p:cNvPr id="27656" name="Picture 8"/>
+          <p:cNvPr id="30722" name="Picture 2"/>
           <p:cNvPicPr>
             <a:picLocks noChangeAspect="1" noChangeArrowheads="1"/>
           </p:cNvPicPr>
@@ -9070,9 +9068,9 @@
           </a:stretch>
         </p:blipFill>
         <p:spPr bwMode="auto">
-          <a:xfrm flipV="1">
-            <a:off x="1807481" y="3988656"/>
-            <a:ext cx="5776913" cy="1954944"/>
+          <a:xfrm>
+            <a:off x="1797843" y="4000500"/>
+            <a:ext cx="5548313" cy="1943100"/>
           </a:xfrm>
           <a:prstGeom prst="rect">
             <a:avLst/>
@@ -9116,7 +9114,7 @@
   <p:timing>
     <p:tnLst>
       <p:par>
-        <p:cTn id="1" dur="indefinite" nodeType="tmRoot">
+        <p:cTn id="1" dur="indefinite" restart="never" nodeType="tmRoot">
           <p:childTnLst>
             <p:seq concurrent="1" nextAc="seek">
               <p:cTn id="2" dur="0" nodeType="mainSeq"/>
@@ -9734,7 +9732,7 @@
   <p:timing>
     <p:tnLst>
       <p:par>
-        <p:cTn id="1" dur="indefinite" nodeType="tmRoot">
+        <p:cTn id="1" dur="indefinite" restart="never" nodeType="tmRoot">
           <p:childTnLst>
             <p:seq concurrent="1" nextAc="seek">
               <p:cTn id="2" dur="0" nodeType="mainSeq"/>
@@ -9800,7 +9798,7 @@
           <a:graphicData uri="http://schemas.openxmlformats.org/presentationml/2006/ole">
             <mc:AlternateContent xmlns:mc="http://schemas.openxmlformats.org/markup-compatibility/2006">
               <mc:Choice xmlns:v="urn:schemas-microsoft-com:vml" Requires="v">
-                <p:oleObj spid="_x0000_s29726" name="Worksheet" r:id="rId4" imgW="7981882" imgH="4410175" progId="Excel.Sheet.12">
+                <p:oleObj spid="_x0000_s29729" name="Worksheet" r:id="rId4" imgW="7981882" imgH="4410175" progId="Excel.Sheet.12">
                   <p:embed/>
                 </p:oleObj>
               </mc:Choice>
@@ -9849,7 +9847,7 @@
   <p:timing>
     <p:tnLst>
       <p:par>
-        <p:cTn id="1" dur="indefinite" nodeType="tmRoot">
+        <p:cTn id="1" dur="indefinite" restart="never" nodeType="tmRoot">
           <p:childTnLst>
             <p:seq concurrent="1" nextAc="seek">
               <p:cTn id="2" dur="0" nodeType="mainSeq"/>
@@ -10299,7 +10297,7 @@
   <a:extraClrSchemeLst/>
   <a:extLst>
     <a:ext uri="{05A4C25C-085E-4340-85A3-A5531E510DB2}">
-      <thm15:themeFamily xmlns="" xmlns:thm15="http://schemas.microsoft.com/office/thememl/2012/main" name="philips_internal_documentation_template_nov13.pptx" id="{DE36B277-C83F-4A85-9819-A77CE0CA1F6F}" vid="{FCDF7755-76C1-4ABB-A274-22B823C3C882}"/>
+      <thm15:themeFamily xmlns:thm15="http://schemas.microsoft.com/office/thememl/2012/main" xmlns="" name="philips_internal_documentation_template_nov13.pptx" id="{DE36B277-C83F-4A85-9819-A77CE0CA1F6F}" vid="{FCDF7755-76C1-4ABB-A274-22B823C3C882}"/>
     </a:ext>
   </a:extLst>
 </a:theme>

--- a/Plan/Thesis_overview.pptx
+++ b/Plan/Thesis_overview.pptx
@@ -5,20 +5,26 @@
     <p:sldMasterId id="2147483648" r:id="rId1"/>
   </p:sldMasterIdLst>
   <p:notesMasterIdLst>
-    <p:notesMasterId r:id="rId13"/>
+    <p:notesMasterId r:id="rId19"/>
   </p:notesMasterIdLst>
   <p:sldIdLst>
     <p:sldId id="280" r:id="rId2"/>
     <p:sldId id="279" r:id="rId3"/>
-    <p:sldId id="281" r:id="rId4"/>
-    <p:sldId id="282" r:id="rId5"/>
-    <p:sldId id="284" r:id="rId6"/>
-    <p:sldId id="283" r:id="rId7"/>
-    <p:sldId id="285" r:id="rId8"/>
-    <p:sldId id="286" r:id="rId9"/>
-    <p:sldId id="287" r:id="rId10"/>
-    <p:sldId id="262" r:id="rId11"/>
-    <p:sldId id="261" r:id="rId12"/>
+    <p:sldId id="289" r:id="rId4"/>
+    <p:sldId id="281" r:id="rId5"/>
+    <p:sldId id="282" r:id="rId6"/>
+    <p:sldId id="284" r:id="rId7"/>
+    <p:sldId id="283" r:id="rId8"/>
+    <p:sldId id="285" r:id="rId9"/>
+    <p:sldId id="290" r:id="rId10"/>
+    <p:sldId id="291" r:id="rId11"/>
+    <p:sldId id="292" r:id="rId12"/>
+    <p:sldId id="293" r:id="rId13"/>
+    <p:sldId id="286" r:id="rId14"/>
+    <p:sldId id="287" r:id="rId15"/>
+    <p:sldId id="288" r:id="rId16"/>
+    <p:sldId id="262" r:id="rId17"/>
+    <p:sldId id="261" r:id="rId18"/>
   </p:sldIdLst>
   <p:sldSz cx="9144000" cy="6858000" type="screen4x3"/>
   <p:notesSz cx="6858000" cy="9144000"/>
@@ -241,7 +247,7 @@
               <a:pPr>
                 <a:defRPr/>
               </a:pPr>
-              <a:t>1/18/2015</a:t>
+              <a:t>1/19/2015</a:t>
             </a:fld>
             <a:endParaRPr lang="en-US" dirty="0"/>
           </a:p>
@@ -818,6 +824,164 @@
 </p:notes>
 </file>
 
+<file path=ppt/notesSlides/notesSlide10.xml><?xml version="1.0" encoding="utf-8"?>
+<p:notes xmlns:a="http://schemas.openxmlformats.org/drawingml/2006/main" xmlns:r="http://schemas.openxmlformats.org/officeDocument/2006/relationships" xmlns:p="http://schemas.openxmlformats.org/presentationml/2006/main">
+  <p:cSld>
+    <p:bg>
+      <p:bgPr>
+        <a:solidFill>
+          <a:srgbClr val="FFFFFF"/>
+        </a:solidFill>
+        <a:effectLst/>
+      </p:bgPr>
+    </p:bg>
+    <p:spTree>
+      <p:nvGrpSpPr>
+        <p:cNvPr id="1" name=""/>
+        <p:cNvGrpSpPr/>
+        <p:nvPr/>
+      </p:nvGrpSpPr>
+      <p:grpSpPr>
+        <a:xfrm>
+          <a:off x="0" y="0"/>
+          <a:ext cx="0" cy="0"/>
+          <a:chOff x="0" y="0"/>
+          <a:chExt cx="0" cy="0"/>
+        </a:xfrm>
+      </p:grpSpPr>
+      <p:sp>
+        <p:nvSpPr>
+          <p:cNvPr id="5" name="Rectangle 7"/>
+          <p:cNvSpPr>
+            <a:spLocks noGrp="1" noChangeArrowheads="1"/>
+          </p:cNvSpPr>
+          <p:nvPr>
+            <p:ph type="sldNum"/>
+          </p:nvPr>
+        </p:nvSpPr>
+        <p:spPr>
+          <a:ln/>
+        </p:spPr>
+        <p:txBody>
+          <a:bodyPr/>
+          <a:lstStyle/>
+          <a:p>
+            <a:fld id="{091369A6-9897-4F9D-B0CC-9B53B9D7AAF7}" type="slidenum">
+              <a:rPr lang="en-US" altLang="it-IT"/>
+              <a:pPr/>
+              <a:t>14</a:t>
+            </a:fld>
+            <a:endParaRPr lang="en-US" altLang="it-IT"/>
+          </a:p>
+        </p:txBody>
+      </p:sp>
+      <p:sp>
+        <p:nvSpPr>
+          <p:cNvPr id="20481" name="Rectangle 1"/>
+          <p:cNvSpPr txBox="1">
+            <a:spLocks noGrp="1" noRot="1" noChangeAspect="1" noChangeArrowheads="1"/>
+          </p:cNvSpPr>
+          <p:nvPr>
+            <p:ph type="sldImg"/>
+          </p:nvPr>
+        </p:nvSpPr>
+        <p:spPr bwMode="auto">
+          <a:xfrm>
+            <a:off x="1143000" y="695325"/>
+            <a:ext cx="4570413" cy="3427413"/>
+          </a:xfrm>
+          <a:prstGeom prst="rect">
+            <a:avLst/>
+          </a:prstGeom>
+          <a:solidFill>
+            <a:srgbClr val="FFFFFF"/>
+          </a:solidFill>
+          <a:ln>
+            <a:solidFill>
+              <a:srgbClr val="000000"/>
+            </a:solidFill>
+            <a:miter lim="800000"/>
+            <a:headEnd/>
+            <a:tailEnd/>
+          </a:ln>
+          <a:extLst>
+            <a:ext uri="{AF507438-7753-43E0-B8FC-AC1667EBCBE1}">
+              <a14:hiddenEffects xmlns:a14="http://schemas.microsoft.com/office/drawing/2010/main">
+                <a:effectLst>
+                  <a:outerShdw dist="35921" dir="2700000" algn="ctr" rotWithShape="0">
+                    <a:srgbClr val="808080"/>
+                  </a:outerShdw>
+                </a:effectLst>
+              </a14:hiddenEffects>
+            </a:ext>
+          </a:extLst>
+        </p:spPr>
+      </p:sp>
+      <p:sp>
+        <p:nvSpPr>
+          <p:cNvPr id="20482" name="Rectangle 2"/>
+          <p:cNvSpPr txBox="1">
+            <a:spLocks noGrp="1" noChangeArrowheads="1"/>
+          </p:cNvSpPr>
+          <p:nvPr>
+            <p:ph type="body" idx="1"/>
+          </p:nvPr>
+        </p:nvSpPr>
+        <p:spPr bwMode="auto">
+          <a:xfrm>
+            <a:off x="685512" y="4343230"/>
+            <a:ext cx="5486976" cy="4115139"/>
+          </a:xfrm>
+          <a:prstGeom prst="rect">
+            <a:avLst/>
+          </a:prstGeom>
+          <a:noFill/>
+          <a:ln/>
+          <a:extLst>
+            <a:ext uri="{909E8E84-426E-40DD-AFC4-6F175D3DCCD1}">
+              <a14:hiddenFill xmlns:a14="http://schemas.microsoft.com/office/drawing/2010/main">
+                <a:solidFill>
+                  <a:srgbClr val="FFFFFF"/>
+                </a:solidFill>
+              </a14:hiddenFill>
+            </a:ext>
+            <a:ext uri="{91240B29-F687-4F45-9708-019B960494DF}">
+              <a14:hiddenLine xmlns:a14="http://schemas.microsoft.com/office/drawing/2010/main" w="9525">
+                <a:solidFill>
+                  <a:srgbClr val="000000"/>
+                </a:solidFill>
+                <a:round/>
+                <a:headEnd/>
+                <a:tailEnd/>
+              </a14:hiddenLine>
+            </a:ext>
+            <a:ext uri="{AF507438-7753-43E0-B8FC-AC1667EBCBE1}">
+              <a14:hiddenEffects xmlns:a14="http://schemas.microsoft.com/office/drawing/2010/main">
+                <a:effectLst>
+                  <a:outerShdw dist="35921" dir="2700000" algn="ctr" rotWithShape="0">
+                    <a:srgbClr val="808080"/>
+                  </a:outerShdw>
+                </a:effectLst>
+              </a14:hiddenEffects>
+            </a:ext>
+          </a:extLst>
+        </p:spPr>
+        <p:txBody>
+          <a:bodyPr wrap="none" anchor="ctr"/>
+          <a:lstStyle/>
+          <a:p>
+            <a:endParaRPr lang="it-IT" altLang="it-IT"/>
+          </a:p>
+        </p:txBody>
+      </p:sp>
+    </p:spTree>
+  </p:cSld>
+  <p:clrMapOvr>
+    <a:masterClrMapping/>
+  </p:clrMapOvr>
+</p:notes>
+</file>
+
 <file path=ppt/notesSlides/notesSlide2.xml><?xml version="1.0" encoding="utf-8"?>
 <p:notes xmlns:a="http://schemas.openxmlformats.org/drawingml/2006/main" xmlns:r="http://schemas.openxmlformats.org/officeDocument/2006/relationships" xmlns:p="http://schemas.openxmlformats.org/presentationml/2006/main">
   <p:cSld>
@@ -1142,7 +1306,7 @@
           <a:bodyPr/>
           <a:lstStyle/>
           <a:p>
-            <a:fld id="{091369A6-9897-4F9D-B0CC-9B53B9D7AAF7}" type="slidenum">
+            <a:fld id="{CF581E97-51E8-45B3-8333-2FD0D273456F}" type="slidenum">
               <a:rPr lang="en-US" altLang="it-IT"/>
               <a:pPr/>
               <a:t>3</a:t>
@@ -1153,7 +1317,7 @@
       </p:sp>
       <p:sp>
         <p:nvSpPr>
-          <p:cNvPr id="20481" name="Rectangle 1"/>
+          <p:cNvPr id="18433" name="Rectangle 1"/>
           <p:cNvSpPr txBox="1">
             <a:spLocks noChangeArrowheads="1"/>
           </p:cNvSpPr>
@@ -1195,7 +1359,7 @@
       </p:sp>
       <p:sp>
         <p:nvSpPr>
-          <p:cNvPr id="20482" name="Rectangle 2"/>
+          <p:cNvPr id="18434" name="Rectangle 2"/>
           <p:cNvSpPr txBox="1">
             <a:spLocks noChangeArrowheads="1"/>
           </p:cNvSpPr>
@@ -1313,7 +1477,7 @@
         <p:nvSpPr>
           <p:cNvPr id="20481" name="Rectangle 1"/>
           <p:cNvSpPr txBox="1">
-            <a:spLocks noChangeArrowheads="1"/>
+            <a:spLocks noGrp="1" noRot="1" noChangeAspect="1" noChangeArrowheads="1"/>
           </p:cNvSpPr>
           <p:nvPr>
             <p:ph type="sldImg"/>
@@ -1355,7 +1519,7 @@
         <p:nvSpPr>
           <p:cNvPr id="20482" name="Rectangle 2"/>
           <p:cNvSpPr txBox="1">
-            <a:spLocks noChangeArrowheads="1"/>
+            <a:spLocks noGrp="1" noChangeArrowheads="1"/>
           </p:cNvSpPr>
           <p:nvPr>
             <p:ph type="body" idx="1"/>
@@ -1471,7 +1635,7 @@
         <p:nvSpPr>
           <p:cNvPr id="20481" name="Rectangle 1"/>
           <p:cNvSpPr txBox="1">
-            <a:spLocks noChangeArrowheads="1"/>
+            <a:spLocks noGrp="1" noRot="1" noChangeAspect="1" noChangeArrowheads="1"/>
           </p:cNvSpPr>
           <p:nvPr>
             <p:ph type="sldImg"/>
@@ -1513,7 +1677,7 @@
         <p:nvSpPr>
           <p:cNvPr id="20482" name="Rectangle 2"/>
           <p:cNvSpPr txBox="1">
-            <a:spLocks noChangeArrowheads="1"/>
+            <a:spLocks noGrp="1" noChangeArrowheads="1"/>
           </p:cNvSpPr>
           <p:nvPr>
             <p:ph type="body" idx="1"/>
@@ -1629,7 +1793,7 @@
         <p:nvSpPr>
           <p:cNvPr id="20481" name="Rectangle 1"/>
           <p:cNvSpPr txBox="1">
-            <a:spLocks noChangeArrowheads="1"/>
+            <a:spLocks noGrp="1" noRot="1" noChangeAspect="1" noChangeArrowheads="1"/>
           </p:cNvSpPr>
           <p:nvPr>
             <p:ph type="sldImg"/>
@@ -1671,7 +1835,7 @@
         <p:nvSpPr>
           <p:cNvPr id="20482" name="Rectangle 2"/>
           <p:cNvSpPr txBox="1">
-            <a:spLocks noChangeArrowheads="1"/>
+            <a:spLocks noGrp="1" noChangeArrowheads="1"/>
           </p:cNvSpPr>
           <p:nvPr>
             <p:ph type="body" idx="1"/>
@@ -1787,7 +1951,7 @@
         <p:nvSpPr>
           <p:cNvPr id="20481" name="Rectangle 1"/>
           <p:cNvSpPr txBox="1">
-            <a:spLocks noChangeArrowheads="1"/>
+            <a:spLocks noGrp="1" noRot="1" noChangeAspect="1" noChangeArrowheads="1"/>
           </p:cNvSpPr>
           <p:nvPr>
             <p:ph type="sldImg"/>
@@ -1829,7 +1993,7 @@
         <p:nvSpPr>
           <p:cNvPr id="20482" name="Rectangle 2"/>
           <p:cNvSpPr txBox="1">
-            <a:spLocks noChangeArrowheads="1"/>
+            <a:spLocks noGrp="1" noChangeArrowheads="1"/>
           </p:cNvSpPr>
           <p:nvPr>
             <p:ph type="body" idx="1"/>
@@ -1945,7 +2109,7 @@
         <p:nvSpPr>
           <p:cNvPr id="20481" name="Rectangle 1"/>
           <p:cNvSpPr txBox="1">
-            <a:spLocks noChangeArrowheads="1"/>
+            <a:spLocks noGrp="1" noRot="1" noChangeAspect="1" noChangeArrowheads="1"/>
           </p:cNvSpPr>
           <p:nvPr>
             <p:ph type="sldImg"/>
@@ -1987,7 +2151,7 @@
         <p:nvSpPr>
           <p:cNvPr id="20482" name="Rectangle 2"/>
           <p:cNvSpPr txBox="1">
-            <a:spLocks noChangeArrowheads="1"/>
+            <a:spLocks noGrp="1" noChangeArrowheads="1"/>
           </p:cNvSpPr>
           <p:nvPr>
             <p:ph type="body" idx="1"/>
@@ -2093,7 +2257,7 @@
             <a:fld id="{091369A6-9897-4F9D-B0CC-9B53B9D7AAF7}" type="slidenum">
               <a:rPr lang="en-US" altLang="it-IT"/>
               <a:pPr/>
-              <a:t>9</a:t>
+              <a:t>13</a:t>
             </a:fld>
             <a:endParaRPr lang="en-US" altLang="it-IT"/>
           </a:p>
@@ -2103,7 +2267,7 @@
         <p:nvSpPr>
           <p:cNvPr id="20481" name="Rectangle 1"/>
           <p:cNvSpPr txBox="1">
-            <a:spLocks noChangeArrowheads="1"/>
+            <a:spLocks noGrp="1" noRot="1" noChangeAspect="1" noChangeArrowheads="1"/>
           </p:cNvSpPr>
           <p:nvPr>
             <p:ph type="sldImg"/>
@@ -2145,7 +2309,7 @@
         <p:nvSpPr>
           <p:cNvPr id="20482" name="Rectangle 2"/>
           <p:cNvSpPr txBox="1">
-            <a:spLocks noChangeArrowheads="1"/>
+            <a:spLocks noGrp="1" noChangeArrowheads="1"/>
           </p:cNvSpPr>
           <p:nvPr>
             <p:ph type="body" idx="1"/>
@@ -5703,7 +5867,6 @@
               <a:rPr lang="en-US" altLang="en-US" dirty="0" smtClean="0"/>
               <a:t>19 January 2015</a:t>
             </a:r>
-            <a:endParaRPr lang="en-US" altLang="en-US" dirty="0" smtClean="0"/>
           </a:p>
         </p:txBody>
       </p:sp>
@@ -6031,6 +6194,4079 @@
           <a:chExt cx="0" cy="0"/>
         </a:xfrm>
       </p:grpSpPr>
+      <p:grpSp>
+        <p:nvGrpSpPr>
+          <p:cNvPr id="5" name="Group 4"/>
+          <p:cNvGrpSpPr/>
+          <p:nvPr/>
+        </p:nvGrpSpPr>
+        <p:grpSpPr>
+          <a:xfrm flipH="1">
+            <a:off x="2590800" y="2449622"/>
+            <a:ext cx="3603635" cy="1436578"/>
+            <a:chOff x="901767" y="2057400"/>
+            <a:chExt cx="6714579" cy="2544019"/>
+          </a:xfrm>
+        </p:grpSpPr>
+        <p:sp>
+          <p:nvSpPr>
+            <p:cNvPr id="6" name="Rectangle 5"/>
+            <p:cNvSpPr/>
+            <p:nvPr/>
+          </p:nvSpPr>
+          <p:spPr>
+            <a:xfrm>
+              <a:off x="3031495" y="2491264"/>
+              <a:ext cx="1965505" cy="1547337"/>
+            </a:xfrm>
+            <a:prstGeom prst="rect">
+              <a:avLst/>
+            </a:prstGeom>
+            <a:noFill/>
+            <a:ln>
+              <a:solidFill>
+                <a:srgbClr val="000000"/>
+              </a:solidFill>
+            </a:ln>
+          </p:spPr>
+          <p:style>
+            <a:lnRef idx="1">
+              <a:schemeClr val="accent1"/>
+            </a:lnRef>
+            <a:fillRef idx="3">
+              <a:schemeClr val="accent1"/>
+            </a:fillRef>
+            <a:effectRef idx="2">
+              <a:schemeClr val="accent1"/>
+            </a:effectRef>
+            <a:fontRef idx="minor">
+              <a:schemeClr val="lt1"/>
+            </a:fontRef>
+          </p:style>
+          <p:txBody>
+            <a:bodyPr rtlCol="0" anchor="ctr"/>
+            <a:lstStyle/>
+            <a:p>
+              <a:pPr algn="ctr"/>
+              <a:endParaRPr lang="en-US"/>
+            </a:p>
+          </p:txBody>
+        </p:sp>
+        <p:grpSp>
+          <p:nvGrpSpPr>
+            <p:cNvPr id="7" name="Group 6"/>
+            <p:cNvGrpSpPr/>
+            <p:nvPr/>
+          </p:nvGrpSpPr>
+          <p:grpSpPr>
+            <a:xfrm>
+              <a:off x="3371243" y="2971543"/>
+              <a:ext cx="1591182" cy="591768"/>
+              <a:chOff x="3431442" y="2895600"/>
+              <a:chExt cx="1591182" cy="591768"/>
+            </a:xfrm>
+          </p:grpSpPr>
+          <p:grpSp>
+            <p:nvGrpSpPr>
+              <p:cNvPr id="32" name="Group 31"/>
+              <p:cNvGrpSpPr/>
+              <p:nvPr/>
+            </p:nvGrpSpPr>
+            <p:grpSpPr>
+              <a:xfrm>
+                <a:off x="3431442" y="2895600"/>
+                <a:ext cx="647741" cy="591768"/>
+                <a:chOff x="3431443" y="2895085"/>
+                <a:chExt cx="647741" cy="591768"/>
+              </a:xfrm>
+            </p:grpSpPr>
+            <p:sp>
+              <p:nvSpPr>
+                <p:cNvPr id="36" name="Oval 35"/>
+                <p:cNvSpPr/>
+                <p:nvPr/>
+              </p:nvSpPr>
+              <p:spPr>
+                <a:xfrm>
+                  <a:off x="3621984" y="2895085"/>
+                  <a:ext cx="304801" cy="304800"/>
+                </a:xfrm>
+                <a:prstGeom prst="ellipse">
+                  <a:avLst/>
+                </a:prstGeom>
+                <a:noFill/>
+                <a:ln>
+                  <a:solidFill>
+                    <a:srgbClr val="000000"/>
+                  </a:solidFill>
+                </a:ln>
+              </p:spPr>
+              <p:style>
+                <a:lnRef idx="1">
+                  <a:schemeClr val="accent1"/>
+                </a:lnRef>
+                <a:fillRef idx="3">
+                  <a:schemeClr val="accent1"/>
+                </a:fillRef>
+                <a:effectRef idx="2">
+                  <a:schemeClr val="accent1"/>
+                </a:effectRef>
+                <a:fontRef idx="minor">
+                  <a:schemeClr val="lt1"/>
+                </a:fontRef>
+              </p:style>
+              <p:txBody>
+                <a:bodyPr rtlCol="0" anchor="ctr"/>
+                <a:lstStyle/>
+                <a:p>
+                  <a:pPr algn="ctr"/>
+                  <a:endParaRPr lang="en-US"/>
+                </a:p>
+              </p:txBody>
+            </p:sp>
+            <mc:AlternateContent xmlns:mc="http://schemas.openxmlformats.org/markup-compatibility/2006" xmlns:a14="http://schemas.microsoft.com/office/drawing/2010/main">
+              <mc:Choice Requires="a14">
+                <p:sp>
+                  <p:nvSpPr>
+                    <p:cNvPr id="37" name="TextBox 36"/>
+                    <p:cNvSpPr txBox="1"/>
+                    <p:nvPr/>
+                  </p:nvSpPr>
+                  <p:spPr>
+                    <a:xfrm>
+                      <a:off x="3431443" y="3105339"/>
+                      <a:ext cx="647741" cy="381514"/>
+                    </a:xfrm>
+                    <a:prstGeom prst="rect">
+                      <a:avLst/>
+                    </a:prstGeom>
+                    <a:noFill/>
+                  </p:spPr>
+                  <p:txBody>
+                    <a:bodyPr wrap="none" rtlCol="0">
+                      <a:spAutoFit/>
+                    </a:bodyPr>
+                    <a:lstStyle/>
+                    <a:p>
+                      <a:pPr/>
+                      <a14:m>
+                        <m:oMathPara xmlns:m="http://schemas.openxmlformats.org/officeDocument/2006/math">
+                          <m:oMathParaPr>
+                            <m:jc m:val="centerGroup"/>
+                          </m:oMathParaPr>
+                          <m:oMath xmlns:m="http://schemas.openxmlformats.org/officeDocument/2006/math">
+                            <m:sSub>
+                              <m:sSubPr>
+                                <m:ctrlPr>
+                                  <a:rPr lang="en-US" b="0" i="1" smtClean="0">
+                                    <a:solidFill>
+                                      <a:srgbClr val="000000"/>
+                                    </a:solidFill>
+                                    <a:latin typeface="Cambria Math"/>
+                                  </a:rPr>
+                                </m:ctrlPr>
+                              </m:sSubPr>
+                              <m:e>
+                                <m:r>
+                                  <a:rPr lang="en-US" b="0" i="1" smtClean="0">
+                                    <a:solidFill>
+                                      <a:srgbClr val="000000"/>
+                                    </a:solidFill>
+                                    <a:latin typeface="Cambria Math"/>
+                                  </a:rPr>
+                                  <m:t>𝑍</m:t>
+                                </m:r>
+                              </m:e>
+                              <m:sub>
+                                <m:r>
+                                  <a:rPr lang="en-US" b="0" i="1" smtClean="0">
+                                    <a:solidFill>
+                                      <a:srgbClr val="000000"/>
+                                    </a:solidFill>
+                                    <a:latin typeface="Cambria Math"/>
+                                  </a:rPr>
+                                  <m:t>𝑑</m:t>
+                                </m:r>
+                                <m:r>
+                                  <a:rPr lang="en-US" b="0" i="1" smtClean="0">
+                                    <a:solidFill>
+                                      <a:srgbClr val="000000"/>
+                                    </a:solidFill>
+                                    <a:latin typeface="Cambria Math"/>
+                                  </a:rPr>
+                                  <m:t>,</m:t>
+                                </m:r>
+                                <m:r>
+                                  <a:rPr lang="en-US" b="0" i="1" smtClean="0">
+                                    <a:solidFill>
+                                      <a:srgbClr val="000000"/>
+                                    </a:solidFill>
+                                    <a:latin typeface="Cambria Math"/>
+                                  </a:rPr>
+                                  <m:t>𝑛</m:t>
+                                </m:r>
+                              </m:sub>
+                            </m:sSub>
+                          </m:oMath>
+                        </m:oMathPara>
+                      </a14:m>
+                      <a:endParaRPr lang="en-US" dirty="0">
+                        <a:solidFill>
+                          <a:srgbClr val="000000"/>
+                        </a:solidFill>
+                      </a:endParaRPr>
+                    </a:p>
+                  </p:txBody>
+                </p:sp>
+              </mc:Choice>
+              <mc:Fallback xmlns="">
+                <p:sp>
+                  <p:nvSpPr>
+                    <p:cNvPr id="39" name="TextBox 38"/>
+                    <p:cNvSpPr txBox="1">
+                      <a:spLocks noRot="1" noChangeAspect="1" noMove="1" noResize="1" noEditPoints="1" noAdjustHandles="1" noChangeArrowheads="1" noChangeShapeType="1" noTextEdit="1"/>
+                    </p:cNvSpPr>
+                    <p:nvPr/>
+                  </p:nvSpPr>
+                  <p:spPr>
+                    <a:xfrm>
+                      <a:off x="3431443" y="3105339"/>
+                      <a:ext cx="647741" cy="381514"/>
+                    </a:xfrm>
+                    <a:prstGeom prst="rect">
+                      <a:avLst/>
+                    </a:prstGeom>
+                    <a:blipFill rotWithShape="1">
+                      <a:blip r:embed="rId5"/>
+                      <a:stretch>
+                        <a:fillRect r="-50877" b="-74286"/>
+                      </a:stretch>
+                    </a:blipFill>
+                  </p:spPr>
+                  <p:txBody>
+                    <a:bodyPr/>
+                    <a:lstStyle/>
+                    <a:p>
+                      <a:r>
+                        <a:rPr lang="en-US">
+                          <a:noFill/>
+                        </a:rPr>
+                        <a:t> </a:t>
+                      </a:r>
+                    </a:p>
+                  </p:txBody>
+                </p:sp>
+              </mc:Fallback>
+            </mc:AlternateContent>
+          </p:grpSp>
+          <p:grpSp>
+            <p:nvGrpSpPr>
+              <p:cNvPr id="33" name="Group 32"/>
+              <p:cNvGrpSpPr/>
+              <p:nvPr/>
+            </p:nvGrpSpPr>
+            <p:grpSpPr>
+              <a:xfrm>
+                <a:off x="4315444" y="2895600"/>
+                <a:ext cx="707180" cy="591254"/>
+                <a:chOff x="4315444" y="2895600"/>
+                <a:chExt cx="707180" cy="591254"/>
+              </a:xfrm>
+            </p:grpSpPr>
+            <p:sp>
+              <p:nvSpPr>
+                <p:cNvPr id="34" name="Oval 33"/>
+                <p:cNvSpPr/>
+                <p:nvPr/>
+              </p:nvSpPr>
+              <p:spPr>
+                <a:xfrm>
+                  <a:off x="4509736" y="2895600"/>
+                  <a:ext cx="304799" cy="304799"/>
+                </a:xfrm>
+                <a:prstGeom prst="ellipse">
+                  <a:avLst/>
+                </a:prstGeom>
+                <a:pattFill prst="pct50">
+                  <a:fgClr>
+                    <a:schemeClr val="tx2"/>
+                  </a:fgClr>
+                  <a:bgClr>
+                    <a:schemeClr val="tx2">
+                      <a:lumMod val="50000"/>
+                    </a:schemeClr>
+                  </a:bgClr>
+                </a:pattFill>
+                <a:ln>
+                  <a:solidFill>
+                    <a:srgbClr val="000000"/>
+                  </a:solidFill>
+                </a:ln>
+                <a:effectLst/>
+              </p:spPr>
+              <p:style>
+                <a:lnRef idx="1">
+                  <a:schemeClr val="accent1"/>
+                </a:lnRef>
+                <a:fillRef idx="3">
+                  <a:schemeClr val="accent1"/>
+                </a:fillRef>
+                <a:effectRef idx="2">
+                  <a:schemeClr val="accent1"/>
+                </a:effectRef>
+                <a:fontRef idx="minor">
+                  <a:schemeClr val="lt1"/>
+                </a:fontRef>
+              </p:style>
+              <p:txBody>
+                <a:bodyPr rtlCol="0" anchor="ctr"/>
+                <a:lstStyle/>
+                <a:p>
+                  <a:pPr algn="ctr"/>
+                  <a:endParaRPr lang="en-US"/>
+                </a:p>
+              </p:txBody>
+            </p:sp>
+            <mc:AlternateContent xmlns:mc="http://schemas.openxmlformats.org/markup-compatibility/2006" xmlns:a14="http://schemas.microsoft.com/office/drawing/2010/main">
+              <mc:Choice Requires="a14">
+                <p:sp>
+                  <p:nvSpPr>
+                    <p:cNvPr id="35" name="TextBox 34"/>
+                    <p:cNvSpPr txBox="1"/>
+                    <p:nvPr/>
+                  </p:nvSpPr>
+                  <p:spPr>
+                    <a:xfrm>
+                      <a:off x="4315444" y="3105340"/>
+                      <a:ext cx="707180" cy="381514"/>
+                    </a:xfrm>
+                    <a:prstGeom prst="rect">
+                      <a:avLst/>
+                    </a:prstGeom>
+                    <a:noFill/>
+                  </p:spPr>
+                  <p:txBody>
+                    <a:bodyPr wrap="none" rtlCol="0">
+                      <a:spAutoFit/>
+                    </a:bodyPr>
+                    <a:lstStyle/>
+                    <a:p>
+                      <a:pPr/>
+                      <a14:m>
+                        <m:oMathPara xmlns:m="http://schemas.openxmlformats.org/officeDocument/2006/math">
+                          <m:oMathParaPr>
+                            <m:jc m:val="centerGroup"/>
+                          </m:oMathParaPr>
+                          <m:oMath xmlns:m="http://schemas.openxmlformats.org/officeDocument/2006/math">
+                            <m:sSub>
+                              <m:sSubPr>
+                                <m:ctrlPr>
+                                  <a:rPr lang="en-US" b="0" i="1" smtClean="0">
+                                    <a:solidFill>
+                                      <a:srgbClr val="000000"/>
+                                    </a:solidFill>
+                                    <a:latin typeface="Cambria Math"/>
+                                  </a:rPr>
+                                </m:ctrlPr>
+                              </m:sSubPr>
+                              <m:e>
+                                <m:r>
+                                  <a:rPr lang="en-US" b="0" i="1" smtClean="0">
+                                    <a:solidFill>
+                                      <a:srgbClr val="000000"/>
+                                    </a:solidFill>
+                                    <a:latin typeface="Cambria Math"/>
+                                  </a:rPr>
+                                  <m:t>𝑊</m:t>
+                                </m:r>
+                              </m:e>
+                              <m:sub>
+                                <m:r>
+                                  <a:rPr lang="en-US" b="0" i="1" smtClean="0">
+                                    <a:solidFill>
+                                      <a:srgbClr val="000000"/>
+                                    </a:solidFill>
+                                    <a:latin typeface="Cambria Math"/>
+                                  </a:rPr>
+                                  <m:t>𝑑</m:t>
+                                </m:r>
+                                <m:r>
+                                  <a:rPr lang="en-US" b="0" i="1" smtClean="0">
+                                    <a:solidFill>
+                                      <a:srgbClr val="000000"/>
+                                    </a:solidFill>
+                                    <a:latin typeface="Cambria Math"/>
+                                  </a:rPr>
+                                  <m:t>,</m:t>
+                                </m:r>
+                                <m:r>
+                                  <a:rPr lang="en-US" b="0" i="1" smtClean="0">
+                                    <a:solidFill>
+                                      <a:srgbClr val="000000"/>
+                                    </a:solidFill>
+                                    <a:latin typeface="Cambria Math"/>
+                                  </a:rPr>
+                                  <m:t>𝑛</m:t>
+                                </m:r>
+                              </m:sub>
+                            </m:sSub>
+                          </m:oMath>
+                        </m:oMathPara>
+                      </a14:m>
+                      <a:endParaRPr lang="en-US" dirty="0">
+                        <a:solidFill>
+                          <a:srgbClr val="000000"/>
+                        </a:solidFill>
+                      </a:endParaRPr>
+                    </a:p>
+                  </p:txBody>
+                </p:sp>
+              </mc:Choice>
+              <mc:Fallback xmlns="">
+                <p:sp>
+                  <p:nvSpPr>
+                    <p:cNvPr id="37" name="TextBox 36"/>
+                    <p:cNvSpPr txBox="1">
+                      <a:spLocks noRot="1" noChangeAspect="1" noMove="1" noResize="1" noEditPoints="1" noAdjustHandles="1" noChangeArrowheads="1" noChangeShapeType="1" noTextEdit="1"/>
+                    </p:cNvSpPr>
+                    <p:nvPr/>
+                  </p:nvSpPr>
+                  <p:spPr>
+                    <a:xfrm>
+                      <a:off x="4315444" y="3105340"/>
+                      <a:ext cx="707180" cy="381514"/>
+                    </a:xfrm>
+                    <a:prstGeom prst="rect">
+                      <a:avLst/>
+                    </a:prstGeom>
+                    <a:blipFill rotWithShape="1">
+                      <a:blip r:embed="rId6"/>
+                      <a:stretch>
+                        <a:fillRect r="-54839" b="-74286"/>
+                      </a:stretch>
+                    </a:blipFill>
+                  </p:spPr>
+                  <p:txBody>
+                    <a:bodyPr/>
+                    <a:lstStyle/>
+                    <a:p>
+                      <a:r>
+                        <a:rPr lang="en-US">
+                          <a:noFill/>
+                        </a:rPr>
+                        <a:t> </a:t>
+                      </a:r>
+                    </a:p>
+                  </p:txBody>
+                </p:sp>
+              </mc:Fallback>
+            </mc:AlternateContent>
+          </p:grpSp>
+        </p:grpSp>
+        <mc:AlternateContent xmlns:mc="http://schemas.openxmlformats.org/markup-compatibility/2006" xmlns:a14="http://schemas.microsoft.com/office/drawing/2010/main">
+          <mc:Choice Requires="a14">
+            <p:sp>
+              <p:nvSpPr>
+                <p:cNvPr id="8" name="TextBox 7"/>
+                <p:cNvSpPr txBox="1"/>
+                <p:nvPr/>
+              </p:nvSpPr>
+              <p:spPr>
+                <a:xfrm>
+                  <a:off x="3126720" y="3659386"/>
+                  <a:ext cx="472703" cy="463282"/>
+                </a:xfrm>
+                <a:prstGeom prst="rect">
+                  <a:avLst/>
+                </a:prstGeom>
+                <a:noFill/>
+              </p:spPr>
+              <p:txBody>
+                <a:bodyPr wrap="square" rtlCol="0">
+                  <a:spAutoFit/>
+                </a:bodyPr>
+                <a:lstStyle/>
+                <a:p>
+                  <a:pPr/>
+                  <a14:m>
+                    <m:oMathPara xmlns:m="http://schemas.openxmlformats.org/officeDocument/2006/math">
+                      <m:oMathParaPr>
+                        <m:jc m:val="centerGroup"/>
+                      </m:oMathParaPr>
+                      <m:oMath xmlns:m="http://schemas.openxmlformats.org/officeDocument/2006/math">
+                        <m:sSub>
+                          <m:sSubPr>
+                            <m:ctrlPr>
+                              <a:rPr lang="en-US" sz="1100" b="0" i="1" smtClean="0">
+                                <a:solidFill>
+                                  <a:srgbClr val="000000"/>
+                                </a:solidFill>
+                                <a:latin typeface="Cambria Math"/>
+                              </a:rPr>
+                            </m:ctrlPr>
+                          </m:sSubPr>
+                          <m:e>
+                            <m:r>
+                              <a:rPr lang="en-US" sz="1100" b="0" i="1" smtClean="0">
+                                <a:solidFill>
+                                  <a:srgbClr val="000000"/>
+                                </a:solidFill>
+                                <a:latin typeface="Cambria Math"/>
+                              </a:rPr>
+                              <m:t>𝑁</m:t>
+                            </m:r>
+                          </m:e>
+                          <m:sub>
+                            <m:r>
+                              <a:rPr lang="en-US" sz="1100" b="0" i="1" smtClean="0">
+                                <a:solidFill>
+                                  <a:srgbClr val="000000"/>
+                                </a:solidFill>
+                                <a:latin typeface="Cambria Math"/>
+                              </a:rPr>
+                              <m:t>𝑑</m:t>
+                            </m:r>
+                          </m:sub>
+                        </m:sSub>
+                      </m:oMath>
+                    </m:oMathPara>
+                  </a14:m>
+                  <a:endParaRPr lang="en-US" sz="1100" dirty="0">
+                    <a:solidFill>
+                      <a:srgbClr val="000000"/>
+                    </a:solidFill>
+                  </a:endParaRPr>
+                </a:p>
+              </p:txBody>
+            </p:sp>
+          </mc:Choice>
+          <mc:Fallback xmlns="">
+            <p:sp>
+              <p:nvSpPr>
+                <p:cNvPr id="10" name="TextBox 9"/>
+                <p:cNvSpPr txBox="1">
+                  <a:spLocks noRot="1" noChangeAspect="1" noMove="1" noResize="1" noEditPoints="1" noAdjustHandles="1" noChangeArrowheads="1" noChangeShapeType="1" noTextEdit="1"/>
+                </p:cNvSpPr>
+                <p:nvPr/>
+              </p:nvSpPr>
+              <p:spPr>
+                <a:xfrm>
+                  <a:off x="3126720" y="3659386"/>
+                  <a:ext cx="472703" cy="463282"/>
+                </a:xfrm>
+                <a:prstGeom prst="rect">
+                  <a:avLst/>
+                </a:prstGeom>
+                <a:blipFill rotWithShape="1">
+                  <a:blip r:embed="rId7"/>
+                  <a:stretch>
+                    <a:fillRect r="-11905"/>
+                  </a:stretch>
+                </a:blipFill>
+              </p:spPr>
+              <p:txBody>
+                <a:bodyPr/>
+                <a:lstStyle/>
+                <a:p>
+                  <a:r>
+                    <a:rPr lang="en-US">
+                      <a:noFill/>
+                    </a:rPr>
+                    <a:t> </a:t>
+                  </a:r>
+                </a:p>
+              </p:txBody>
+            </p:sp>
+          </mc:Fallback>
+        </mc:AlternateContent>
+        <p:grpSp>
+          <p:nvGrpSpPr>
+            <p:cNvPr id="9" name="Group 8"/>
+            <p:cNvGrpSpPr/>
+            <p:nvPr/>
+          </p:nvGrpSpPr>
+          <p:grpSpPr>
+            <a:xfrm>
+              <a:off x="1715973" y="2057400"/>
+              <a:ext cx="3922828" cy="2532351"/>
+              <a:chOff x="1480603" y="2057400"/>
+              <a:chExt cx="4158197" cy="2532351"/>
+            </a:xfrm>
+          </p:grpSpPr>
+          <mc:AlternateContent xmlns:mc="http://schemas.openxmlformats.org/markup-compatibility/2006" xmlns:a14="http://schemas.microsoft.com/office/drawing/2010/main">
+            <mc:Choice Requires="a14">
+              <p:sp>
+                <p:nvSpPr>
+                  <p:cNvPr id="30" name="TextBox 29"/>
+                  <p:cNvSpPr txBox="1"/>
+                  <p:nvPr/>
+                </p:nvSpPr>
+                <p:spPr>
+                  <a:xfrm>
+                    <a:off x="1480603" y="4126469"/>
+                    <a:ext cx="641949" cy="463282"/>
+                  </a:xfrm>
+                  <a:prstGeom prst="rect">
+                    <a:avLst/>
+                  </a:prstGeom>
+                  <a:noFill/>
+                </p:spPr>
+                <p:txBody>
+                  <a:bodyPr wrap="none" rtlCol="0">
+                    <a:spAutoFit/>
+                  </a:bodyPr>
+                  <a:lstStyle/>
+                  <a:p>
+                    <a:pPr/>
+                    <a14:m>
+                      <m:oMathPara xmlns:m="http://schemas.openxmlformats.org/officeDocument/2006/math">
+                        <m:oMathParaPr>
+                          <m:jc m:val="centerGroup"/>
+                        </m:oMathParaPr>
+                        <m:oMath xmlns:m="http://schemas.openxmlformats.org/officeDocument/2006/math">
+                          <m:r>
+                            <a:rPr lang="en-US" sz="1100" b="0" i="1" smtClean="0">
+                              <a:solidFill>
+                                <a:srgbClr val="000000"/>
+                              </a:solidFill>
+                              <a:latin typeface="Cambria Math"/>
+                            </a:rPr>
+                            <m:t>𝐷</m:t>
+                          </m:r>
+                        </m:oMath>
+                      </m:oMathPara>
+                    </a14:m>
+                    <a:endParaRPr lang="en-US" sz="1100" dirty="0">
+                      <a:solidFill>
+                        <a:srgbClr val="000000"/>
+                      </a:solidFill>
+                    </a:endParaRPr>
+                  </a:p>
+                </p:txBody>
+              </p:sp>
+            </mc:Choice>
+            <mc:Fallback xmlns="">
+              <p:sp>
+                <p:nvSpPr>
+                  <p:cNvPr id="32" name="TextBox 31"/>
+                  <p:cNvSpPr txBox="1">
+                    <a:spLocks noRot="1" noChangeAspect="1" noMove="1" noResize="1" noEditPoints="1" noAdjustHandles="1" noChangeArrowheads="1" noChangeShapeType="1" noTextEdit="1"/>
+                  </p:cNvSpPr>
+                  <p:nvPr/>
+                </p:nvSpPr>
+                <p:spPr>
+                  <a:xfrm>
+                    <a:off x="1480603" y="4126469"/>
+                    <a:ext cx="641949" cy="463282"/>
+                  </a:xfrm>
+                  <a:prstGeom prst="rect">
+                    <a:avLst/>
+                  </a:prstGeom>
+                  <a:blipFill rotWithShape="1">
+                    <a:blip r:embed="rId8"/>
+                    <a:stretch>
+                      <a:fillRect/>
+                    </a:stretch>
+                  </a:blipFill>
+                </p:spPr>
+                <p:txBody>
+                  <a:bodyPr/>
+                  <a:lstStyle/>
+                  <a:p>
+                    <a:r>
+                      <a:rPr lang="en-US">
+                        <a:noFill/>
+                      </a:rPr>
+                      <a:t> </a:t>
+                    </a:r>
+                  </a:p>
+                </p:txBody>
+              </p:sp>
+            </mc:Fallback>
+          </mc:AlternateContent>
+          <p:sp>
+            <p:nvSpPr>
+              <p:cNvPr id="31" name="Rectangle 30"/>
+              <p:cNvSpPr/>
+              <p:nvPr/>
+            </p:nvSpPr>
+            <p:spPr>
+              <a:xfrm>
+                <a:off x="1600200" y="2057400"/>
+                <a:ext cx="4038600" cy="2438400"/>
+              </a:xfrm>
+              <a:prstGeom prst="rect">
+                <a:avLst/>
+              </a:prstGeom>
+              <a:noFill/>
+              <a:ln>
+                <a:solidFill>
+                  <a:srgbClr val="000000"/>
+                </a:solidFill>
+              </a:ln>
+            </p:spPr>
+            <p:style>
+              <a:lnRef idx="1">
+                <a:schemeClr val="accent1"/>
+              </a:lnRef>
+              <a:fillRef idx="3">
+                <a:schemeClr val="accent1"/>
+              </a:fillRef>
+              <a:effectRef idx="2">
+                <a:schemeClr val="accent1"/>
+              </a:effectRef>
+              <a:fontRef idx="minor">
+                <a:schemeClr val="lt1"/>
+              </a:fontRef>
+            </p:style>
+            <p:txBody>
+              <a:bodyPr rtlCol="0" anchor="ctr"/>
+              <a:lstStyle/>
+              <a:p>
+                <a:pPr algn="ctr"/>
+                <a:endParaRPr lang="en-US"/>
+              </a:p>
+            </p:txBody>
+          </p:sp>
+        </p:grpSp>
+        <p:grpSp>
+          <p:nvGrpSpPr>
+            <p:cNvPr id="10" name="Group 9"/>
+            <p:cNvGrpSpPr/>
+            <p:nvPr/>
+          </p:nvGrpSpPr>
+          <p:grpSpPr>
+            <a:xfrm>
+              <a:off x="2362200" y="2971543"/>
+              <a:ext cx="492764" cy="579585"/>
+              <a:chOff x="2362200" y="2971543"/>
+              <a:chExt cx="492764" cy="579585"/>
+            </a:xfrm>
+          </p:grpSpPr>
+          <p:sp>
+            <p:nvSpPr>
+              <p:cNvPr id="28" name="Oval 27"/>
+              <p:cNvSpPr/>
+              <p:nvPr/>
+            </p:nvSpPr>
+            <p:spPr>
+              <a:xfrm>
+                <a:off x="2438400" y="2971543"/>
+                <a:ext cx="304800" cy="304800"/>
+              </a:xfrm>
+              <a:prstGeom prst="ellipse">
+                <a:avLst/>
+              </a:prstGeom>
+              <a:noFill/>
+              <a:ln>
+                <a:solidFill>
+                  <a:srgbClr val="000000"/>
+                </a:solidFill>
+              </a:ln>
+            </p:spPr>
+            <p:style>
+              <a:lnRef idx="1">
+                <a:schemeClr val="accent1"/>
+              </a:lnRef>
+              <a:fillRef idx="3">
+                <a:schemeClr val="accent1"/>
+              </a:fillRef>
+              <a:effectRef idx="2">
+                <a:schemeClr val="accent1"/>
+              </a:effectRef>
+              <a:fontRef idx="minor">
+                <a:schemeClr val="lt1"/>
+              </a:fontRef>
+            </p:style>
+            <p:txBody>
+              <a:bodyPr rtlCol="0" anchor="ctr"/>
+              <a:lstStyle/>
+              <a:p>
+                <a:pPr algn="ctr"/>
+                <a:endParaRPr lang="en-US"/>
+              </a:p>
+            </p:txBody>
+          </p:sp>
+          <mc:AlternateContent xmlns:mc="http://schemas.openxmlformats.org/markup-compatibility/2006" xmlns:a14="http://schemas.microsoft.com/office/drawing/2010/main">
+            <mc:Choice Requires="a14">
+              <p:sp>
+                <p:nvSpPr>
+                  <p:cNvPr id="29" name="TextBox 28"/>
+                  <p:cNvSpPr txBox="1"/>
+                  <p:nvPr/>
+                </p:nvSpPr>
+                <p:spPr>
+                  <a:xfrm>
+                    <a:off x="2362200" y="3181795"/>
+                    <a:ext cx="492764" cy="369333"/>
+                  </a:xfrm>
+                  <a:prstGeom prst="rect">
+                    <a:avLst/>
+                  </a:prstGeom>
+                  <a:noFill/>
+                </p:spPr>
+                <p:txBody>
+                  <a:bodyPr wrap="none" rtlCol="0">
+                    <a:spAutoFit/>
+                  </a:bodyPr>
+                  <a:lstStyle/>
+                  <a:p>
+                    <a:pPr/>
+                    <a14:m>
+                      <m:oMathPara xmlns:m="http://schemas.openxmlformats.org/officeDocument/2006/math">
+                        <m:oMathParaPr>
+                          <m:jc m:val="centerGroup"/>
+                        </m:oMathParaPr>
+                        <m:oMath xmlns:m="http://schemas.openxmlformats.org/officeDocument/2006/math">
+                          <m:sSub>
+                            <m:sSubPr>
+                              <m:ctrlPr>
+                                <a:rPr lang="en-US" b="0" i="1" smtClean="0">
+                                  <a:solidFill>
+                                    <a:srgbClr val="000000"/>
+                                  </a:solidFill>
+                                  <a:latin typeface="Cambria Math"/>
+                                </a:rPr>
+                              </m:ctrlPr>
+                            </m:sSubPr>
+                            <m:e>
+                              <m:r>
+                                <a:rPr lang="en-US" i="1" smtClean="0">
+                                  <a:solidFill>
+                                    <a:srgbClr val="000000"/>
+                                  </a:solidFill>
+                                  <a:latin typeface="Cambria Math"/>
+                                  <a:ea typeface="Cambria Math"/>
+                                </a:rPr>
+                                <m:t>𝜃</m:t>
+                              </m:r>
+                            </m:e>
+                            <m:sub>
+                              <m:r>
+                                <a:rPr lang="en-US" b="0" i="1" smtClean="0">
+                                  <a:solidFill>
+                                    <a:srgbClr val="000000"/>
+                                  </a:solidFill>
+                                  <a:latin typeface="Cambria Math"/>
+                                </a:rPr>
+                                <m:t>𝑑</m:t>
+                              </m:r>
+                            </m:sub>
+                          </m:sSub>
+                        </m:oMath>
+                      </m:oMathPara>
+                    </a14:m>
+                    <a:endParaRPr lang="en-US" dirty="0">
+                      <a:solidFill>
+                        <a:srgbClr val="000000"/>
+                      </a:solidFill>
+                    </a:endParaRPr>
+                  </a:p>
+                </p:txBody>
+              </p:sp>
+            </mc:Choice>
+            <mc:Fallback xmlns="">
+              <p:sp>
+                <p:nvSpPr>
+                  <p:cNvPr id="31" name="TextBox 30"/>
+                  <p:cNvSpPr txBox="1">
+                    <a:spLocks noRot="1" noChangeAspect="1" noMove="1" noResize="1" noEditPoints="1" noAdjustHandles="1" noChangeArrowheads="1" noChangeShapeType="1" noTextEdit="1"/>
+                  </p:cNvSpPr>
+                  <p:nvPr/>
+                </p:nvSpPr>
+                <p:spPr>
+                  <a:xfrm>
+                    <a:off x="2362200" y="3181795"/>
+                    <a:ext cx="492764" cy="369333"/>
+                  </a:xfrm>
+                  <a:prstGeom prst="rect">
+                    <a:avLst/>
+                  </a:prstGeom>
+                  <a:blipFill rotWithShape="1">
+                    <a:blip r:embed="rId9"/>
+                    <a:stretch>
+                      <a:fillRect r="-46512" b="-79412"/>
+                    </a:stretch>
+                  </a:blipFill>
+                </p:spPr>
+                <p:txBody>
+                  <a:bodyPr/>
+                  <a:lstStyle/>
+                  <a:p>
+                    <a:r>
+                      <a:rPr lang="en-US">
+                        <a:noFill/>
+                      </a:rPr>
+                      <a:t> </a:t>
+                    </a:r>
+                  </a:p>
+                </p:txBody>
+              </p:sp>
+            </mc:Fallback>
+          </mc:AlternateContent>
+        </p:grpSp>
+        <p:cxnSp>
+          <p:nvCxnSpPr>
+            <p:cNvPr id="11" name="Straight Arrow Connector 10"/>
+            <p:cNvCxnSpPr>
+              <a:stCxn id="28" idx="6"/>
+              <a:endCxn id="36" idx="2"/>
+            </p:cNvCxnSpPr>
+            <p:nvPr/>
+          </p:nvCxnSpPr>
+          <p:spPr>
+            <a:xfrm>
+              <a:off x="2743199" y="3123944"/>
+              <a:ext cx="818583" cy="0"/>
+            </a:xfrm>
+            <a:prstGeom prst="straightConnector1">
+              <a:avLst/>
+            </a:prstGeom>
+            <a:ln cap="sq">
+              <a:solidFill>
+                <a:srgbClr val="000000"/>
+              </a:solidFill>
+              <a:tailEnd type="triangle"/>
+            </a:ln>
+            <a:effectLst/>
+          </p:spPr>
+          <p:style>
+            <a:lnRef idx="2">
+              <a:schemeClr val="accent1"/>
+            </a:lnRef>
+            <a:fillRef idx="0">
+              <a:schemeClr val="accent1"/>
+            </a:fillRef>
+            <a:effectRef idx="1">
+              <a:schemeClr val="accent1"/>
+            </a:effectRef>
+            <a:fontRef idx="minor">
+              <a:schemeClr val="tx1"/>
+            </a:fontRef>
+          </p:style>
+        </p:cxnSp>
+        <p:cxnSp>
+          <p:nvCxnSpPr>
+            <p:cNvPr id="12" name="Straight Arrow Connector 11"/>
+            <p:cNvCxnSpPr>
+              <a:stCxn id="36" idx="6"/>
+              <a:endCxn id="34" idx="2"/>
+            </p:cNvCxnSpPr>
+            <p:nvPr/>
+          </p:nvCxnSpPr>
+          <p:spPr>
+            <a:xfrm>
+              <a:off x="3866584" y="3123944"/>
+              <a:ext cx="582953" cy="0"/>
+            </a:xfrm>
+            <a:prstGeom prst="straightConnector1">
+              <a:avLst/>
+            </a:prstGeom>
+            <a:ln cap="sq">
+              <a:solidFill>
+                <a:srgbClr val="000000"/>
+              </a:solidFill>
+              <a:tailEnd type="triangle"/>
+            </a:ln>
+            <a:effectLst/>
+          </p:spPr>
+          <p:style>
+            <a:lnRef idx="2">
+              <a:schemeClr val="accent1"/>
+            </a:lnRef>
+            <a:fillRef idx="0">
+              <a:schemeClr val="accent1"/>
+            </a:fillRef>
+            <a:effectRef idx="1">
+              <a:schemeClr val="accent1"/>
+            </a:effectRef>
+            <a:fontRef idx="minor">
+              <a:schemeClr val="tx1"/>
+            </a:fontRef>
+          </p:style>
+        </p:cxnSp>
+        <p:grpSp>
+          <p:nvGrpSpPr>
+            <p:cNvPr id="13" name="Group 12"/>
+            <p:cNvGrpSpPr/>
+            <p:nvPr/>
+          </p:nvGrpSpPr>
+          <p:grpSpPr>
+            <a:xfrm>
+              <a:off x="6155096" y="2971543"/>
+              <a:ext cx="490647" cy="579585"/>
+              <a:chOff x="6155096" y="2971543"/>
+              <a:chExt cx="490647" cy="579585"/>
+            </a:xfrm>
+          </p:grpSpPr>
+          <p:sp>
+            <p:nvSpPr>
+              <p:cNvPr id="26" name="Oval 25"/>
+              <p:cNvSpPr/>
+              <p:nvPr/>
+            </p:nvSpPr>
+            <p:spPr>
+              <a:xfrm>
+                <a:off x="6231297" y="2971543"/>
+                <a:ext cx="304799" cy="304800"/>
+              </a:xfrm>
+              <a:prstGeom prst="ellipse">
+                <a:avLst/>
+              </a:prstGeom>
+              <a:noFill/>
+              <a:ln>
+                <a:solidFill>
+                  <a:srgbClr val="000000"/>
+                </a:solidFill>
+              </a:ln>
+            </p:spPr>
+            <p:style>
+              <a:lnRef idx="1">
+                <a:schemeClr val="accent1"/>
+              </a:lnRef>
+              <a:fillRef idx="3">
+                <a:schemeClr val="accent1"/>
+              </a:fillRef>
+              <a:effectRef idx="2">
+                <a:schemeClr val="accent1"/>
+              </a:effectRef>
+              <a:fontRef idx="minor">
+                <a:schemeClr val="lt1"/>
+              </a:fontRef>
+            </p:style>
+            <p:txBody>
+              <a:bodyPr rtlCol="0" anchor="ctr"/>
+              <a:lstStyle/>
+              <a:p>
+                <a:pPr algn="ctr"/>
+                <a:endParaRPr lang="en-US"/>
+              </a:p>
+            </p:txBody>
+          </p:sp>
+          <mc:AlternateContent xmlns:mc="http://schemas.openxmlformats.org/markup-compatibility/2006" xmlns:a14="http://schemas.microsoft.com/office/drawing/2010/main">
+            <mc:Choice Requires="a14">
+              <p:sp>
+                <p:nvSpPr>
+                  <p:cNvPr id="27" name="TextBox 26"/>
+                  <p:cNvSpPr txBox="1"/>
+                  <p:nvPr/>
+                </p:nvSpPr>
+                <p:spPr>
+                  <a:xfrm>
+                    <a:off x="6155096" y="3181795"/>
+                    <a:ext cx="490647" cy="369333"/>
+                  </a:xfrm>
+                  <a:prstGeom prst="rect">
+                    <a:avLst/>
+                  </a:prstGeom>
+                  <a:noFill/>
+                </p:spPr>
+                <p:txBody>
+                  <a:bodyPr wrap="none" rtlCol="0">
+                    <a:spAutoFit/>
+                  </a:bodyPr>
+                  <a:lstStyle/>
+                  <a:p>
+                    <a:pPr/>
+                    <a14:m>
+                      <m:oMathPara xmlns:m="http://schemas.openxmlformats.org/officeDocument/2006/math">
+                        <m:oMathParaPr>
+                          <m:jc m:val="centerGroup"/>
+                        </m:oMathParaPr>
+                        <m:oMath xmlns:m="http://schemas.openxmlformats.org/officeDocument/2006/math">
+                          <m:sSub>
+                            <m:sSubPr>
+                              <m:ctrlPr>
+                                <a:rPr lang="en-US" b="0" i="1" smtClean="0">
+                                  <a:solidFill>
+                                    <a:srgbClr val="000000"/>
+                                  </a:solidFill>
+                                  <a:latin typeface="Cambria Math"/>
+                                </a:rPr>
+                              </m:ctrlPr>
+                            </m:sSubPr>
+                            <m:e>
+                              <m:r>
+                                <a:rPr lang="en-US" i="1">
+                                  <a:solidFill>
+                                    <a:srgbClr val="000000"/>
+                                  </a:solidFill>
+                                  <a:latin typeface="Cambria Math"/>
+                                  <a:ea typeface="Cambria Math"/>
+                                </a:rPr>
+                                <m:t>𝛽</m:t>
+                              </m:r>
+                            </m:e>
+                            <m:sub>
+                              <m:r>
+                                <a:rPr lang="en-US" b="0" i="1" smtClean="0">
+                                  <a:solidFill>
+                                    <a:srgbClr val="000000"/>
+                                  </a:solidFill>
+                                  <a:latin typeface="Cambria Math"/>
+                                </a:rPr>
+                                <m:t>𝑘</m:t>
+                              </m:r>
+                            </m:sub>
+                          </m:sSub>
+                        </m:oMath>
+                      </m:oMathPara>
+                    </a14:m>
+                    <a:endParaRPr lang="en-US" dirty="0">
+                      <a:solidFill>
+                        <a:srgbClr val="000000"/>
+                      </a:solidFill>
+                    </a:endParaRPr>
+                  </a:p>
+                </p:txBody>
+              </p:sp>
+            </mc:Choice>
+            <mc:Fallback xmlns="">
+              <p:sp>
+                <p:nvSpPr>
+                  <p:cNvPr id="29" name="TextBox 28"/>
+                  <p:cNvSpPr txBox="1">
+                    <a:spLocks noRot="1" noChangeAspect="1" noMove="1" noResize="1" noEditPoints="1" noAdjustHandles="1" noChangeArrowheads="1" noChangeShapeType="1" noTextEdit="1"/>
+                  </p:cNvSpPr>
+                  <p:nvPr/>
+                </p:nvSpPr>
+                <p:spPr>
+                  <a:xfrm>
+                    <a:off x="6155096" y="3181795"/>
+                    <a:ext cx="490647" cy="369333"/>
+                  </a:xfrm>
+                  <a:prstGeom prst="rect">
+                    <a:avLst/>
+                  </a:prstGeom>
+                  <a:blipFill rotWithShape="1">
+                    <a:blip r:embed="rId10"/>
+                    <a:stretch>
+                      <a:fillRect l="-6977" r="-46512" b="-102941"/>
+                    </a:stretch>
+                  </a:blipFill>
+                </p:spPr>
+                <p:txBody>
+                  <a:bodyPr/>
+                  <a:lstStyle/>
+                  <a:p>
+                    <a:r>
+                      <a:rPr lang="en-US">
+                        <a:noFill/>
+                      </a:rPr>
+                      <a:t> </a:t>
+                    </a:r>
+                  </a:p>
+                </p:txBody>
+              </p:sp>
+            </mc:Fallback>
+          </mc:AlternateContent>
+        </p:grpSp>
+        <p:cxnSp>
+          <p:nvCxnSpPr>
+            <p:cNvPr id="14" name="Straight Arrow Connector 13"/>
+            <p:cNvCxnSpPr>
+              <a:stCxn id="26" idx="2"/>
+              <a:endCxn id="34" idx="6"/>
+            </p:cNvCxnSpPr>
+            <p:nvPr/>
+          </p:nvCxnSpPr>
+          <p:spPr>
+            <a:xfrm flipH="1">
+              <a:off x="4754336" y="3123944"/>
+              <a:ext cx="1476962" cy="0"/>
+            </a:xfrm>
+            <a:prstGeom prst="straightConnector1">
+              <a:avLst/>
+            </a:prstGeom>
+            <a:ln cap="sq">
+              <a:solidFill>
+                <a:srgbClr val="000000"/>
+              </a:solidFill>
+              <a:tailEnd type="triangle"/>
+            </a:ln>
+            <a:effectLst/>
+          </p:spPr>
+          <p:style>
+            <a:lnRef idx="2">
+              <a:schemeClr val="accent1"/>
+            </a:lnRef>
+            <a:fillRef idx="0">
+              <a:schemeClr val="accent1"/>
+            </a:fillRef>
+            <a:effectRef idx="1">
+              <a:schemeClr val="accent1"/>
+            </a:effectRef>
+            <a:fontRef idx="minor">
+              <a:schemeClr val="tx1"/>
+            </a:fontRef>
+          </p:style>
+        </p:cxnSp>
+        <p:grpSp>
+          <p:nvGrpSpPr>
+            <p:cNvPr id="15" name="Group 14"/>
+            <p:cNvGrpSpPr/>
+            <p:nvPr/>
+          </p:nvGrpSpPr>
+          <p:grpSpPr>
+            <a:xfrm>
+              <a:off x="7239000" y="2971543"/>
+              <a:ext cx="377346" cy="579585"/>
+              <a:chOff x="7315200" y="2971543"/>
+              <a:chExt cx="377346" cy="579585"/>
+            </a:xfrm>
+          </p:grpSpPr>
+          <p:sp>
+            <p:nvSpPr>
+              <p:cNvPr id="24" name="Oval 23"/>
+              <p:cNvSpPr/>
+              <p:nvPr/>
+            </p:nvSpPr>
+            <p:spPr>
+              <a:xfrm>
+                <a:off x="7351473" y="2971543"/>
+                <a:ext cx="304800" cy="304800"/>
+              </a:xfrm>
+              <a:prstGeom prst="ellipse">
+                <a:avLst/>
+              </a:prstGeom>
+              <a:noFill/>
+              <a:ln>
+                <a:solidFill>
+                  <a:srgbClr val="000000"/>
+                </a:solidFill>
+              </a:ln>
+            </p:spPr>
+            <p:style>
+              <a:lnRef idx="1">
+                <a:schemeClr val="accent1"/>
+              </a:lnRef>
+              <a:fillRef idx="3">
+                <a:schemeClr val="accent1"/>
+              </a:fillRef>
+              <a:effectRef idx="2">
+                <a:schemeClr val="accent1"/>
+              </a:effectRef>
+              <a:fontRef idx="minor">
+                <a:schemeClr val="lt1"/>
+              </a:fontRef>
+            </p:style>
+            <p:txBody>
+              <a:bodyPr rtlCol="0" anchor="ctr"/>
+              <a:lstStyle/>
+              <a:p>
+                <a:pPr algn="ctr"/>
+                <a:endParaRPr lang="en-US"/>
+              </a:p>
+            </p:txBody>
+          </p:sp>
+          <mc:AlternateContent xmlns:mc="http://schemas.openxmlformats.org/markup-compatibility/2006" xmlns:a14="http://schemas.microsoft.com/office/drawing/2010/main">
+            <mc:Choice Requires="a14">
+              <p:sp>
+                <p:nvSpPr>
+                  <p:cNvPr id="25" name="TextBox 24"/>
+                  <p:cNvSpPr txBox="1"/>
+                  <p:nvPr/>
+                </p:nvSpPr>
+                <p:spPr>
+                  <a:xfrm>
+                    <a:off x="7315200" y="3181795"/>
+                    <a:ext cx="377346" cy="369333"/>
+                  </a:xfrm>
+                  <a:prstGeom prst="rect">
+                    <a:avLst/>
+                  </a:prstGeom>
+                  <a:noFill/>
+                </p:spPr>
+                <p:txBody>
+                  <a:bodyPr wrap="none" rtlCol="0">
+                    <a:spAutoFit/>
+                  </a:bodyPr>
+                  <a:lstStyle/>
+                  <a:p>
+                    <a:pPr/>
+                    <a14:m>
+                      <m:oMathPara xmlns:m="http://schemas.openxmlformats.org/officeDocument/2006/math">
+                        <m:oMathParaPr>
+                          <m:jc m:val="centerGroup"/>
+                        </m:oMathParaPr>
+                        <m:oMath xmlns:m="http://schemas.openxmlformats.org/officeDocument/2006/math">
+                          <m:r>
+                            <a:rPr lang="en-US" i="1">
+                              <a:solidFill>
+                                <a:srgbClr val="000000"/>
+                              </a:solidFill>
+                              <a:latin typeface="Cambria Math"/>
+                              <a:ea typeface="Cambria Math"/>
+                            </a:rPr>
+                            <m:t>𝜂</m:t>
+                          </m:r>
+                        </m:oMath>
+                      </m:oMathPara>
+                    </a14:m>
+                    <a:endParaRPr lang="en-US" dirty="0">
+                      <a:solidFill>
+                        <a:srgbClr val="000000"/>
+                      </a:solidFill>
+                    </a:endParaRPr>
+                  </a:p>
+                </p:txBody>
+              </p:sp>
+            </mc:Choice>
+            <mc:Fallback xmlns="">
+              <p:sp>
+                <p:nvSpPr>
+                  <p:cNvPr id="27" name="TextBox 26"/>
+                  <p:cNvSpPr txBox="1">
+                    <a:spLocks noRot="1" noChangeAspect="1" noMove="1" noResize="1" noEditPoints="1" noAdjustHandles="1" noChangeArrowheads="1" noChangeShapeType="1" noTextEdit="1"/>
+                  </p:cNvSpPr>
+                  <p:nvPr/>
+                </p:nvSpPr>
+                <p:spPr>
+                  <a:xfrm>
+                    <a:off x="7315200" y="3181795"/>
+                    <a:ext cx="377346" cy="369333"/>
+                  </a:xfrm>
+                  <a:prstGeom prst="rect">
+                    <a:avLst/>
+                  </a:prstGeom>
+                  <a:blipFill rotWithShape="1">
+                    <a:blip r:embed="rId11"/>
+                    <a:stretch>
+                      <a:fillRect r="-47059" b="-91176"/>
+                    </a:stretch>
+                  </a:blipFill>
+                </p:spPr>
+                <p:txBody>
+                  <a:bodyPr/>
+                  <a:lstStyle/>
+                  <a:p>
+                    <a:r>
+                      <a:rPr lang="en-US">
+                        <a:noFill/>
+                      </a:rPr>
+                      <a:t> </a:t>
+                    </a:r>
+                  </a:p>
+                </p:txBody>
+              </p:sp>
+            </mc:Fallback>
+          </mc:AlternateContent>
+        </p:grpSp>
+        <p:cxnSp>
+          <p:nvCxnSpPr>
+            <p:cNvPr id="16" name="Straight Arrow Connector 15"/>
+            <p:cNvCxnSpPr>
+              <a:stCxn id="24" idx="2"/>
+              <a:endCxn id="26" idx="6"/>
+            </p:cNvCxnSpPr>
+            <p:nvPr/>
+          </p:nvCxnSpPr>
+          <p:spPr>
+            <a:xfrm flipH="1">
+              <a:off x="6536097" y="3123944"/>
+              <a:ext cx="739178" cy="0"/>
+            </a:xfrm>
+            <a:prstGeom prst="straightConnector1">
+              <a:avLst/>
+            </a:prstGeom>
+            <a:ln cap="sq">
+              <a:solidFill>
+                <a:srgbClr val="000000"/>
+              </a:solidFill>
+              <a:tailEnd type="triangle"/>
+            </a:ln>
+            <a:effectLst/>
+          </p:spPr>
+          <p:style>
+            <a:lnRef idx="2">
+              <a:schemeClr val="accent1"/>
+            </a:lnRef>
+            <a:fillRef idx="0">
+              <a:schemeClr val="accent1"/>
+            </a:fillRef>
+            <a:effectRef idx="1">
+              <a:schemeClr val="accent1"/>
+            </a:effectRef>
+            <a:fontRef idx="minor">
+              <a:schemeClr val="tx1"/>
+            </a:fontRef>
+          </p:style>
+        </p:cxnSp>
+        <p:grpSp>
+          <p:nvGrpSpPr>
+            <p:cNvPr id="17" name="Group 16"/>
+            <p:cNvGrpSpPr/>
+            <p:nvPr/>
+          </p:nvGrpSpPr>
+          <p:grpSpPr>
+            <a:xfrm>
+              <a:off x="5691108" y="2057400"/>
+              <a:ext cx="1090692" cy="2544019"/>
+              <a:chOff x="5691108" y="2057400"/>
+              <a:chExt cx="1090692" cy="2544019"/>
+            </a:xfrm>
+          </p:grpSpPr>
+          <p:sp>
+            <p:nvSpPr>
+              <p:cNvPr id="22" name="Rectangle 21"/>
+              <p:cNvSpPr/>
+              <p:nvPr/>
+            </p:nvSpPr>
+            <p:spPr>
+              <a:xfrm>
+                <a:off x="5867399" y="2057400"/>
+                <a:ext cx="914401" cy="2446020"/>
+              </a:xfrm>
+              <a:prstGeom prst="rect">
+                <a:avLst/>
+              </a:prstGeom>
+              <a:noFill/>
+              <a:ln>
+                <a:solidFill>
+                  <a:srgbClr val="000000"/>
+                </a:solidFill>
+              </a:ln>
+            </p:spPr>
+            <p:style>
+              <a:lnRef idx="1">
+                <a:schemeClr val="accent1"/>
+              </a:lnRef>
+              <a:fillRef idx="3">
+                <a:schemeClr val="accent1"/>
+              </a:fillRef>
+              <a:effectRef idx="2">
+                <a:schemeClr val="accent1"/>
+              </a:effectRef>
+              <a:fontRef idx="minor">
+                <a:schemeClr val="lt1"/>
+              </a:fontRef>
+            </p:style>
+            <p:txBody>
+              <a:bodyPr rtlCol="0" anchor="ctr"/>
+              <a:lstStyle/>
+              <a:p>
+                <a:pPr algn="ctr"/>
+                <a:endParaRPr lang="en-US"/>
+              </a:p>
+            </p:txBody>
+          </p:sp>
+          <mc:AlternateContent xmlns:mc="http://schemas.openxmlformats.org/markup-compatibility/2006" xmlns:a14="http://schemas.microsoft.com/office/drawing/2010/main">
+            <mc:Choice Requires="a14">
+              <p:sp>
+                <p:nvSpPr>
+                  <p:cNvPr id="23" name="TextBox 22"/>
+                  <p:cNvSpPr txBox="1"/>
+                  <p:nvPr/>
+                </p:nvSpPr>
+                <p:spPr>
+                  <a:xfrm>
+                    <a:off x="5691108" y="4138137"/>
+                    <a:ext cx="605970" cy="463282"/>
+                  </a:xfrm>
+                  <a:prstGeom prst="rect">
+                    <a:avLst/>
+                  </a:prstGeom>
+                  <a:noFill/>
+                </p:spPr>
+                <p:txBody>
+                  <a:bodyPr wrap="none" rtlCol="0">
+                    <a:spAutoFit/>
+                  </a:bodyPr>
+                  <a:lstStyle/>
+                  <a:p>
+                    <a:pPr/>
+                    <a14:m>
+                      <m:oMathPara xmlns:m="http://schemas.openxmlformats.org/officeDocument/2006/math">
+                        <m:oMathParaPr>
+                          <m:jc m:val="centerGroup"/>
+                        </m:oMathParaPr>
+                        <m:oMath xmlns:m="http://schemas.openxmlformats.org/officeDocument/2006/math">
+                          <m:r>
+                            <a:rPr lang="en-US" sz="1100" b="0" i="1" smtClean="0">
+                              <a:solidFill>
+                                <a:srgbClr val="000000"/>
+                              </a:solidFill>
+                              <a:latin typeface="Cambria Math"/>
+                            </a:rPr>
+                            <m:t>𝐾</m:t>
+                          </m:r>
+                        </m:oMath>
+                      </m:oMathPara>
+                    </a14:m>
+                    <a:endParaRPr lang="en-US" sz="1100" dirty="0">
+                      <a:solidFill>
+                        <a:srgbClr val="000000"/>
+                      </a:solidFill>
+                    </a:endParaRPr>
+                  </a:p>
+                </p:txBody>
+              </p:sp>
+            </mc:Choice>
+            <mc:Fallback xmlns="">
+              <p:sp>
+                <p:nvSpPr>
+                  <p:cNvPr id="25" name="TextBox 24"/>
+                  <p:cNvSpPr txBox="1">
+                    <a:spLocks noRot="1" noChangeAspect="1" noMove="1" noResize="1" noEditPoints="1" noAdjustHandles="1" noChangeArrowheads="1" noChangeShapeType="1" noTextEdit="1"/>
+                  </p:cNvSpPr>
+                  <p:nvPr/>
+                </p:nvSpPr>
+                <p:spPr>
+                  <a:xfrm>
+                    <a:off x="5691108" y="4138137"/>
+                    <a:ext cx="605970" cy="463282"/>
+                  </a:xfrm>
+                  <a:prstGeom prst="rect">
+                    <a:avLst/>
+                  </a:prstGeom>
+                  <a:blipFill rotWithShape="1">
+                    <a:blip r:embed="rId12"/>
+                    <a:stretch>
+                      <a:fillRect/>
+                    </a:stretch>
+                  </a:blipFill>
+                </p:spPr>
+                <p:txBody>
+                  <a:bodyPr/>
+                  <a:lstStyle/>
+                  <a:p>
+                    <a:r>
+                      <a:rPr lang="en-US">
+                        <a:noFill/>
+                      </a:rPr>
+                      <a:t> </a:t>
+                    </a:r>
+                  </a:p>
+                </p:txBody>
+              </p:sp>
+            </mc:Fallback>
+          </mc:AlternateContent>
+        </p:grpSp>
+        <p:grpSp>
+          <p:nvGrpSpPr>
+            <p:cNvPr id="18" name="Group 17"/>
+            <p:cNvGrpSpPr/>
+            <p:nvPr/>
+          </p:nvGrpSpPr>
+          <p:grpSpPr>
+            <a:xfrm>
+              <a:off x="901767" y="2971543"/>
+              <a:ext cx="393633" cy="579073"/>
+              <a:chOff x="649527" y="2971543"/>
+              <a:chExt cx="393633" cy="579073"/>
+            </a:xfrm>
+          </p:grpSpPr>
+          <p:sp>
+            <p:nvSpPr>
+              <p:cNvPr id="20" name="Oval 19"/>
+              <p:cNvSpPr/>
+              <p:nvPr/>
+            </p:nvSpPr>
+            <p:spPr>
+              <a:xfrm>
+                <a:off x="685800" y="2971543"/>
+                <a:ext cx="304800" cy="304800"/>
+              </a:xfrm>
+              <a:prstGeom prst="ellipse">
+                <a:avLst/>
+              </a:prstGeom>
+              <a:noFill/>
+              <a:ln>
+                <a:solidFill>
+                  <a:srgbClr val="000000"/>
+                </a:solidFill>
+              </a:ln>
+            </p:spPr>
+            <p:style>
+              <a:lnRef idx="1">
+                <a:schemeClr val="accent1"/>
+              </a:lnRef>
+              <a:fillRef idx="3">
+                <a:schemeClr val="accent1"/>
+              </a:fillRef>
+              <a:effectRef idx="2">
+                <a:schemeClr val="accent1"/>
+              </a:effectRef>
+              <a:fontRef idx="minor">
+                <a:schemeClr val="lt1"/>
+              </a:fontRef>
+            </p:style>
+            <p:txBody>
+              <a:bodyPr rtlCol="0" anchor="ctr"/>
+              <a:lstStyle/>
+              <a:p>
+                <a:pPr algn="ctr"/>
+                <a:endParaRPr lang="en-US"/>
+              </a:p>
+            </p:txBody>
+          </p:sp>
+          <mc:AlternateContent xmlns:mc="http://schemas.openxmlformats.org/markup-compatibility/2006" xmlns:a14="http://schemas.microsoft.com/office/drawing/2010/main">
+            <mc:Choice Requires="a14">
+              <p:sp>
+                <p:nvSpPr>
+                  <p:cNvPr id="21" name="TextBox 20"/>
+                  <p:cNvSpPr txBox="1"/>
+                  <p:nvPr/>
+                </p:nvSpPr>
+                <p:spPr>
+                  <a:xfrm>
+                    <a:off x="649527" y="3181283"/>
+                    <a:ext cx="393633" cy="369333"/>
+                  </a:xfrm>
+                  <a:prstGeom prst="rect">
+                    <a:avLst/>
+                  </a:prstGeom>
+                  <a:noFill/>
+                </p:spPr>
+                <p:txBody>
+                  <a:bodyPr wrap="none" rtlCol="0">
+                    <a:spAutoFit/>
+                  </a:bodyPr>
+                  <a:lstStyle/>
+                  <a:p>
+                    <a:pPr/>
+                    <a14:m>
+                      <m:oMathPara xmlns:m="http://schemas.openxmlformats.org/officeDocument/2006/math">
+                        <m:oMathParaPr>
+                          <m:jc m:val="centerGroup"/>
+                        </m:oMathParaPr>
+                        <m:oMath xmlns:m="http://schemas.openxmlformats.org/officeDocument/2006/math">
+                          <m:r>
+                            <a:rPr lang="en-US" i="1">
+                              <a:solidFill>
+                                <a:srgbClr val="000000"/>
+                              </a:solidFill>
+                              <a:latin typeface="Cambria Math"/>
+                              <a:ea typeface="Cambria Math"/>
+                            </a:rPr>
+                            <m:t>𝛼</m:t>
+                          </m:r>
+                        </m:oMath>
+                      </m:oMathPara>
+                    </a14:m>
+                    <a:endParaRPr lang="en-US" dirty="0">
+                      <a:solidFill>
+                        <a:srgbClr val="000000"/>
+                      </a:solidFill>
+                    </a:endParaRPr>
+                  </a:p>
+                </p:txBody>
+              </p:sp>
+            </mc:Choice>
+            <mc:Fallback xmlns="">
+              <p:sp>
+                <p:nvSpPr>
+                  <p:cNvPr id="23" name="TextBox 22"/>
+                  <p:cNvSpPr txBox="1">
+                    <a:spLocks noRot="1" noChangeAspect="1" noMove="1" noResize="1" noEditPoints="1" noAdjustHandles="1" noChangeArrowheads="1" noChangeShapeType="1" noTextEdit="1"/>
+                  </p:cNvSpPr>
+                  <p:nvPr/>
+                </p:nvSpPr>
+                <p:spPr>
+                  <a:xfrm>
+                    <a:off x="649527" y="3181283"/>
+                    <a:ext cx="393633" cy="369333"/>
+                  </a:xfrm>
+                  <a:prstGeom prst="rect">
+                    <a:avLst/>
+                  </a:prstGeom>
+                  <a:blipFill rotWithShape="1">
+                    <a:blip r:embed="rId13"/>
+                    <a:stretch>
+                      <a:fillRect r="-37143" b="-55882"/>
+                    </a:stretch>
+                  </a:blipFill>
+                </p:spPr>
+                <p:txBody>
+                  <a:bodyPr/>
+                  <a:lstStyle/>
+                  <a:p>
+                    <a:r>
+                      <a:rPr lang="en-US">
+                        <a:noFill/>
+                      </a:rPr>
+                      <a:t> </a:t>
+                    </a:r>
+                  </a:p>
+                </p:txBody>
+              </p:sp>
+            </mc:Fallback>
+          </mc:AlternateContent>
+        </p:grpSp>
+        <p:cxnSp>
+          <p:nvCxnSpPr>
+            <p:cNvPr id="19" name="Straight Arrow Connector 18"/>
+            <p:cNvCxnSpPr>
+              <a:stCxn id="20" idx="6"/>
+              <a:endCxn id="28" idx="2"/>
+            </p:cNvCxnSpPr>
+            <p:nvPr/>
+          </p:nvCxnSpPr>
+          <p:spPr>
+            <a:xfrm>
+              <a:off x="1242840" y="3123943"/>
+              <a:ext cx="1195560" cy="0"/>
+            </a:xfrm>
+            <a:prstGeom prst="straightConnector1">
+              <a:avLst/>
+            </a:prstGeom>
+            <a:ln cap="sq">
+              <a:solidFill>
+                <a:srgbClr val="000000"/>
+              </a:solidFill>
+              <a:tailEnd type="triangle"/>
+            </a:ln>
+            <a:effectLst/>
+          </p:spPr>
+          <p:style>
+            <a:lnRef idx="2">
+              <a:schemeClr val="accent1"/>
+            </a:lnRef>
+            <a:fillRef idx="0">
+              <a:schemeClr val="accent1"/>
+            </a:fillRef>
+            <a:effectRef idx="1">
+              <a:schemeClr val="accent1"/>
+            </a:effectRef>
+            <a:fontRef idx="minor">
+              <a:schemeClr val="tx1"/>
+            </a:fontRef>
+          </p:style>
+        </p:cxnSp>
+      </p:grpSp>
+      <p:pic>
+        <p:nvPicPr>
+          <p:cNvPr id="38" name="Picture 5" descr="C:\Users\310153563\Documents\GitHub\COPDBodyMedia_2nd_analysis\COPDBodyMedia2_paper\IEEEtran_windows_philips\figure\png\figure_10.png"/>
+          <p:cNvPicPr>
+            <a:picLocks noChangeAspect="1" noChangeArrowheads="1"/>
+          </p:cNvPicPr>
+          <p:nvPr/>
+        </p:nvPicPr>
+        <p:blipFill>
+          <a:blip r:embed="rId14" cstate="print">
+            <a:extLst>
+              <a:ext uri="{28A0092B-C50C-407E-A947-70E740481C1C}">
+                <a14:useLocalDpi xmlns:a14="http://schemas.microsoft.com/office/drawing/2010/main" val="0"/>
+              </a:ext>
+            </a:extLst>
+          </a:blip>
+          <a:srcRect/>
+          <a:stretch>
+            <a:fillRect/>
+          </a:stretch>
+        </p:blipFill>
+        <p:spPr bwMode="auto">
+          <a:xfrm>
+            <a:off x="2681623" y="3962400"/>
+            <a:ext cx="3414377" cy="2560325"/>
+          </a:xfrm>
+          <a:prstGeom prst="rect">
+            <a:avLst/>
+          </a:prstGeom>
+          <a:noFill/>
+          <a:extLst>
+            <a:ext uri="{909E8E84-426E-40DD-AFC4-6F175D3DCCD1}">
+              <a14:hiddenFill xmlns:a14="http://schemas.microsoft.com/office/drawing/2010/main">
+                <a:solidFill>
+                  <a:srgbClr val="FFFFFF"/>
+                </a:solidFill>
+              </a14:hiddenFill>
+            </a:ext>
+          </a:extLst>
+        </p:spPr>
+      </p:pic>
+      <p:grpSp>
+        <p:nvGrpSpPr>
+          <p:cNvPr id="67" name="Group 66"/>
+          <p:cNvGrpSpPr>
+            <a:grpSpLocks noChangeAspect="1"/>
+          </p:cNvGrpSpPr>
+          <p:nvPr/>
+        </p:nvGrpSpPr>
+        <p:grpSpPr>
+          <a:xfrm>
+            <a:off x="2506027" y="337536"/>
+            <a:ext cx="3513773" cy="1986915"/>
+            <a:chOff x="2066925" y="337535"/>
+            <a:chExt cx="5019675" cy="2838450"/>
+          </a:xfrm>
+        </p:grpSpPr>
+        <p:pic>
+          <p:nvPicPr>
+            <p:cNvPr id="40" name="Picture 4" descr="http://images.clipartpanda.com/book-20clip-20art-di855LndT.jpeg"/>
+            <p:cNvPicPr>
+              <a:picLocks noChangeAspect="1" noChangeArrowheads="1"/>
+            </p:cNvPicPr>
+            <p:nvPr/>
+          </p:nvPicPr>
+          <p:blipFill>
+            <a:blip r:embed="rId15">
+              <a:extLst>
+                <a:ext uri="{28A0092B-C50C-407E-A947-70E740481C1C}">
+                  <a14:useLocalDpi xmlns:a14="http://schemas.microsoft.com/office/drawing/2010/main" val="0"/>
+                </a:ext>
+              </a:extLst>
+            </a:blip>
+            <a:srcRect/>
+            <a:stretch>
+              <a:fillRect/>
+            </a:stretch>
+          </p:blipFill>
+          <p:spPr bwMode="auto">
+            <a:xfrm>
+              <a:off x="2066925" y="337535"/>
+              <a:ext cx="5019675" cy="2838450"/>
+            </a:xfrm>
+            <a:prstGeom prst="rect">
+              <a:avLst/>
+            </a:prstGeom>
+            <a:noFill/>
+            <a:extLst>
+              <a:ext uri="{909E8E84-426E-40DD-AFC4-6F175D3DCCD1}">
+                <a14:hiddenFill xmlns:a14="http://schemas.microsoft.com/office/drawing/2010/main">
+                  <a:solidFill>
+                    <a:srgbClr val="FFFFFF"/>
+                  </a:solidFill>
+                </a14:hiddenFill>
+              </a:ext>
+            </a:extLst>
+          </p:spPr>
+        </p:pic>
+        <p:sp>
+          <p:nvSpPr>
+            <p:cNvPr id="41" name="CustomShape 6"/>
+            <p:cNvSpPr/>
+            <p:nvPr/>
+          </p:nvSpPr>
+          <p:spPr>
+            <a:xfrm>
+              <a:off x="2600324" y="735499"/>
+              <a:ext cx="256271" cy="264154"/>
+            </a:xfrm>
+            <a:prstGeom prst="roundRect">
+              <a:avLst>
+                <a:gd name="adj" fmla="val 3600"/>
+              </a:avLst>
+            </a:prstGeom>
+            <a:ln w="36000">
+              <a:solidFill>
+                <a:srgbClr val="2323DC"/>
+              </a:solidFill>
+              <a:round/>
+            </a:ln>
+          </p:spPr>
+        </p:sp>
+        <p:sp>
+          <p:nvSpPr>
+            <p:cNvPr id="42" name="CustomShape 12"/>
+            <p:cNvSpPr/>
+            <p:nvPr/>
+          </p:nvSpPr>
+          <p:spPr>
+            <a:xfrm>
+              <a:off x="2929389" y="735499"/>
+              <a:ext cx="256271" cy="264154"/>
+            </a:xfrm>
+            <a:prstGeom prst="roundRect">
+              <a:avLst>
+                <a:gd name="adj" fmla="val 3600"/>
+              </a:avLst>
+            </a:prstGeom>
+            <a:ln w="36000">
+              <a:solidFill>
+                <a:srgbClr val="E6FF00"/>
+              </a:solidFill>
+              <a:round/>
+            </a:ln>
+          </p:spPr>
+        </p:sp>
+        <p:sp>
+          <p:nvSpPr>
+            <p:cNvPr id="43" name="CustomShape 20"/>
+            <p:cNvSpPr/>
+            <p:nvPr/>
+          </p:nvSpPr>
+          <p:spPr>
+            <a:xfrm>
+              <a:off x="3261860" y="735499"/>
+              <a:ext cx="256271" cy="264154"/>
+            </a:xfrm>
+            <a:prstGeom prst="roundRect">
+              <a:avLst>
+                <a:gd name="adj" fmla="val 3600"/>
+              </a:avLst>
+            </a:prstGeom>
+            <a:ln w="36000">
+              <a:solidFill>
+                <a:srgbClr val="FF420E"/>
+              </a:solidFill>
+              <a:round/>
+            </a:ln>
+          </p:spPr>
+        </p:sp>
+        <p:sp>
+          <p:nvSpPr>
+            <p:cNvPr id="44" name="CustomShape 20_"/>
+            <p:cNvSpPr/>
+            <p:nvPr/>
+          </p:nvSpPr>
+          <p:spPr>
+            <a:xfrm>
+              <a:off x="3594331" y="735499"/>
+              <a:ext cx="256271" cy="264154"/>
+            </a:xfrm>
+            <a:prstGeom prst="roundRect">
+              <a:avLst>
+                <a:gd name="adj" fmla="val 3600"/>
+              </a:avLst>
+            </a:prstGeom>
+            <a:ln w="36000">
+              <a:solidFill>
+                <a:srgbClr val="FF420E"/>
+              </a:solidFill>
+              <a:round/>
+            </a:ln>
+          </p:spPr>
+        </p:sp>
+        <p:sp>
+          <p:nvSpPr>
+            <p:cNvPr id="45" name="CustomShape 6_"/>
+            <p:cNvSpPr/>
+            <p:nvPr/>
+          </p:nvSpPr>
+          <p:spPr>
+            <a:xfrm>
+              <a:off x="3921125" y="735499"/>
+              <a:ext cx="256271" cy="264154"/>
+            </a:xfrm>
+            <a:prstGeom prst="roundRect">
+              <a:avLst>
+                <a:gd name="adj" fmla="val 3600"/>
+              </a:avLst>
+            </a:prstGeom>
+            <a:ln w="36000">
+              <a:solidFill>
+                <a:srgbClr val="00B0F0"/>
+              </a:solidFill>
+              <a:round/>
+            </a:ln>
+          </p:spPr>
+        </p:sp>
+        <p:sp>
+          <p:nvSpPr>
+            <p:cNvPr id="46" name="CustomShape 6__"/>
+            <p:cNvSpPr/>
+            <p:nvPr/>
+          </p:nvSpPr>
+          <p:spPr>
+            <a:xfrm>
+              <a:off x="2600324" y="1074124"/>
+              <a:ext cx="256271" cy="264154"/>
+            </a:xfrm>
+            <a:prstGeom prst="roundRect">
+              <a:avLst>
+                <a:gd name="adj" fmla="val 3600"/>
+              </a:avLst>
+            </a:prstGeom>
+            <a:ln w="36000">
+              <a:solidFill>
+                <a:srgbClr val="00B0F0"/>
+              </a:solidFill>
+              <a:round/>
+            </a:ln>
+          </p:spPr>
+        </p:sp>
+        <p:sp>
+          <p:nvSpPr>
+            <p:cNvPr id="47" name="CustomShape 12_"/>
+            <p:cNvSpPr/>
+            <p:nvPr/>
+          </p:nvSpPr>
+          <p:spPr>
+            <a:xfrm>
+              <a:off x="2929388" y="1085124"/>
+              <a:ext cx="256271" cy="264154"/>
+            </a:xfrm>
+            <a:prstGeom prst="roundRect">
+              <a:avLst>
+                <a:gd name="adj" fmla="val 3600"/>
+              </a:avLst>
+            </a:prstGeom>
+            <a:ln w="36000">
+              <a:solidFill>
+                <a:srgbClr val="E6FF00"/>
+              </a:solidFill>
+              <a:round/>
+            </a:ln>
+          </p:spPr>
+        </p:sp>
+        <p:sp>
+          <p:nvSpPr>
+            <p:cNvPr id="48" name="CustomShape 20__"/>
+            <p:cNvSpPr/>
+            <p:nvPr/>
+          </p:nvSpPr>
+          <p:spPr>
+            <a:xfrm>
+              <a:off x="3264130" y="1066395"/>
+              <a:ext cx="256271" cy="264154"/>
+            </a:xfrm>
+            <a:prstGeom prst="roundRect">
+              <a:avLst>
+                <a:gd name="adj" fmla="val 3600"/>
+              </a:avLst>
+            </a:prstGeom>
+            <a:ln w="36000">
+              <a:solidFill>
+                <a:srgbClr val="FF420E"/>
+              </a:solidFill>
+              <a:round/>
+            </a:ln>
+          </p:spPr>
+        </p:sp>
+        <p:sp>
+          <p:nvSpPr>
+            <p:cNvPr id="49" name="CustomShape 6___"/>
+            <p:cNvSpPr/>
+            <p:nvPr/>
+          </p:nvSpPr>
+          <p:spPr>
+            <a:xfrm>
+              <a:off x="3600681" y="1066395"/>
+              <a:ext cx="256271" cy="264154"/>
+            </a:xfrm>
+            <a:prstGeom prst="roundRect">
+              <a:avLst>
+                <a:gd name="adj" fmla="val 3600"/>
+              </a:avLst>
+            </a:prstGeom>
+            <a:ln w="36000">
+              <a:solidFill>
+                <a:srgbClr val="00B0F0"/>
+              </a:solidFill>
+              <a:round/>
+            </a:ln>
+          </p:spPr>
+        </p:sp>
+        <p:sp>
+          <p:nvSpPr>
+            <p:cNvPr id="50" name="CustomShape 20___"/>
+            <p:cNvSpPr/>
+            <p:nvPr/>
+          </p:nvSpPr>
+          <p:spPr>
+            <a:xfrm>
+              <a:off x="3921124" y="1065990"/>
+              <a:ext cx="256271" cy="264154"/>
+            </a:xfrm>
+            <a:prstGeom prst="roundRect">
+              <a:avLst>
+                <a:gd name="adj" fmla="val 3600"/>
+              </a:avLst>
+            </a:prstGeom>
+            <a:ln w="36000">
+              <a:solidFill>
+                <a:srgbClr val="FF420E"/>
+              </a:solidFill>
+              <a:round/>
+            </a:ln>
+          </p:spPr>
+        </p:sp>
+        <p:sp>
+          <p:nvSpPr>
+            <p:cNvPr id="51" name="CustomShape 6____"/>
+            <p:cNvSpPr/>
+            <p:nvPr/>
+          </p:nvSpPr>
+          <p:spPr>
+            <a:xfrm>
+              <a:off x="2600325" y="1412246"/>
+              <a:ext cx="256271" cy="264154"/>
+            </a:xfrm>
+            <a:prstGeom prst="roundRect">
+              <a:avLst>
+                <a:gd name="adj" fmla="val 3600"/>
+              </a:avLst>
+            </a:prstGeom>
+            <a:ln w="36000">
+              <a:solidFill>
+                <a:srgbClr val="2323DC"/>
+              </a:solidFill>
+              <a:round/>
+            </a:ln>
+          </p:spPr>
+        </p:sp>
+        <p:sp>
+          <p:nvSpPr>
+            <p:cNvPr id="52" name="CustomShape 12__"/>
+            <p:cNvSpPr/>
+            <p:nvPr/>
+          </p:nvSpPr>
+          <p:spPr>
+            <a:xfrm>
+              <a:off x="2929390" y="1412246"/>
+              <a:ext cx="256271" cy="264154"/>
+            </a:xfrm>
+            <a:prstGeom prst="roundRect">
+              <a:avLst>
+                <a:gd name="adj" fmla="val 3600"/>
+              </a:avLst>
+            </a:prstGeom>
+            <a:ln w="36000">
+              <a:solidFill>
+                <a:srgbClr val="E6FF00"/>
+              </a:solidFill>
+              <a:round/>
+            </a:ln>
+          </p:spPr>
+        </p:sp>
+        <p:sp>
+          <p:nvSpPr>
+            <p:cNvPr id="53" name="CustomShape 20____"/>
+            <p:cNvSpPr/>
+            <p:nvPr/>
+          </p:nvSpPr>
+          <p:spPr>
+            <a:xfrm>
+              <a:off x="3261861" y="1412246"/>
+              <a:ext cx="256271" cy="264154"/>
+            </a:xfrm>
+            <a:prstGeom prst="roundRect">
+              <a:avLst>
+                <a:gd name="adj" fmla="val 3600"/>
+              </a:avLst>
+            </a:prstGeom>
+            <a:ln w="36000">
+              <a:solidFill>
+                <a:srgbClr val="FF420E"/>
+              </a:solidFill>
+              <a:round/>
+            </a:ln>
+          </p:spPr>
+        </p:sp>
+        <p:sp>
+          <p:nvSpPr>
+            <p:cNvPr id="54" name="CustomShape 12___"/>
+            <p:cNvSpPr/>
+            <p:nvPr/>
+          </p:nvSpPr>
+          <p:spPr>
+            <a:xfrm>
+              <a:off x="3590925" y="1412246"/>
+              <a:ext cx="256271" cy="264154"/>
+            </a:xfrm>
+            <a:prstGeom prst="roundRect">
+              <a:avLst>
+                <a:gd name="adj" fmla="val 3600"/>
+              </a:avLst>
+            </a:prstGeom>
+            <a:ln w="36000">
+              <a:solidFill>
+                <a:srgbClr val="E6FF00"/>
+              </a:solidFill>
+              <a:round/>
+            </a:ln>
+          </p:spPr>
+        </p:sp>
+        <p:sp>
+          <p:nvSpPr>
+            <p:cNvPr id="55" name="CustomShape 20_____"/>
+            <p:cNvSpPr/>
+            <p:nvPr/>
+          </p:nvSpPr>
+          <p:spPr>
+            <a:xfrm>
+              <a:off x="3920913" y="1416513"/>
+              <a:ext cx="256271" cy="264154"/>
+            </a:xfrm>
+            <a:prstGeom prst="roundRect">
+              <a:avLst>
+                <a:gd name="adj" fmla="val 3600"/>
+              </a:avLst>
+            </a:prstGeom>
+            <a:ln w="36000">
+              <a:solidFill>
+                <a:srgbClr val="FF420E"/>
+              </a:solidFill>
+              <a:round/>
+            </a:ln>
+          </p:spPr>
+        </p:sp>
+        <p:sp>
+          <p:nvSpPr>
+            <p:cNvPr id="56" name="CustomShape 6_____"/>
+            <p:cNvSpPr/>
+            <p:nvPr/>
+          </p:nvSpPr>
+          <p:spPr>
+            <a:xfrm>
+              <a:off x="2600323" y="1756760"/>
+              <a:ext cx="256271" cy="264154"/>
+            </a:xfrm>
+            <a:prstGeom prst="roundRect">
+              <a:avLst>
+                <a:gd name="adj" fmla="val 3600"/>
+              </a:avLst>
+            </a:prstGeom>
+            <a:ln w="36000">
+              <a:solidFill>
+                <a:srgbClr val="00B0F0"/>
+              </a:solidFill>
+              <a:round/>
+            </a:ln>
+          </p:spPr>
+        </p:sp>
+        <p:sp>
+          <p:nvSpPr>
+            <p:cNvPr id="57" name="CustomShape 6______"/>
+            <p:cNvSpPr/>
+            <p:nvPr/>
+          </p:nvSpPr>
+          <p:spPr>
+            <a:xfrm>
+              <a:off x="2929387" y="1756760"/>
+              <a:ext cx="256271" cy="264154"/>
+            </a:xfrm>
+            <a:prstGeom prst="roundRect">
+              <a:avLst>
+                <a:gd name="adj" fmla="val 3600"/>
+              </a:avLst>
+            </a:prstGeom>
+            <a:ln w="36000">
+              <a:solidFill>
+                <a:srgbClr val="00B0F0"/>
+              </a:solidFill>
+              <a:round/>
+            </a:ln>
+          </p:spPr>
+        </p:sp>
+        <p:sp>
+          <p:nvSpPr>
+            <p:cNvPr id="58" name="TextBox 57"/>
+            <p:cNvSpPr txBox="1"/>
+            <p:nvPr/>
+          </p:nvSpPr>
+          <p:spPr>
+            <a:xfrm>
+              <a:off x="3209925" y="1676401"/>
+              <a:ext cx="1014866" cy="527617"/>
+            </a:xfrm>
+            <a:prstGeom prst="rect">
+              <a:avLst/>
+            </a:prstGeom>
+            <a:noFill/>
+          </p:spPr>
+          <p:txBody>
+            <a:bodyPr wrap="square" rtlCol="0">
+              <a:spAutoFit/>
+            </a:bodyPr>
+            <a:lstStyle/>
+            <a:p>
+              <a:r>
+                <a:rPr lang="en-US" dirty="0" smtClean="0"/>
+                <a:t>… …</a:t>
+              </a:r>
+              <a:endParaRPr lang="en-US" dirty="0"/>
+            </a:p>
+          </p:txBody>
+        </p:sp>
+        <p:sp>
+          <p:nvSpPr>
+            <p:cNvPr id="60" name="TextBox 59"/>
+            <p:cNvSpPr txBox="1"/>
+            <p:nvPr/>
+          </p:nvSpPr>
+          <p:spPr>
+            <a:xfrm>
+              <a:off x="4576762" y="777286"/>
+              <a:ext cx="2052637" cy="369332"/>
+            </a:xfrm>
+            <a:prstGeom prst="rect">
+              <a:avLst/>
+            </a:prstGeom>
+            <a:noFill/>
+          </p:spPr>
+          <p:txBody>
+            <a:bodyPr wrap="square" rtlCol="0">
+              <a:spAutoFit/>
+            </a:bodyPr>
+            <a:lstStyle/>
+            <a:p>
+              <a:r>
+                <a:rPr lang="en-US" dirty="0" smtClean="0"/>
+                <a:t>… … … … … … … …</a:t>
+              </a:r>
+              <a:endParaRPr lang="en-US" dirty="0"/>
+            </a:p>
+          </p:txBody>
+        </p:sp>
+        <p:sp>
+          <p:nvSpPr>
+            <p:cNvPr id="61" name="TextBox 60"/>
+            <p:cNvSpPr txBox="1"/>
+            <p:nvPr/>
+          </p:nvSpPr>
+          <p:spPr>
+            <a:xfrm>
+              <a:off x="4576762" y="1131046"/>
+              <a:ext cx="2052637" cy="527617"/>
+            </a:xfrm>
+            <a:prstGeom prst="rect">
+              <a:avLst/>
+            </a:prstGeom>
+            <a:noFill/>
+          </p:spPr>
+          <p:txBody>
+            <a:bodyPr wrap="square" rtlCol="0">
+              <a:spAutoFit/>
+            </a:bodyPr>
+            <a:lstStyle/>
+            <a:p>
+              <a:endParaRPr lang="en-US" dirty="0"/>
+            </a:p>
+          </p:txBody>
+        </p:sp>
+        <p:sp>
+          <p:nvSpPr>
+            <p:cNvPr id="62" name="TextBox 61"/>
+            <p:cNvSpPr txBox="1"/>
+            <p:nvPr/>
+          </p:nvSpPr>
+          <p:spPr>
+            <a:xfrm>
+              <a:off x="4576762" y="1544324"/>
+              <a:ext cx="2052637" cy="527617"/>
+            </a:xfrm>
+            <a:prstGeom prst="rect">
+              <a:avLst/>
+            </a:prstGeom>
+            <a:noFill/>
+          </p:spPr>
+          <p:txBody>
+            <a:bodyPr wrap="square" rtlCol="0">
+              <a:spAutoFit/>
+            </a:bodyPr>
+            <a:lstStyle/>
+            <a:p>
+              <a:r>
+                <a:rPr lang="en-US" dirty="0" smtClean="0"/>
+                <a:t>… … … … … …</a:t>
+              </a:r>
+              <a:endParaRPr lang="en-US" dirty="0"/>
+            </a:p>
+          </p:txBody>
+        </p:sp>
+        <p:sp>
+          <p:nvSpPr>
+            <p:cNvPr id="63" name="CustomShape 20______"/>
+            <p:cNvSpPr/>
+            <p:nvPr/>
+          </p:nvSpPr>
+          <p:spPr>
+            <a:xfrm>
+              <a:off x="4733925" y="1973251"/>
+              <a:ext cx="256271" cy="264154"/>
+            </a:xfrm>
+            <a:prstGeom prst="roundRect">
+              <a:avLst>
+                <a:gd name="adj" fmla="val 3600"/>
+              </a:avLst>
+            </a:prstGeom>
+            <a:ln w="36000">
+              <a:solidFill>
+                <a:srgbClr val="FF420E"/>
+              </a:solidFill>
+              <a:round/>
+            </a:ln>
+          </p:spPr>
+        </p:sp>
+        <p:sp>
+          <p:nvSpPr>
+            <p:cNvPr id="64" name="CustomShape 12____"/>
+            <p:cNvSpPr/>
+            <p:nvPr/>
+          </p:nvSpPr>
+          <p:spPr>
+            <a:xfrm>
+              <a:off x="5114925" y="1973251"/>
+              <a:ext cx="256271" cy="264154"/>
+            </a:xfrm>
+            <a:prstGeom prst="roundRect">
+              <a:avLst>
+                <a:gd name="adj" fmla="val 3600"/>
+              </a:avLst>
+            </a:prstGeom>
+            <a:ln w="36000">
+              <a:solidFill>
+                <a:srgbClr val="E6FF00"/>
+              </a:solidFill>
+              <a:round/>
+            </a:ln>
+          </p:spPr>
+        </p:sp>
+        <p:sp>
+          <p:nvSpPr>
+            <p:cNvPr id="65" name="CustomShape 6_______"/>
+            <p:cNvSpPr/>
+            <p:nvPr/>
+          </p:nvSpPr>
+          <p:spPr>
+            <a:xfrm>
+              <a:off x="5474944" y="1968829"/>
+              <a:ext cx="256271" cy="264154"/>
+            </a:xfrm>
+            <a:prstGeom prst="roundRect">
+              <a:avLst>
+                <a:gd name="adj" fmla="val 3600"/>
+              </a:avLst>
+            </a:prstGeom>
+            <a:ln w="36000">
+              <a:solidFill>
+                <a:srgbClr val="00B0F0"/>
+              </a:solidFill>
+              <a:round/>
+            </a:ln>
+          </p:spPr>
+        </p:sp>
+        <p:sp>
+          <p:nvSpPr>
+            <p:cNvPr id="66" name="CustomShape 6________"/>
+            <p:cNvSpPr/>
+            <p:nvPr/>
+          </p:nvSpPr>
+          <p:spPr>
+            <a:xfrm>
+              <a:off x="5883615" y="1968829"/>
+              <a:ext cx="256271" cy="264154"/>
+            </a:xfrm>
+            <a:prstGeom prst="roundRect">
+              <a:avLst>
+                <a:gd name="adj" fmla="val 3600"/>
+              </a:avLst>
+            </a:prstGeom>
+            <a:ln w="36000">
+              <a:solidFill>
+                <a:srgbClr val="00B0F0"/>
+              </a:solidFill>
+              <a:round/>
+            </a:ln>
+          </p:spPr>
+        </p:sp>
+      </p:grpSp>
+      <p:sp>
+        <p:nvSpPr>
+          <p:cNvPr id="68" name="TextBox 67"/>
+          <p:cNvSpPr txBox="1"/>
+          <p:nvPr/>
+        </p:nvSpPr>
+        <p:spPr>
+          <a:xfrm>
+            <a:off x="2909107" y="1447800"/>
+            <a:ext cx="1436846" cy="369332"/>
+          </a:xfrm>
+          <a:prstGeom prst="rect">
+            <a:avLst/>
+          </a:prstGeom>
+          <a:noFill/>
+        </p:spPr>
+        <p:txBody>
+          <a:bodyPr wrap="square" rtlCol="0">
+            <a:spAutoFit/>
+          </a:bodyPr>
+          <a:lstStyle/>
+          <a:p>
+            <a:r>
+              <a:rPr lang="en-US" dirty="0" smtClean="0"/>
+              <a:t>… … … … …</a:t>
+            </a:r>
+            <a:endParaRPr lang="en-US" dirty="0"/>
+          </a:p>
+        </p:txBody>
+      </p:sp>
+      <p:cxnSp>
+        <p:nvCxnSpPr>
+          <p:cNvPr id="70" name="Straight Arrow Connector 69"/>
+          <p:cNvCxnSpPr>
+            <a:stCxn id="41" idx="2"/>
+            <a:endCxn id="34" idx="7"/>
+          </p:cNvCxnSpPr>
+          <p:nvPr/>
+        </p:nvCxnSpPr>
+        <p:spPr>
+          <a:xfrm>
+            <a:off x="2969101" y="801019"/>
+            <a:ext cx="1181662" cy="2190015"/>
+          </a:xfrm>
+          <a:prstGeom prst="straightConnector1">
+            <a:avLst/>
+          </a:prstGeom>
+          <a:ln>
+            <a:tailEnd type="arrow"/>
+          </a:ln>
+        </p:spPr>
+        <p:style>
+          <a:lnRef idx="1">
+            <a:schemeClr val="accent1"/>
+          </a:lnRef>
+          <a:fillRef idx="0">
+            <a:schemeClr val="accent1"/>
+          </a:fillRef>
+          <a:effectRef idx="0">
+            <a:schemeClr val="accent1"/>
+          </a:effectRef>
+          <a:fontRef idx="minor">
+            <a:schemeClr val="tx1"/>
+          </a:fontRef>
+        </p:style>
+      </p:cxnSp>
+      <p:cxnSp>
+        <p:nvCxnSpPr>
+          <p:cNvPr id="72" name="Straight Arrow Connector 71"/>
+          <p:cNvCxnSpPr>
+            <a:stCxn id="42" idx="2"/>
+            <a:endCxn id="34" idx="7"/>
+          </p:cNvCxnSpPr>
+          <p:nvPr/>
+        </p:nvCxnSpPr>
+        <p:spPr>
+          <a:xfrm>
+            <a:off x="3199447" y="801019"/>
+            <a:ext cx="951316" cy="2190015"/>
+          </a:xfrm>
+          <a:prstGeom prst="straightConnector1">
+            <a:avLst/>
+          </a:prstGeom>
+          <a:ln>
+            <a:tailEnd type="arrow"/>
+          </a:ln>
+        </p:spPr>
+        <p:style>
+          <a:lnRef idx="1">
+            <a:schemeClr val="accent1"/>
+          </a:lnRef>
+          <a:fillRef idx="0">
+            <a:schemeClr val="accent1"/>
+          </a:fillRef>
+          <a:effectRef idx="0">
+            <a:schemeClr val="accent1"/>
+          </a:effectRef>
+          <a:fontRef idx="minor">
+            <a:schemeClr val="tx1"/>
+          </a:fontRef>
+        </p:style>
+      </p:cxnSp>
+      <p:cxnSp>
+        <p:nvCxnSpPr>
+          <p:cNvPr id="74" name="Straight Arrow Connector 73"/>
+          <p:cNvCxnSpPr>
+            <a:stCxn id="43" idx="2"/>
+            <a:endCxn id="34" idx="7"/>
+          </p:cNvCxnSpPr>
+          <p:nvPr/>
+        </p:nvCxnSpPr>
+        <p:spPr>
+          <a:xfrm>
+            <a:off x="3432177" y="801019"/>
+            <a:ext cx="718586" cy="2190015"/>
+          </a:xfrm>
+          <a:prstGeom prst="straightConnector1">
+            <a:avLst/>
+          </a:prstGeom>
+          <a:ln>
+            <a:tailEnd type="arrow"/>
+          </a:ln>
+        </p:spPr>
+        <p:style>
+          <a:lnRef idx="1">
+            <a:schemeClr val="accent1"/>
+          </a:lnRef>
+          <a:fillRef idx="0">
+            <a:schemeClr val="accent1"/>
+          </a:fillRef>
+          <a:effectRef idx="0">
+            <a:schemeClr val="accent1"/>
+          </a:effectRef>
+          <a:fontRef idx="minor">
+            <a:schemeClr val="tx1"/>
+          </a:fontRef>
+        </p:style>
+      </p:cxnSp>
+      <p:cxnSp>
+        <p:nvCxnSpPr>
+          <p:cNvPr id="76" name="Straight Arrow Connector 75"/>
+          <p:cNvCxnSpPr>
+            <a:stCxn id="44" idx="2"/>
+            <a:endCxn id="34" idx="7"/>
+          </p:cNvCxnSpPr>
+          <p:nvPr/>
+        </p:nvCxnSpPr>
+        <p:spPr>
+          <a:xfrm>
+            <a:off x="3664906" y="801019"/>
+            <a:ext cx="485857" cy="2190015"/>
+          </a:xfrm>
+          <a:prstGeom prst="straightConnector1">
+            <a:avLst/>
+          </a:prstGeom>
+          <a:ln>
+            <a:tailEnd type="arrow"/>
+          </a:ln>
+        </p:spPr>
+        <p:style>
+          <a:lnRef idx="1">
+            <a:schemeClr val="accent1"/>
+          </a:lnRef>
+          <a:fillRef idx="0">
+            <a:schemeClr val="accent1"/>
+          </a:fillRef>
+          <a:effectRef idx="0">
+            <a:schemeClr val="accent1"/>
+          </a:effectRef>
+          <a:fontRef idx="minor">
+            <a:schemeClr val="tx1"/>
+          </a:fontRef>
+        </p:style>
+      </p:cxnSp>
+      <p:cxnSp>
+        <p:nvCxnSpPr>
+          <p:cNvPr id="78" name="Straight Arrow Connector 77"/>
+          <p:cNvCxnSpPr>
+            <a:stCxn id="64" idx="2"/>
+            <a:endCxn id="34" idx="1"/>
+          </p:cNvCxnSpPr>
+          <p:nvPr/>
+        </p:nvCxnSpPr>
+        <p:spPr>
+          <a:xfrm flipH="1">
+            <a:off x="4266433" y="1667445"/>
+            <a:ext cx="462889" cy="1323589"/>
+          </a:xfrm>
+          <a:prstGeom prst="straightConnector1">
+            <a:avLst/>
+          </a:prstGeom>
+          <a:ln>
+            <a:tailEnd type="arrow"/>
+          </a:ln>
+        </p:spPr>
+        <p:style>
+          <a:lnRef idx="1">
+            <a:schemeClr val="accent1"/>
+          </a:lnRef>
+          <a:fillRef idx="0">
+            <a:schemeClr val="accent1"/>
+          </a:fillRef>
+          <a:effectRef idx="0">
+            <a:schemeClr val="accent1"/>
+          </a:effectRef>
+          <a:fontRef idx="minor">
+            <a:schemeClr val="tx1"/>
+          </a:fontRef>
+        </p:style>
+      </p:cxnSp>
+      <p:cxnSp>
+        <p:nvCxnSpPr>
+          <p:cNvPr id="80" name="Straight Arrow Connector 79"/>
+          <p:cNvCxnSpPr>
+            <a:stCxn id="65" idx="2"/>
+            <a:endCxn id="34" idx="1"/>
+          </p:cNvCxnSpPr>
+          <p:nvPr/>
+        </p:nvCxnSpPr>
+        <p:spPr>
+          <a:xfrm flipH="1">
+            <a:off x="4266433" y="1664350"/>
+            <a:ext cx="714903" cy="1326684"/>
+          </a:xfrm>
+          <a:prstGeom prst="straightConnector1">
+            <a:avLst/>
+          </a:prstGeom>
+          <a:ln>
+            <a:tailEnd type="arrow"/>
+          </a:ln>
+        </p:spPr>
+        <p:style>
+          <a:lnRef idx="1">
+            <a:schemeClr val="accent1"/>
+          </a:lnRef>
+          <a:fillRef idx="0">
+            <a:schemeClr val="accent1"/>
+          </a:fillRef>
+          <a:effectRef idx="0">
+            <a:schemeClr val="accent1"/>
+          </a:effectRef>
+          <a:fontRef idx="minor">
+            <a:schemeClr val="tx1"/>
+          </a:fontRef>
+        </p:style>
+      </p:cxnSp>
+      <p:cxnSp>
+        <p:nvCxnSpPr>
+          <p:cNvPr id="82" name="Straight Arrow Connector 81"/>
+          <p:cNvCxnSpPr>
+            <a:stCxn id="66" idx="2"/>
+            <a:endCxn id="34" idx="1"/>
+          </p:cNvCxnSpPr>
+          <p:nvPr/>
+        </p:nvCxnSpPr>
+        <p:spPr>
+          <a:xfrm flipH="1">
+            <a:off x="4266433" y="1664350"/>
+            <a:ext cx="1000972" cy="1326684"/>
+          </a:xfrm>
+          <a:prstGeom prst="straightConnector1">
+            <a:avLst/>
+          </a:prstGeom>
+          <a:ln>
+            <a:tailEnd type="arrow"/>
+          </a:ln>
+        </p:spPr>
+        <p:style>
+          <a:lnRef idx="1">
+            <a:schemeClr val="accent1"/>
+          </a:lnRef>
+          <a:fillRef idx="0">
+            <a:schemeClr val="accent1"/>
+          </a:fillRef>
+          <a:effectRef idx="0">
+            <a:schemeClr val="accent1"/>
+          </a:effectRef>
+          <a:fontRef idx="minor">
+            <a:schemeClr val="tx1"/>
+          </a:fontRef>
+        </p:style>
+      </p:cxnSp>
+      <p:cxnSp>
+        <p:nvCxnSpPr>
+          <p:cNvPr id="84" name="Straight Arrow Connector 83"/>
+          <p:cNvCxnSpPr>
+            <a:stCxn id="63" idx="2"/>
+            <a:endCxn id="34" idx="1"/>
+          </p:cNvCxnSpPr>
+          <p:nvPr/>
+        </p:nvCxnSpPr>
+        <p:spPr>
+          <a:xfrm flipH="1">
+            <a:off x="4266433" y="1667445"/>
+            <a:ext cx="196189" cy="1323589"/>
+          </a:xfrm>
+          <a:prstGeom prst="straightConnector1">
+            <a:avLst/>
+          </a:prstGeom>
+          <a:ln>
+            <a:tailEnd type="arrow"/>
+          </a:ln>
+        </p:spPr>
+        <p:style>
+          <a:lnRef idx="1">
+            <a:schemeClr val="accent1"/>
+          </a:lnRef>
+          <a:fillRef idx="0">
+            <a:schemeClr val="accent1"/>
+          </a:fillRef>
+          <a:effectRef idx="0">
+            <a:schemeClr val="accent1"/>
+          </a:effectRef>
+          <a:fontRef idx="minor">
+            <a:schemeClr val="tx1"/>
+          </a:fontRef>
+        </p:style>
+      </p:cxnSp>
+    </p:spTree>
+    <p:extLst>
+      <p:ext uri="{BB962C8B-B14F-4D97-AF65-F5344CB8AC3E}">
+        <p14:creationId xmlns:p14="http://schemas.microsoft.com/office/powerpoint/2010/main" val="3822873589"/>
+      </p:ext>
+    </p:extLst>
+  </p:cSld>
+  <p:clrMapOvr>
+    <a:masterClrMapping/>
+  </p:clrMapOvr>
+  <p:timing>
+    <p:tnLst>
+      <p:par>
+        <p:cTn id="1" dur="indefinite" restart="never" nodeType="tmRoot"/>
+      </p:par>
+    </p:tnLst>
+  </p:timing>
+</p:sld>
+</file>
+
+<file path=ppt/slides/slide11.xml><?xml version="1.0" encoding="utf-8"?>
+<p:sld xmlns:a="http://schemas.openxmlformats.org/drawingml/2006/main" xmlns:r="http://schemas.openxmlformats.org/officeDocument/2006/relationships" xmlns:p="http://schemas.openxmlformats.org/presentationml/2006/main">
+  <p:cSld>
+    <p:spTree>
+      <p:nvGrpSpPr>
+        <p:cNvPr id="1" name=""/>
+        <p:cNvGrpSpPr/>
+        <p:nvPr/>
+      </p:nvGrpSpPr>
+      <p:grpSpPr>
+        <a:xfrm>
+          <a:off x="0" y="0"/>
+          <a:ext cx="0" cy="0"/>
+          <a:chOff x="0" y="0"/>
+          <a:chExt cx="0" cy="0"/>
+        </a:xfrm>
+      </p:grpSpPr>
+      <p:pic>
+        <p:nvPicPr>
+          <p:cNvPr id="2055" name="Picture 7" descr="C:\Users\310153563\Documents\GitHub\COPDBodyMedia_2nd_analysis\COPDBodyMedia2_paper\IEEEtran_windows_philips\figure\eps\figure_4_1_copd_weekday_gly.eps"/>
+          <p:cNvPicPr>
+            <a:picLocks noChangeAspect="1" noChangeArrowheads="1"/>
+          </p:cNvPicPr>
+          <p:nvPr/>
+        </p:nvPicPr>
+        <p:blipFill>
+          <a:blip r:embed="rId2">
+            <a:extLst>
+              <a:ext uri="{28A0092B-C50C-407E-A947-70E740481C1C}">
+                <a14:useLocalDpi xmlns:a14="http://schemas.microsoft.com/office/drawing/2010/main" val="0"/>
+              </a:ext>
+            </a:extLst>
+          </a:blip>
+          <a:srcRect/>
+          <a:stretch>
+            <a:fillRect/>
+          </a:stretch>
+        </p:blipFill>
+        <p:spPr bwMode="auto">
+          <a:xfrm>
+            <a:off x="1143000" y="914400"/>
+            <a:ext cx="7075170" cy="1194435"/>
+          </a:xfrm>
+          <a:prstGeom prst="rect">
+            <a:avLst/>
+          </a:prstGeom>
+          <a:noFill/>
+          <a:extLst>
+            <a:ext uri="{909E8E84-426E-40DD-AFC4-6F175D3DCCD1}">
+              <a14:hiddenFill xmlns:a14="http://schemas.microsoft.com/office/drawing/2010/main">
+                <a:solidFill>
+                  <a:srgbClr val="FFFFFF"/>
+                </a:solidFill>
+              </a14:hiddenFill>
+            </a:ext>
+          </a:extLst>
+        </p:spPr>
+      </p:pic>
+      <p:pic>
+        <p:nvPicPr>
+          <p:cNvPr id="2056" name="Picture 8" descr="C:\Users\310153563\Documents\GitHub\COPDBodyMedia_2nd_analysis\COPDBodyMedia2_paper\IEEEtran_windows_philips\figure\eps\figure_4_1_healthy_weekday_gly.eps"/>
+          <p:cNvPicPr>
+            <a:picLocks noChangeAspect="1" noChangeArrowheads="1"/>
+          </p:cNvPicPr>
+          <p:nvPr/>
+        </p:nvPicPr>
+        <p:blipFill>
+          <a:blip r:embed="rId3">
+            <a:extLst>
+              <a:ext uri="{28A0092B-C50C-407E-A947-70E740481C1C}">
+                <a14:useLocalDpi xmlns:a14="http://schemas.microsoft.com/office/drawing/2010/main" val="0"/>
+              </a:ext>
+            </a:extLst>
+          </a:blip>
+          <a:srcRect/>
+          <a:stretch>
+            <a:fillRect/>
+          </a:stretch>
+        </p:blipFill>
+        <p:spPr bwMode="auto">
+          <a:xfrm>
+            <a:off x="1143000" y="2362200"/>
+            <a:ext cx="7075170" cy="1194435"/>
+          </a:xfrm>
+          <a:prstGeom prst="rect">
+            <a:avLst/>
+          </a:prstGeom>
+          <a:noFill/>
+          <a:extLst>
+            <a:ext uri="{909E8E84-426E-40DD-AFC4-6F175D3DCCD1}">
+              <a14:hiddenFill xmlns:a14="http://schemas.microsoft.com/office/drawing/2010/main">
+                <a:solidFill>
+                  <a:srgbClr val="FFFFFF"/>
+                </a:solidFill>
+              </a14:hiddenFill>
+            </a:ext>
+          </a:extLst>
+        </p:spPr>
+      </p:pic>
+      <p:pic>
+        <p:nvPicPr>
+          <p:cNvPr id="13" name="Picture 5" descr="C:\Users\310153563\Documents\GitHub\COPDBodyMedia_2nd_analysis\COPDBodyMedia2_paper\IEEEtran_windows_philips\figure\png\figure_10.png"/>
+          <p:cNvPicPr>
+            <a:picLocks noChangeAspect="1" noChangeArrowheads="1"/>
+          </p:cNvPicPr>
+          <p:nvPr/>
+        </p:nvPicPr>
+        <p:blipFill>
+          <a:blip r:embed="rId4" cstate="print">
+            <a:extLst>
+              <a:ext uri="{28A0092B-C50C-407E-A947-70E740481C1C}">
+                <a14:useLocalDpi xmlns:a14="http://schemas.microsoft.com/office/drawing/2010/main" val="0"/>
+              </a:ext>
+            </a:extLst>
+          </a:blip>
+          <a:srcRect/>
+          <a:stretch>
+            <a:fillRect/>
+          </a:stretch>
+        </p:blipFill>
+        <p:spPr bwMode="auto">
+          <a:xfrm>
+            <a:off x="2681623" y="3962400"/>
+            <a:ext cx="3414377" cy="2560325"/>
+          </a:xfrm>
+          <a:prstGeom prst="rect">
+            <a:avLst/>
+          </a:prstGeom>
+          <a:noFill/>
+          <a:extLst>
+            <a:ext uri="{909E8E84-426E-40DD-AFC4-6F175D3DCCD1}">
+              <a14:hiddenFill xmlns:a14="http://schemas.microsoft.com/office/drawing/2010/main">
+                <a:solidFill>
+                  <a:srgbClr val="FFFFFF"/>
+                </a:solidFill>
+              </a14:hiddenFill>
+            </a:ext>
+          </a:extLst>
+        </p:spPr>
+      </p:pic>
+    </p:spTree>
+    <p:extLst>
+      <p:ext uri="{BB962C8B-B14F-4D97-AF65-F5344CB8AC3E}">
+        <p14:creationId xmlns:p14="http://schemas.microsoft.com/office/powerpoint/2010/main" val="1205928072"/>
+      </p:ext>
+    </p:extLst>
+  </p:cSld>
+  <p:clrMapOvr>
+    <a:masterClrMapping/>
+  </p:clrMapOvr>
+  <p:timing>
+    <p:tnLst>
+      <p:par>
+        <p:cTn id="1" dur="indefinite" restart="never" nodeType="tmRoot"/>
+      </p:par>
+    </p:tnLst>
+  </p:timing>
+</p:sld>
+</file>
+
+<file path=ppt/slides/slide12.xml><?xml version="1.0" encoding="utf-8"?>
+<p:sld xmlns:a="http://schemas.openxmlformats.org/drawingml/2006/main" xmlns:r="http://schemas.openxmlformats.org/officeDocument/2006/relationships" xmlns:p="http://schemas.openxmlformats.org/presentationml/2006/main">
+  <p:cSld>
+    <p:spTree>
+      <p:nvGrpSpPr>
+        <p:cNvPr id="1" name=""/>
+        <p:cNvGrpSpPr/>
+        <p:nvPr/>
+      </p:nvGrpSpPr>
+      <p:grpSpPr>
+        <a:xfrm>
+          <a:off x="0" y="0"/>
+          <a:ext cx="0" cy="0"/>
+          <a:chOff x="0" y="0"/>
+          <a:chExt cx="0" cy="0"/>
+        </a:xfrm>
+      </p:grpSpPr>
+      <p:pic>
+        <p:nvPicPr>
+          <p:cNvPr id="3075" name="Picture 3" descr="C:\Users\310153563\Documents\GitHub\COPDBodyMedia_2nd_analysis\COPDBodyMedia2_paper\IEEEtran_windows_philips\figure\png\figure_7_trend_all_weekday.png"/>
+          <p:cNvPicPr>
+            <a:picLocks noChangeAspect="1" noChangeArrowheads="1"/>
+          </p:cNvPicPr>
+          <p:nvPr/>
+        </p:nvPicPr>
+        <p:blipFill>
+          <a:blip r:embed="rId2" cstate="print">
+            <a:extLst>
+              <a:ext uri="{28A0092B-C50C-407E-A947-70E740481C1C}">
+                <a14:useLocalDpi xmlns:a14="http://schemas.microsoft.com/office/drawing/2010/main" val="0"/>
+              </a:ext>
+            </a:extLst>
+          </a:blip>
+          <a:srcRect/>
+          <a:stretch>
+            <a:fillRect/>
+          </a:stretch>
+        </p:blipFill>
+        <p:spPr bwMode="auto">
+          <a:xfrm>
+            <a:off x="1524000" y="609600"/>
+            <a:ext cx="5691188" cy="4267200"/>
+          </a:xfrm>
+          <a:prstGeom prst="rect">
+            <a:avLst/>
+          </a:prstGeom>
+          <a:noFill/>
+          <a:extLst>
+            <a:ext uri="{909E8E84-426E-40DD-AFC4-6F175D3DCCD1}">
+              <a14:hiddenFill xmlns:a14="http://schemas.microsoft.com/office/drawing/2010/main">
+                <a:solidFill>
+                  <a:srgbClr val="FFFFFF"/>
+                </a:solidFill>
+              </a14:hiddenFill>
+            </a:ext>
+          </a:extLst>
+        </p:spPr>
+      </p:pic>
+      <p:sp>
+        <p:nvSpPr>
+          <p:cNvPr id="6" name="Rounded Rectangle 5"/>
+          <p:cNvSpPr/>
+          <p:nvPr/>
+        </p:nvSpPr>
+        <p:spPr>
+          <a:xfrm>
+            <a:off x="5943600" y="1246359"/>
+            <a:ext cx="609600" cy="152400"/>
+          </a:xfrm>
+          <a:prstGeom prst="roundRect">
+            <a:avLst/>
+          </a:prstGeom>
+          <a:solidFill>
+            <a:schemeClr val="accent1">
+              <a:alpha val="20000"/>
+            </a:schemeClr>
+          </a:solidFill>
+          <a:ln>
+            <a:solidFill>
+              <a:schemeClr val="accent1">
+                <a:shade val="50000"/>
+              </a:schemeClr>
+            </a:solidFill>
+          </a:ln>
+        </p:spPr>
+        <p:style>
+          <a:lnRef idx="2">
+            <a:schemeClr val="accent1">
+              <a:shade val="50000"/>
+            </a:schemeClr>
+          </a:lnRef>
+          <a:fillRef idx="1">
+            <a:schemeClr val="accent1"/>
+          </a:fillRef>
+          <a:effectRef idx="0">
+            <a:schemeClr val="accent1"/>
+          </a:effectRef>
+          <a:fontRef idx="minor">
+            <a:schemeClr val="lt1"/>
+          </a:fontRef>
+        </p:style>
+        <p:txBody>
+          <a:bodyPr rtlCol="0" anchor="ctr"/>
+          <a:lstStyle/>
+          <a:p>
+            <a:pPr algn="ctr"/>
+            <a:endParaRPr lang="en-US"/>
+          </a:p>
+        </p:txBody>
+      </p:sp>
+      <p:sp>
+        <p:nvSpPr>
+          <p:cNvPr id="9" name="Rounded Rectangle 8"/>
+          <p:cNvSpPr/>
+          <p:nvPr/>
+        </p:nvSpPr>
+        <p:spPr>
+          <a:xfrm>
+            <a:off x="5960205" y="2017412"/>
+            <a:ext cx="609600" cy="152400"/>
+          </a:xfrm>
+          <a:prstGeom prst="roundRect">
+            <a:avLst/>
+          </a:prstGeom>
+          <a:solidFill>
+            <a:schemeClr val="accent1">
+              <a:alpha val="20000"/>
+            </a:schemeClr>
+          </a:solidFill>
+          <a:ln>
+            <a:solidFill>
+              <a:schemeClr val="accent1">
+                <a:shade val="50000"/>
+              </a:schemeClr>
+            </a:solidFill>
+          </a:ln>
+        </p:spPr>
+        <p:style>
+          <a:lnRef idx="2">
+            <a:schemeClr val="accent1">
+              <a:shade val="50000"/>
+            </a:schemeClr>
+          </a:lnRef>
+          <a:fillRef idx="1">
+            <a:schemeClr val="accent1"/>
+          </a:fillRef>
+          <a:effectRef idx="0">
+            <a:schemeClr val="accent1"/>
+          </a:effectRef>
+          <a:fontRef idx="minor">
+            <a:schemeClr val="lt1"/>
+          </a:fontRef>
+        </p:style>
+        <p:txBody>
+          <a:bodyPr rtlCol="0" anchor="ctr"/>
+          <a:lstStyle/>
+          <a:p>
+            <a:pPr algn="ctr"/>
+            <a:endParaRPr lang="en-US"/>
+          </a:p>
+        </p:txBody>
+      </p:sp>
+      <p:sp>
+        <p:nvSpPr>
+          <p:cNvPr id="10" name="Rounded Rectangle 9"/>
+          <p:cNvSpPr/>
+          <p:nvPr/>
+        </p:nvSpPr>
+        <p:spPr>
+          <a:xfrm>
+            <a:off x="5967757" y="2276947"/>
+            <a:ext cx="609600" cy="152400"/>
+          </a:xfrm>
+          <a:prstGeom prst="roundRect">
+            <a:avLst/>
+          </a:prstGeom>
+          <a:solidFill>
+            <a:schemeClr val="accent1">
+              <a:alpha val="20000"/>
+            </a:schemeClr>
+          </a:solidFill>
+          <a:ln>
+            <a:solidFill>
+              <a:schemeClr val="accent1">
+                <a:shade val="50000"/>
+              </a:schemeClr>
+            </a:solidFill>
+          </a:ln>
+        </p:spPr>
+        <p:style>
+          <a:lnRef idx="2">
+            <a:schemeClr val="accent1">
+              <a:shade val="50000"/>
+            </a:schemeClr>
+          </a:lnRef>
+          <a:fillRef idx="1">
+            <a:schemeClr val="accent1"/>
+          </a:fillRef>
+          <a:effectRef idx="0">
+            <a:schemeClr val="accent1"/>
+          </a:effectRef>
+          <a:fontRef idx="minor">
+            <a:schemeClr val="lt1"/>
+          </a:fontRef>
+        </p:style>
+        <p:txBody>
+          <a:bodyPr rtlCol="0" anchor="ctr"/>
+          <a:lstStyle/>
+          <a:p>
+            <a:pPr algn="ctr"/>
+            <a:endParaRPr lang="en-US"/>
+          </a:p>
+        </p:txBody>
+      </p:sp>
+    </p:spTree>
+    <p:extLst>
+      <p:ext uri="{BB962C8B-B14F-4D97-AF65-F5344CB8AC3E}">
+        <p14:creationId xmlns:p14="http://schemas.microsoft.com/office/powerpoint/2010/main" val="960354924"/>
+      </p:ext>
+    </p:extLst>
+  </p:cSld>
+  <p:clrMapOvr>
+    <a:masterClrMapping/>
+  </p:clrMapOvr>
+  <p:timing>
+    <p:tnLst>
+      <p:par>
+        <p:cTn id="1" dur="indefinite" restart="never" nodeType="tmRoot"/>
+      </p:par>
+    </p:tnLst>
+  </p:timing>
+</p:sld>
+</file>
+
+<file path=ppt/slides/slide13.xml><?xml version="1.0" encoding="utf-8"?>
+<p:sld xmlns:a="http://schemas.openxmlformats.org/drawingml/2006/main" xmlns:r="http://schemas.openxmlformats.org/officeDocument/2006/relationships" xmlns:p="http://schemas.openxmlformats.org/presentationml/2006/main">
+  <p:cSld>
+    <p:spTree>
+      <p:nvGrpSpPr>
+        <p:cNvPr id="1" name=""/>
+        <p:cNvGrpSpPr/>
+        <p:nvPr/>
+      </p:nvGrpSpPr>
+      <p:grpSpPr>
+        <a:xfrm>
+          <a:off x="0" y="0"/>
+          <a:ext cx="0" cy="0"/>
+          <a:chOff x="0" y="0"/>
+          <a:chExt cx="0" cy="0"/>
+        </a:xfrm>
+      </p:grpSpPr>
+      <p:sp>
+        <p:nvSpPr>
+          <p:cNvPr id="8193" name="Rectangle 1"/>
+          <p:cNvSpPr>
+            <a:spLocks noGrp="1" noChangeArrowheads="1"/>
+          </p:cNvSpPr>
+          <p:nvPr>
+            <p:ph type="title" idx="4294967295"/>
+          </p:nvPr>
+        </p:nvSpPr>
+        <p:spPr>
+          <a:xfrm>
+            <a:off x="456481" y="273629"/>
+            <a:ext cx="8228160" cy="1144921"/>
+          </a:xfrm>
+          <a:prstGeom prst="rect">
+            <a:avLst/>
+          </a:prstGeom>
+          <a:ln/>
+        </p:spPr>
+        <p:txBody>
+          <a:bodyPr lIns="82945" tIns="35203" rIns="82945" bIns="41473"/>
+          <a:lstStyle/>
+          <a:p>
+            <a:pPr>
+              <a:tabLst>
+                <a:tab pos="656650" algn="l"/>
+                <a:tab pos="1313299" algn="l"/>
+                <a:tab pos="1969949" algn="l"/>
+                <a:tab pos="2626599" algn="l"/>
+                <a:tab pos="3283248" algn="l"/>
+                <a:tab pos="3939898" algn="l"/>
+                <a:tab pos="4596548" algn="l"/>
+                <a:tab pos="5253198" algn="l"/>
+                <a:tab pos="5909847" algn="l"/>
+                <a:tab pos="6566497" algn="l"/>
+                <a:tab pos="7223147" algn="l"/>
+                <a:tab pos="7879796" algn="l"/>
+              </a:tabLst>
+            </a:pPr>
+            <a:r>
+              <a:rPr lang="en-US" sz="4000" dirty="0" smtClean="0"/>
+              <a:t>New monitoring solutions</a:t>
+            </a:r>
+            <a:endParaRPr lang="en-US" altLang="it-IT" sz="4000" dirty="0"/>
+          </a:p>
+        </p:txBody>
+      </p:sp>
+      <p:sp>
+        <p:nvSpPr>
+          <p:cNvPr id="13" name="Text Placeholder 2_"/>
+          <p:cNvSpPr txBox="1">
+            <a:spLocks/>
+          </p:cNvSpPr>
+          <p:nvPr/>
+        </p:nvSpPr>
+        <p:spPr bwMode="auto">
+          <a:xfrm>
+            <a:off x="304800" y="3359150"/>
+            <a:ext cx="8534400" cy="1365250"/>
+          </a:xfrm>
+          <a:prstGeom prst="rect">
+            <a:avLst/>
+          </a:prstGeom>
+          <a:noFill/>
+          <a:ln>
+            <a:noFill/>
+          </a:ln>
+          <a:extLst>
+            <a:ext uri="{909E8E84-426E-40DD-AFC4-6F175D3DCCD1}">
+              <a14:hiddenFill xmlns:a14="http://schemas.microsoft.com/office/drawing/2010/main">
+                <a:solidFill>
+                  <a:srgbClr val="FFFFFF"/>
+                </a:solidFill>
+              </a14:hiddenFill>
+            </a:ext>
+            <a:ext uri="{91240B29-F687-4F45-9708-019B960494DF}">
+              <a14:hiddenLine xmlns:a14="http://schemas.microsoft.com/office/drawing/2010/main" w="9525">
+                <a:solidFill>
+                  <a:srgbClr val="000000"/>
+                </a:solidFill>
+                <a:miter lim="800000"/>
+                <a:headEnd/>
+                <a:tailEnd/>
+              </a14:hiddenLine>
+            </a:ext>
+          </a:extLst>
+        </p:spPr>
+        <p:txBody>
+          <a:bodyPr lIns="0" tIns="0" rIns="0" bIns="0"/>
+          <a:lstStyle>
+            <a:lvl1pPr eaLnBrk="0" hangingPunct="0">
+              <a:defRPr>
+                <a:solidFill>
+                  <a:schemeClr val="tx1"/>
+                </a:solidFill>
+                <a:latin typeface="Calibri" pitchFamily="34" charset="0"/>
+                <a:cs typeface="Arial" charset="0"/>
+              </a:defRPr>
+            </a:lvl1pPr>
+            <a:lvl2pPr marL="742950" indent="-285750" eaLnBrk="0" hangingPunct="0">
+              <a:defRPr>
+                <a:solidFill>
+                  <a:schemeClr val="tx1"/>
+                </a:solidFill>
+                <a:latin typeface="Calibri" pitchFamily="34" charset="0"/>
+                <a:cs typeface="Arial" charset="0"/>
+              </a:defRPr>
+            </a:lvl2pPr>
+            <a:lvl3pPr marL="1143000" indent="-228600" eaLnBrk="0" hangingPunct="0">
+              <a:defRPr>
+                <a:solidFill>
+                  <a:schemeClr val="tx1"/>
+                </a:solidFill>
+                <a:latin typeface="Calibri" pitchFamily="34" charset="0"/>
+                <a:cs typeface="Arial" charset="0"/>
+              </a:defRPr>
+            </a:lvl3pPr>
+            <a:lvl4pPr marL="1600200" indent="-228600" eaLnBrk="0" hangingPunct="0">
+              <a:defRPr>
+                <a:solidFill>
+                  <a:schemeClr val="tx1"/>
+                </a:solidFill>
+                <a:latin typeface="Calibri" pitchFamily="34" charset="0"/>
+                <a:cs typeface="Arial" charset="0"/>
+              </a:defRPr>
+            </a:lvl4pPr>
+            <a:lvl5pPr marL="2057400" indent="-228600" eaLnBrk="0" hangingPunct="0">
+              <a:defRPr>
+                <a:solidFill>
+                  <a:schemeClr val="tx1"/>
+                </a:solidFill>
+                <a:latin typeface="Calibri" pitchFamily="34" charset="0"/>
+                <a:cs typeface="Arial" charset="0"/>
+              </a:defRPr>
+            </a:lvl5pPr>
+            <a:lvl6pPr marL="2514600" indent="-228600" eaLnBrk="0" fontAlgn="base" hangingPunct="0">
+              <a:spcBef>
+                <a:spcPct val="0"/>
+              </a:spcBef>
+              <a:spcAft>
+                <a:spcPct val="0"/>
+              </a:spcAft>
+              <a:defRPr>
+                <a:solidFill>
+                  <a:schemeClr val="tx1"/>
+                </a:solidFill>
+                <a:latin typeface="Calibri" pitchFamily="34" charset="0"/>
+                <a:cs typeface="Arial" charset="0"/>
+              </a:defRPr>
+            </a:lvl6pPr>
+            <a:lvl7pPr marL="2971800" indent="-228600" eaLnBrk="0" fontAlgn="base" hangingPunct="0">
+              <a:spcBef>
+                <a:spcPct val="0"/>
+              </a:spcBef>
+              <a:spcAft>
+                <a:spcPct val="0"/>
+              </a:spcAft>
+              <a:defRPr>
+                <a:solidFill>
+                  <a:schemeClr val="tx1"/>
+                </a:solidFill>
+                <a:latin typeface="Calibri" pitchFamily="34" charset="0"/>
+                <a:cs typeface="Arial" charset="0"/>
+              </a:defRPr>
+            </a:lvl7pPr>
+            <a:lvl8pPr marL="3429000" indent="-228600" eaLnBrk="0" fontAlgn="base" hangingPunct="0">
+              <a:spcBef>
+                <a:spcPct val="0"/>
+              </a:spcBef>
+              <a:spcAft>
+                <a:spcPct val="0"/>
+              </a:spcAft>
+              <a:defRPr>
+                <a:solidFill>
+                  <a:schemeClr val="tx1"/>
+                </a:solidFill>
+                <a:latin typeface="Calibri" pitchFamily="34" charset="0"/>
+                <a:cs typeface="Arial" charset="0"/>
+              </a:defRPr>
+            </a:lvl8pPr>
+            <a:lvl9pPr marL="3886200" indent="-228600" eaLnBrk="0" fontAlgn="base" hangingPunct="0">
+              <a:spcBef>
+                <a:spcPct val="0"/>
+              </a:spcBef>
+              <a:spcAft>
+                <a:spcPct val="0"/>
+              </a:spcAft>
+              <a:defRPr>
+                <a:solidFill>
+                  <a:schemeClr val="tx1"/>
+                </a:solidFill>
+                <a:latin typeface="Calibri" pitchFamily="34" charset="0"/>
+                <a:cs typeface="Arial" charset="0"/>
+              </a:defRPr>
+            </a:lvl9pPr>
+          </a:lstStyle>
+          <a:p>
+            <a:pPr algn="just"/>
+            <a:r>
+              <a:rPr lang="en-US" sz="1600" dirty="0" smtClean="0"/>
+              <a:t>Spina et al. </a:t>
+            </a:r>
+            <a:r>
+              <a:rPr lang="en-US" sz="1600" b="1" dirty="0" err="1" smtClean="0"/>
+              <a:t>Smartscope</a:t>
+            </a:r>
+            <a:r>
+              <a:rPr lang="en-US" sz="1600" b="1" dirty="0" smtClean="0"/>
+              <a:t>.</a:t>
+            </a:r>
+            <a:r>
+              <a:rPr lang="en-US" sz="1600" dirty="0" smtClean="0"/>
+              <a:t> </a:t>
+            </a:r>
+            <a:r>
+              <a:rPr lang="it-IT" sz="1600" dirty="0" smtClean="0"/>
+              <a:t>Planned.</a:t>
+            </a:r>
+            <a:endParaRPr lang="en-US" altLang="it-IT" sz="1600" dirty="0"/>
+          </a:p>
+        </p:txBody>
+      </p:sp>
+      <p:grpSp>
+        <p:nvGrpSpPr>
+          <p:cNvPr id="8" name="Group 2"/>
+          <p:cNvGrpSpPr>
+            <a:grpSpLocks/>
+          </p:cNvGrpSpPr>
+          <p:nvPr/>
+        </p:nvGrpSpPr>
+        <p:grpSpPr bwMode="auto">
+          <a:xfrm>
+            <a:off x="1066800" y="1865848"/>
+            <a:ext cx="1752600" cy="813907"/>
+            <a:chOff x="71438" y="2160588"/>
+            <a:chExt cx="2519362" cy="1343818"/>
+          </a:xfrm>
+        </p:grpSpPr>
+        <p:pic>
+          <p:nvPicPr>
+            <p:cNvPr id="9" name="Picture 3"/>
+            <p:cNvPicPr>
+              <a:picLocks noChangeAspect="1" noChangeArrowheads="1"/>
+            </p:cNvPicPr>
+            <p:nvPr/>
+          </p:nvPicPr>
+          <p:blipFill>
+            <a:blip r:embed="rId3" cstate="print">
+              <a:extLst>
+                <a:ext uri="{28A0092B-C50C-407E-A947-70E740481C1C}">
+                  <a14:useLocalDpi xmlns:a14="http://schemas.microsoft.com/office/drawing/2010/main" val="0"/>
+                </a:ext>
+              </a:extLst>
+            </a:blip>
+            <a:srcRect/>
+            <a:stretch>
+              <a:fillRect/>
+            </a:stretch>
+          </p:blipFill>
+          <p:spPr bwMode="auto">
+            <a:xfrm>
+              <a:off x="71438" y="2160588"/>
+              <a:ext cx="2519362" cy="1058862"/>
+            </a:xfrm>
+            <a:prstGeom prst="rect">
+              <a:avLst/>
+            </a:prstGeom>
+            <a:noFill/>
+            <a:ln>
+              <a:noFill/>
+            </a:ln>
+            <a:effectLst/>
+            <a:extLst>
+              <a:ext uri="{909E8E84-426E-40DD-AFC4-6F175D3DCCD1}">
+                <a14:hiddenFill xmlns:a14="http://schemas.microsoft.com/office/drawing/2010/main">
+                  <a:blipFill dpi="0" rotWithShape="0">
+                    <a:blip/>
+                    <a:srcRect/>
+                    <a:stretch>
+                      <a:fillRect/>
+                    </a:stretch>
+                  </a:blipFill>
+                </a14:hiddenFill>
+              </a:ext>
+              <a:ext uri="{91240B29-F687-4F45-9708-019B960494DF}">
+                <a14:hiddenLine xmlns:a14="http://schemas.microsoft.com/office/drawing/2010/main" w="9525">
+                  <a:solidFill>
+                    <a:srgbClr val="808080"/>
+                  </a:solidFill>
+                  <a:round/>
+                  <a:headEnd/>
+                  <a:tailEnd/>
+                </a14:hiddenLine>
+              </a:ext>
+              <a:ext uri="{AF507438-7753-43E0-B8FC-AC1667EBCBE1}">
+                <a14:hiddenEffects xmlns:a14="http://schemas.microsoft.com/office/drawing/2010/main">
+                  <a:effectLst>
+                    <a:outerShdw dist="35921" dir="2700000" algn="ctr" rotWithShape="0">
+                      <a:srgbClr val="808080"/>
+                    </a:outerShdw>
+                  </a:effectLst>
+                </a14:hiddenEffects>
+              </a:ext>
+            </a:extLst>
+          </p:spPr>
+        </p:pic>
+        <p:sp>
+          <p:nvSpPr>
+            <p:cNvPr id="10" name="Rectangle 9"/>
+            <p:cNvSpPr/>
+            <p:nvPr/>
+          </p:nvSpPr>
+          <p:spPr>
+            <a:xfrm>
+              <a:off x="152400" y="3124769"/>
+              <a:ext cx="1371600" cy="379637"/>
+            </a:xfrm>
+            <a:prstGeom prst="rect">
+              <a:avLst/>
+            </a:prstGeom>
+            <a:solidFill>
+              <a:schemeClr val="bg1"/>
+            </a:solidFill>
+            <a:ln>
+              <a:noFill/>
+            </a:ln>
+          </p:spPr>
+          <p:style>
+            <a:lnRef idx="2">
+              <a:schemeClr val="accent1">
+                <a:shade val="50000"/>
+              </a:schemeClr>
+            </a:lnRef>
+            <a:fillRef idx="1">
+              <a:schemeClr val="accent1"/>
+            </a:fillRef>
+            <a:effectRef idx="0">
+              <a:schemeClr val="accent1"/>
+            </a:effectRef>
+            <a:fontRef idx="minor">
+              <a:schemeClr val="lt1"/>
+            </a:fontRef>
+          </p:style>
+          <p:txBody>
+            <a:bodyPr anchor="ctr"/>
+            <a:lstStyle/>
+            <a:p>
+              <a:pPr algn="ctr">
+                <a:defRPr/>
+              </a:pPr>
+              <a:endParaRPr lang="en-US"/>
+            </a:p>
+          </p:txBody>
+        </p:sp>
+      </p:grpSp>
+      <p:pic>
+        <p:nvPicPr>
+          <p:cNvPr id="11" name="Picture 6"/>
+          <p:cNvPicPr>
+            <a:picLocks noChangeAspect="1" noChangeArrowheads="1"/>
+          </p:cNvPicPr>
+          <p:nvPr/>
+        </p:nvPicPr>
+        <p:blipFill>
+          <a:blip r:embed="rId4">
+            <a:extLst>
+              <a:ext uri="{28A0092B-C50C-407E-A947-70E740481C1C}">
+                <a14:useLocalDpi xmlns:a14="http://schemas.microsoft.com/office/drawing/2010/main" val="0"/>
+              </a:ext>
+            </a:extLst>
+          </a:blip>
+          <a:srcRect/>
+          <a:stretch>
+            <a:fillRect/>
+          </a:stretch>
+        </p:blipFill>
+        <p:spPr bwMode="auto">
+          <a:xfrm>
+            <a:off x="2895600" y="1394690"/>
+            <a:ext cx="1065211" cy="1583634"/>
+          </a:xfrm>
+          <a:prstGeom prst="rect">
+            <a:avLst/>
+          </a:prstGeom>
+          <a:noFill/>
+          <a:ln>
+            <a:noFill/>
+          </a:ln>
+          <a:effectLst/>
+          <a:extLst>
+            <a:ext uri="{909E8E84-426E-40DD-AFC4-6F175D3DCCD1}">
+              <a14:hiddenFill xmlns:a14="http://schemas.microsoft.com/office/drawing/2010/main">
+                <a:blipFill dpi="0" rotWithShape="0">
+                  <a:blip/>
+                  <a:srcRect/>
+                  <a:stretch>
+                    <a:fillRect/>
+                  </a:stretch>
+                </a:blipFill>
+              </a14:hiddenFill>
+            </a:ext>
+            <a:ext uri="{91240B29-F687-4F45-9708-019B960494DF}">
+              <a14:hiddenLine xmlns:a14="http://schemas.microsoft.com/office/drawing/2010/main" w="9525">
+                <a:solidFill>
+                  <a:srgbClr val="808080"/>
+                </a:solidFill>
+                <a:round/>
+                <a:headEnd/>
+                <a:tailEnd/>
+              </a14:hiddenLine>
+            </a:ext>
+            <a:ext uri="{AF507438-7753-43E0-B8FC-AC1667EBCBE1}">
+              <a14:hiddenEffects xmlns:a14="http://schemas.microsoft.com/office/drawing/2010/main">
+                <a:effectLst>
+                  <a:outerShdw dist="35921" dir="2700000" algn="ctr" rotWithShape="0">
+                    <a:srgbClr val="808080"/>
+                  </a:outerShdw>
+                </a:effectLst>
+              </a14:hiddenEffects>
+            </a:ext>
+          </a:extLst>
+        </p:spPr>
+      </p:pic>
+      <p:pic>
+        <p:nvPicPr>
+          <p:cNvPr id="12" name="Picture 2"/>
+          <p:cNvPicPr>
+            <a:picLocks noChangeAspect="1" noChangeArrowheads="1"/>
+          </p:cNvPicPr>
+          <p:nvPr/>
+        </p:nvPicPr>
+        <p:blipFill>
+          <a:blip r:embed="rId5" cstate="print">
+            <a:extLst>
+              <a:ext uri="{28A0092B-C50C-407E-A947-70E740481C1C}">
+                <a14:useLocalDpi xmlns:a14="http://schemas.microsoft.com/office/drawing/2010/main" val="0"/>
+              </a:ext>
+            </a:extLst>
+          </a:blip>
+          <a:srcRect/>
+          <a:stretch>
+            <a:fillRect/>
+          </a:stretch>
+        </p:blipFill>
+        <p:spPr bwMode="auto">
+          <a:xfrm>
+            <a:off x="4038600" y="1557461"/>
+            <a:ext cx="1676400" cy="1258092"/>
+          </a:xfrm>
+          <a:prstGeom prst="rect">
+            <a:avLst/>
+          </a:prstGeom>
+          <a:noFill/>
+          <a:ln>
+            <a:noFill/>
+          </a:ln>
+          <a:effectLst/>
+          <a:extLst>
+            <a:ext uri="{909E8E84-426E-40DD-AFC4-6F175D3DCCD1}">
+              <a14:hiddenFill xmlns:a14="http://schemas.microsoft.com/office/drawing/2010/main">
+                <a:blipFill dpi="0" rotWithShape="0">
+                  <a:blip/>
+                  <a:srcRect/>
+                  <a:stretch>
+                    <a:fillRect/>
+                  </a:stretch>
+                </a:blipFill>
+              </a14:hiddenFill>
+            </a:ext>
+            <a:ext uri="{91240B29-F687-4F45-9708-019B960494DF}">
+              <a14:hiddenLine xmlns:a14="http://schemas.microsoft.com/office/drawing/2010/main" w="9525">
+                <a:solidFill>
+                  <a:srgbClr val="808080"/>
+                </a:solidFill>
+                <a:round/>
+                <a:headEnd/>
+                <a:tailEnd/>
+              </a14:hiddenLine>
+            </a:ext>
+            <a:ext uri="{AF507438-7753-43E0-B8FC-AC1667EBCBE1}">
+              <a14:hiddenEffects xmlns:a14="http://schemas.microsoft.com/office/drawing/2010/main">
+                <a:effectLst>
+                  <a:outerShdw dist="35921" dir="2700000" algn="ctr" rotWithShape="0">
+                    <a:srgbClr val="808080"/>
+                  </a:outerShdw>
+                </a:effectLst>
+              </a14:hiddenEffects>
+            </a:ext>
+          </a:extLst>
+        </p:spPr>
+      </p:pic>
+      <p:pic>
+        <p:nvPicPr>
+          <p:cNvPr id="14" name="Picture 15"/>
+          <p:cNvPicPr>
+            <a:picLocks noChangeAspect="1" noChangeArrowheads="1"/>
+          </p:cNvPicPr>
+          <p:nvPr/>
+        </p:nvPicPr>
+        <p:blipFill>
+          <a:blip r:embed="rId6" cstate="print">
+            <a:extLst>
+              <a:ext uri="{28A0092B-C50C-407E-A947-70E740481C1C}">
+                <a14:useLocalDpi xmlns:a14="http://schemas.microsoft.com/office/drawing/2010/main" val="0"/>
+              </a:ext>
+            </a:extLst>
+          </a:blip>
+          <a:srcRect/>
+          <a:stretch>
+            <a:fillRect/>
+          </a:stretch>
+        </p:blipFill>
+        <p:spPr bwMode="auto">
+          <a:xfrm>
+            <a:off x="5943600" y="1231625"/>
+            <a:ext cx="1341716" cy="1909763"/>
+          </a:xfrm>
+          <a:prstGeom prst="rect">
+            <a:avLst/>
+          </a:prstGeom>
+          <a:noFill/>
+          <a:ln>
+            <a:noFill/>
+          </a:ln>
+          <a:effectLst/>
+          <a:extLst>
+            <a:ext uri="{909E8E84-426E-40DD-AFC4-6F175D3DCCD1}">
+              <a14:hiddenFill xmlns:a14="http://schemas.microsoft.com/office/drawing/2010/main">
+                <a:blipFill dpi="0" rotWithShape="0">
+                  <a:blip/>
+                  <a:srcRect/>
+                  <a:stretch>
+                    <a:fillRect/>
+                  </a:stretch>
+                </a:blipFill>
+              </a14:hiddenFill>
+            </a:ext>
+            <a:ext uri="{91240B29-F687-4F45-9708-019B960494DF}">
+              <a14:hiddenLine xmlns:a14="http://schemas.microsoft.com/office/drawing/2010/main" w="9525">
+                <a:solidFill>
+                  <a:srgbClr val="000000"/>
+                </a:solidFill>
+                <a:round/>
+                <a:headEnd/>
+                <a:tailEnd/>
+              </a14:hiddenLine>
+            </a:ext>
+            <a:ext uri="{AF507438-7753-43E0-B8FC-AC1667EBCBE1}">
+              <a14:hiddenEffects xmlns:a14="http://schemas.microsoft.com/office/drawing/2010/main">
+                <a:effectLst>
+                  <a:outerShdw dist="35921" dir="2700000" algn="ctr" rotWithShape="0">
+                    <a:srgbClr val="808080"/>
+                  </a:outerShdw>
+                </a:effectLst>
+              </a14:hiddenEffects>
+            </a:ext>
+          </a:extLst>
+        </p:spPr>
+      </p:pic>
+    </p:spTree>
+    <p:extLst>
+      <p:ext uri="{BB962C8B-B14F-4D97-AF65-F5344CB8AC3E}">
+        <p14:creationId xmlns:p14="http://schemas.microsoft.com/office/powerpoint/2010/main" val="470242821"/>
+      </p:ext>
+    </p:extLst>
+  </p:cSld>
+  <p:clrMapOvr>
+    <a:masterClrMapping/>
+  </p:clrMapOvr>
+  <p:transition spd="med"/>
+  <p:timing>
+    <p:tnLst>
+      <p:par>
+        <p:cTn id="1" dur="indefinite" restart="never" nodeType="tmRoot">
+          <p:childTnLst>
+            <p:seq concurrent="1" nextAc="seek">
+              <p:cTn id="2" dur="0" nodeType="mainSeq"/>
+              <p:prevCondLst>
+                <p:cond evt="onPrev" delay="0">
+                  <p:tgtEl>
+                    <p:sldTgt/>
+                  </p:tgtEl>
+                </p:cond>
+              </p:prevCondLst>
+              <p:nextCondLst>
+                <p:cond evt="onNext" delay="0">
+                  <p:tgtEl>
+                    <p:sldTgt/>
+                  </p:tgtEl>
+                </p:cond>
+              </p:nextCondLst>
+            </p:seq>
+          </p:childTnLst>
+        </p:cTn>
+      </p:par>
+    </p:tnLst>
+  </p:timing>
+</p:sld>
+</file>
+
+<file path=ppt/slides/slide14.xml><?xml version="1.0" encoding="utf-8"?>
+<p:sld xmlns:a="http://schemas.openxmlformats.org/drawingml/2006/main" xmlns:r="http://schemas.openxmlformats.org/officeDocument/2006/relationships" xmlns:p="http://schemas.openxmlformats.org/presentationml/2006/main">
+  <p:cSld>
+    <p:spTree>
+      <p:nvGrpSpPr>
+        <p:cNvPr id="1" name=""/>
+        <p:cNvGrpSpPr/>
+        <p:nvPr/>
+      </p:nvGrpSpPr>
+      <p:grpSpPr>
+        <a:xfrm>
+          <a:off x="0" y="0"/>
+          <a:ext cx="0" cy="0"/>
+          <a:chOff x="0" y="0"/>
+          <a:chExt cx="0" cy="0"/>
+        </a:xfrm>
+      </p:grpSpPr>
+      <p:graphicFrame>
+        <p:nvGraphicFramePr>
+          <p:cNvPr id="36" name="Object 35"/>
+          <p:cNvGraphicFramePr>
+            <a:graphicFrameLocks noChangeAspect="1"/>
+          </p:cNvGraphicFramePr>
+          <p:nvPr>
+            <p:extLst>
+              <p:ext uri="{D42A27DB-BD31-4B8C-83A1-F6EECF244321}">
+                <p14:modId xmlns:p14="http://schemas.microsoft.com/office/powerpoint/2010/main" val="2885587077"/>
+              </p:ext>
+            </p:extLst>
+          </p:nvPr>
+        </p:nvGraphicFramePr>
+        <p:xfrm>
+          <a:off x="581025" y="1223963"/>
+          <a:ext cx="7981950" cy="4410075"/>
+        </p:xfrm>
+        <a:graphic>
+          <a:graphicData uri="http://schemas.openxmlformats.org/presentationml/2006/ole">
+            <mc:AlternateContent xmlns:mc="http://schemas.openxmlformats.org/markup-compatibility/2006">
+              <mc:Choice xmlns:v="urn:schemas-microsoft-com:vml" Requires="v">
+                <p:oleObj spid="_x0000_s29733" name="Worksheet" r:id="rId4" imgW="7981882" imgH="4410175" progId="Excel.Sheet.12">
+                  <p:embed/>
+                </p:oleObj>
+              </mc:Choice>
+              <mc:Fallback>
+                <p:oleObj name="Worksheet" r:id="rId4" imgW="7981882" imgH="4410175" progId="Excel.Sheet.12">
+                  <p:embed/>
+                  <p:pic>
+                    <p:nvPicPr>
+                      <p:cNvPr id="0" name=""/>
+                      <p:cNvPicPr/>
+                      <p:nvPr/>
+                    </p:nvPicPr>
+                    <p:blipFill>
+                      <a:blip r:embed="rId5"/>
+                      <a:stretch>
+                        <a:fillRect/>
+                      </a:stretch>
+                    </p:blipFill>
+                    <p:spPr>
+                      <a:xfrm>
+                        <a:off x="581025" y="1223963"/>
+                        <a:ext cx="7981950" cy="4410075"/>
+                      </a:xfrm>
+                      <a:prstGeom prst="rect">
+                        <a:avLst/>
+                      </a:prstGeom>
+                    </p:spPr>
+                  </p:pic>
+                </p:oleObj>
+              </mc:Fallback>
+            </mc:AlternateContent>
+          </a:graphicData>
+        </a:graphic>
+      </p:graphicFrame>
+    </p:spTree>
+    <p:extLst>
+      <p:ext uri="{BB962C8B-B14F-4D97-AF65-F5344CB8AC3E}">
+        <p14:creationId xmlns:p14="http://schemas.microsoft.com/office/powerpoint/2010/main" val="3776148913"/>
+      </p:ext>
+    </p:extLst>
+  </p:cSld>
+  <p:clrMapOvr>
+    <a:masterClrMapping/>
+  </p:clrMapOvr>
+  <p:transition spd="med"/>
+  <p:timing>
+    <p:tnLst>
+      <p:par>
+        <p:cTn id="1" dur="indefinite" restart="never" nodeType="tmRoot">
+          <p:childTnLst>
+            <p:seq concurrent="1" nextAc="seek">
+              <p:cTn id="2" dur="0" nodeType="mainSeq"/>
+              <p:prevCondLst>
+                <p:cond evt="onPrev" delay="0">
+                  <p:tgtEl>
+                    <p:sldTgt/>
+                  </p:tgtEl>
+                </p:cond>
+              </p:prevCondLst>
+              <p:nextCondLst>
+                <p:cond evt="onNext" delay="0">
+                  <p:tgtEl>
+                    <p:sldTgt/>
+                  </p:tgtEl>
+                </p:cond>
+              </p:nextCondLst>
+            </p:seq>
+          </p:childTnLst>
+        </p:cTn>
+      </p:par>
+    </p:tnLst>
+  </p:timing>
+</p:sld>
+</file>
+
+<file path=ppt/slides/slide15.xml><?xml version="1.0" encoding="utf-8"?>
+<p:sld xmlns:a="http://schemas.openxmlformats.org/drawingml/2006/main" xmlns:r="http://schemas.openxmlformats.org/officeDocument/2006/relationships" xmlns:p="http://schemas.openxmlformats.org/presentationml/2006/main">
+  <p:cSld>
+    <p:spTree>
+      <p:nvGrpSpPr>
+        <p:cNvPr id="1" name=""/>
+        <p:cNvGrpSpPr/>
+        <p:nvPr/>
+      </p:nvGrpSpPr>
+      <p:grpSpPr>
+        <a:xfrm>
+          <a:off x="0" y="0"/>
+          <a:ext cx="0" cy="0"/>
+          <a:chOff x="0" y="0"/>
+          <a:chExt cx="0" cy="0"/>
+        </a:xfrm>
+      </p:grpSpPr>
+      <p:sp>
+        <p:nvSpPr>
+          <p:cNvPr id="3" name="Content Placeholder 2"/>
+          <p:cNvSpPr>
+            <a:spLocks noGrp="1"/>
+          </p:cNvSpPr>
+          <p:nvPr>
+            <p:ph idx="1"/>
+          </p:nvPr>
+        </p:nvSpPr>
+        <p:spPr>
+          <a:xfrm>
+            <a:off x="456481" y="1604328"/>
+            <a:ext cx="8226720" cy="4796472"/>
+          </a:xfrm>
+        </p:spPr>
+        <p:txBody>
+          <a:bodyPr/>
+          <a:lstStyle/>
+          <a:p>
+            <a:r>
+              <a:rPr lang="it-IT" dirty="0" smtClean="0"/>
+              <a:t>Decide PhD committee</a:t>
+            </a:r>
+          </a:p>
+          <a:p>
+            <a:pPr lvl="1"/>
+            <a:r>
+              <a:rPr lang="it-IT" dirty="0" smtClean="0"/>
+              <a:t>Prof. Ronald Aarts (TUe)</a:t>
+            </a:r>
+          </a:p>
+          <a:p>
+            <a:pPr lvl="1"/>
+            <a:r>
+              <a:rPr lang="it-IT" dirty="0" smtClean="0"/>
+              <a:t>Bert den Brinker</a:t>
+            </a:r>
+          </a:p>
+          <a:p>
+            <a:pPr lvl="1"/>
+            <a:r>
+              <a:rPr lang="it-IT" dirty="0" smtClean="0"/>
+              <a:t>Martijn Spruit</a:t>
+            </a:r>
+          </a:p>
+          <a:p>
+            <a:pPr lvl="1"/>
+            <a:r>
+              <a:rPr lang="it-IT" dirty="0" smtClean="0"/>
+              <a:t>Prof. Wouters	</a:t>
+            </a:r>
+          </a:p>
+          <a:p>
+            <a:pPr lvl="1"/>
+            <a:r>
+              <a:rPr lang="it-IT" dirty="0" smtClean="0"/>
+              <a:t> ?</a:t>
+            </a:r>
+          </a:p>
+          <a:p>
+            <a:pPr lvl="1"/>
+            <a:r>
+              <a:rPr lang="it-IT" dirty="0" smtClean="0"/>
+              <a:t> ?</a:t>
+            </a:r>
+          </a:p>
+          <a:p>
+            <a:pPr lvl="1"/>
+            <a:r>
+              <a:rPr lang="it-IT" dirty="0"/>
+              <a:t> </a:t>
+            </a:r>
+            <a:r>
+              <a:rPr lang="it-IT" dirty="0" smtClean="0"/>
+              <a:t>?</a:t>
+            </a:r>
+          </a:p>
+          <a:p>
+            <a:pPr lvl="1"/>
+            <a:r>
+              <a:rPr lang="it-IT" dirty="0"/>
+              <a:t> </a:t>
+            </a:r>
+            <a:r>
+              <a:rPr lang="it-IT" dirty="0" smtClean="0"/>
+              <a:t>?</a:t>
+            </a:r>
+          </a:p>
+          <a:p>
+            <a:pPr lvl="1"/>
+            <a:endParaRPr lang="it-IT" dirty="0"/>
+          </a:p>
+        </p:txBody>
+      </p:sp>
+    </p:spTree>
+    <p:extLst>
+      <p:ext uri="{BB962C8B-B14F-4D97-AF65-F5344CB8AC3E}">
+        <p14:creationId xmlns:p14="http://schemas.microsoft.com/office/powerpoint/2010/main" val="1812444488"/>
+      </p:ext>
+    </p:extLst>
+  </p:cSld>
+  <p:clrMapOvr>
+    <a:masterClrMapping/>
+  </p:clrMapOvr>
+  <p:timing>
+    <p:tnLst>
+      <p:par>
+        <p:cTn id="1" dur="indefinite" restart="never" nodeType="tmRoot"/>
+      </p:par>
+    </p:tnLst>
+  </p:timing>
+</p:sld>
+</file>
+
+<file path=ppt/slides/slide16.xml><?xml version="1.0" encoding="utf-8"?>
+<p:sld xmlns:a="http://schemas.openxmlformats.org/drawingml/2006/main" xmlns:r="http://schemas.openxmlformats.org/officeDocument/2006/relationships" xmlns:p="http://schemas.openxmlformats.org/presentationml/2006/main">
+  <p:cSld>
+    <p:spTree>
+      <p:nvGrpSpPr>
+        <p:cNvPr id="1" name=""/>
+        <p:cNvGrpSpPr/>
+        <p:nvPr/>
+      </p:nvGrpSpPr>
+      <p:grpSpPr>
+        <a:xfrm>
+          <a:off x="0" y="0"/>
+          <a:ext cx="0" cy="0"/>
+          <a:chOff x="0" y="0"/>
+          <a:chExt cx="0" cy="0"/>
+        </a:xfrm>
+      </p:grpSpPr>
     </p:spTree>
   </p:cSld>
   <p:clrMapOvr>
@@ -6046,7 +10282,7 @@
 </p:sld>
 </file>
 
-<file path=ppt/slides/slide11.xml><?xml version="1.0" encoding="utf-8"?>
+<file path=ppt/slides/slide17.xml><?xml version="1.0" encoding="utf-8"?>
 <p:sld xmlns:a="http://schemas.openxmlformats.org/drawingml/2006/main" xmlns:r="http://schemas.openxmlformats.org/officeDocument/2006/relationships" xmlns:p="http://schemas.openxmlformats.org/presentationml/2006/main">
   <p:cSld>
     <p:spTree>
@@ -6252,8 +10488,13 @@
             </a:pPr>
             <a:r>
               <a:rPr lang="en-US" altLang="it-IT" dirty="0" smtClean="0"/>
-              <a:t>Ph.D. overview </a:t>
+              <a:t>Ph.D. </a:t>
             </a:r>
+            <a:r>
+              <a:rPr lang="en-US" altLang="it-IT" dirty="0" smtClean="0"/>
+              <a:t>in Electrical Engineering overview </a:t>
+            </a:r>
+            <a:endParaRPr lang="en-US" altLang="it-IT" dirty="0" smtClean="0"/>
           </a:p>
         </p:txBody>
       </p:sp>
@@ -6437,7 +10678,7 @@
       </p:grpSpPr>
       <p:sp>
         <p:nvSpPr>
-          <p:cNvPr id="8193" name="Rectangle 1"/>
+          <p:cNvPr id="6145" name="Rectangle 1"/>
           <p:cNvSpPr>
             <a:spLocks noGrp="1" noChangeArrowheads="1"/>
           </p:cNvSpPr>
@@ -6476,352 +10717,993 @@
               </a:tabLst>
             </a:pPr>
             <a:r>
-              <a:rPr lang="en-US" altLang="it-IT" sz="4000" dirty="0" smtClean="0"/>
-              <a:t>Introduction</a:t>
+              <a:rPr lang="en-US" altLang="it-IT" dirty="0"/>
+              <a:t>PhD project</a:t>
             </a:r>
-            <a:endParaRPr lang="en-US" altLang="it-IT" sz="4000" dirty="0"/>
           </a:p>
         </p:txBody>
       </p:sp>
       <p:sp>
         <p:nvSpPr>
-          <p:cNvPr id="36" name="Text Placeholder 2"/>
-          <p:cNvSpPr txBox="1">
-            <a:spLocks/>
+          <p:cNvPr id="6146" name="Rectangle 2"/>
+          <p:cNvSpPr>
+            <a:spLocks noGrp="1" noChangeArrowheads="1"/>
           </p:cNvSpPr>
-          <p:nvPr/>
+          <p:nvPr>
+            <p:ph type="body" idx="4294967295"/>
+          </p:nvPr>
         </p:nvSpPr>
-        <p:spPr bwMode="auto">
+        <p:spPr>
           <a:xfrm>
-            <a:off x="828675" y="1606550"/>
-            <a:ext cx="7486650" cy="374650"/>
+            <a:off x="456481" y="1604328"/>
+            <a:ext cx="8228160" cy="4454388"/>
           </a:xfrm>
           <a:prstGeom prst="rect">
             <a:avLst/>
           </a:prstGeom>
-          <a:noFill/>
-          <a:extLst>
-            <a:ext uri="{909E8E84-426E-40DD-AFC4-6F175D3DCCD1}">
-              <a14:hiddenFill xmlns:a14="http://schemas.microsoft.com/office/drawing/2010/main">
-                <a:solidFill>
-                  <a:srgbClr val="FFFFFF"/>
-                </a:solidFill>
-              </a14:hiddenFill>
-            </a:ext>
-            <a:ext uri="{91240B29-F687-4F45-9708-019B960494DF}">
-              <a14:hiddenLine xmlns:a14="http://schemas.microsoft.com/office/drawing/2010/main" w="9525">
-                <a:solidFill>
-                  <a:srgbClr val="000000"/>
-                </a:solidFill>
-                <a:miter lim="800000"/>
-                <a:headEnd/>
-                <a:tailEnd/>
-              </a14:hiddenLine>
-            </a:ext>
-          </a:extLst>
+          <a:ln/>
         </p:spPr>
         <p:txBody>
-          <a:bodyPr vert="horz" wrap="square" lIns="82945" tIns="41473" rIns="82945" bIns="41473" numCol="1" anchor="t" anchorCtr="0" compatLnSpc="1">
-            <a:prstTxWarp prst="textNoShape">
-              <a:avLst/>
-            </a:prstTxWarp>
-          </a:bodyPr>
-          <a:lstStyle>
-            <a:defPPr>
-              <a:defRPr lang="de-DE"/>
-            </a:defPPr>
-            <a:lvl1pPr algn="l" rtl="0" fontAlgn="base">
-              <a:spcBef>
-                <a:spcPct val="0"/>
-              </a:spcBef>
-              <a:spcAft>
-                <a:spcPct val="0"/>
-              </a:spcAft>
-              <a:defRPr kern="1200">
-                <a:solidFill>
-                  <a:schemeClr val="tx1"/>
-                </a:solidFill>
-                <a:latin typeface="Calibri" pitchFamily="34" charset="0"/>
-                <a:ea typeface="+mn-ea"/>
-                <a:cs typeface="Arial" charset="0"/>
-              </a:defRPr>
-            </a:lvl1pPr>
-            <a:lvl2pPr marL="457200" algn="l" rtl="0" fontAlgn="base">
-              <a:spcBef>
-                <a:spcPct val="0"/>
-              </a:spcBef>
-              <a:spcAft>
-                <a:spcPct val="0"/>
-              </a:spcAft>
-              <a:defRPr kern="1200">
-                <a:solidFill>
-                  <a:schemeClr val="tx1"/>
-                </a:solidFill>
-                <a:latin typeface="Calibri" pitchFamily="34" charset="0"/>
-                <a:ea typeface="+mn-ea"/>
-                <a:cs typeface="Arial" charset="0"/>
-              </a:defRPr>
-            </a:lvl2pPr>
-            <a:lvl3pPr marL="914400" algn="l" rtl="0" fontAlgn="base">
-              <a:spcBef>
-                <a:spcPct val="0"/>
-              </a:spcBef>
-              <a:spcAft>
-                <a:spcPct val="0"/>
-              </a:spcAft>
-              <a:defRPr kern="1200">
-                <a:solidFill>
-                  <a:schemeClr val="tx1"/>
-                </a:solidFill>
-                <a:latin typeface="Calibri" pitchFamily="34" charset="0"/>
-                <a:ea typeface="+mn-ea"/>
-                <a:cs typeface="Arial" charset="0"/>
-              </a:defRPr>
-            </a:lvl3pPr>
-            <a:lvl4pPr marL="1371600" algn="l" rtl="0" fontAlgn="base">
-              <a:spcBef>
-                <a:spcPct val="0"/>
-              </a:spcBef>
-              <a:spcAft>
-                <a:spcPct val="0"/>
-              </a:spcAft>
-              <a:defRPr kern="1200">
-                <a:solidFill>
-                  <a:schemeClr val="tx1"/>
-                </a:solidFill>
-                <a:latin typeface="Calibri" pitchFamily="34" charset="0"/>
-                <a:ea typeface="+mn-ea"/>
-                <a:cs typeface="Arial" charset="0"/>
-              </a:defRPr>
-            </a:lvl4pPr>
-            <a:lvl5pPr marL="1828800" algn="l" rtl="0" fontAlgn="base">
-              <a:spcBef>
-                <a:spcPct val="0"/>
-              </a:spcBef>
-              <a:spcAft>
-                <a:spcPct val="0"/>
-              </a:spcAft>
-              <a:defRPr kern="1200">
-                <a:solidFill>
-                  <a:schemeClr val="tx1"/>
-                </a:solidFill>
-                <a:latin typeface="Calibri" pitchFamily="34" charset="0"/>
-                <a:ea typeface="+mn-ea"/>
-                <a:cs typeface="Arial" charset="0"/>
-              </a:defRPr>
-            </a:lvl5pPr>
-            <a:lvl6pPr marL="2286000" algn="l" defTabSz="914400" rtl="0" eaLnBrk="1" latinLnBrk="0" hangingPunct="1">
-              <a:defRPr kern="1200">
-                <a:solidFill>
-                  <a:schemeClr val="tx1"/>
-                </a:solidFill>
-                <a:latin typeface="Calibri" pitchFamily="34" charset="0"/>
-                <a:ea typeface="+mn-ea"/>
-                <a:cs typeface="Arial" charset="0"/>
-              </a:defRPr>
-            </a:lvl6pPr>
-            <a:lvl7pPr marL="2743200" algn="l" defTabSz="914400" rtl="0" eaLnBrk="1" latinLnBrk="0" hangingPunct="1">
-              <a:defRPr kern="1200">
-                <a:solidFill>
-                  <a:schemeClr val="tx1"/>
-                </a:solidFill>
-                <a:latin typeface="Calibri" pitchFamily="34" charset="0"/>
-                <a:ea typeface="+mn-ea"/>
-                <a:cs typeface="Arial" charset="0"/>
-              </a:defRPr>
-            </a:lvl7pPr>
-            <a:lvl8pPr marL="3200400" algn="l" defTabSz="914400" rtl="0" eaLnBrk="1" latinLnBrk="0" hangingPunct="1">
-              <a:defRPr kern="1200">
-                <a:solidFill>
-                  <a:schemeClr val="tx1"/>
-                </a:solidFill>
-                <a:latin typeface="Calibri" pitchFamily="34" charset="0"/>
-                <a:ea typeface="+mn-ea"/>
-                <a:cs typeface="Arial" charset="0"/>
-              </a:defRPr>
-            </a:lvl8pPr>
-            <a:lvl9pPr marL="3657600" algn="l" defTabSz="914400" rtl="0" eaLnBrk="1" latinLnBrk="0" hangingPunct="1">
-              <a:defRPr kern="1200">
-                <a:solidFill>
-                  <a:schemeClr val="tx1"/>
-                </a:solidFill>
-                <a:latin typeface="Calibri" pitchFamily="34" charset="0"/>
-                <a:ea typeface="+mn-ea"/>
-                <a:cs typeface="Arial" charset="0"/>
-              </a:defRPr>
-            </a:lvl9pPr>
-          </a:lstStyle>
+          <a:bodyPr lIns="82945" tIns="41473" rIns="82945" bIns="41473"/>
+          <a:lstStyle/>
           <a:p>
-            <a:pPr algn="ctr"/>
+            <a:pPr marL="391686" indent="-293764">
+              <a:buSzPct val="45000"/>
+              <a:buFont typeface="Wingdings" charset="2"/>
+              <a:buChar char=""/>
+              <a:tabLst>
+                <a:tab pos="656650" algn="l"/>
+                <a:tab pos="1313299" algn="l"/>
+                <a:tab pos="1969949" algn="l"/>
+                <a:tab pos="2626599" algn="l"/>
+                <a:tab pos="3283248" algn="l"/>
+                <a:tab pos="3939898" algn="l"/>
+                <a:tab pos="4596548" algn="l"/>
+                <a:tab pos="5253198" algn="l"/>
+                <a:tab pos="5909847" algn="l"/>
+                <a:tab pos="6566497" algn="l"/>
+                <a:tab pos="7223147" algn="l"/>
+                <a:tab pos="7879796" algn="l"/>
+              </a:tabLst>
+            </a:pPr>
             <a:r>
-              <a:rPr lang="en-US" altLang="it-IT" smtClean="0"/>
-              <a:t>Paradigm shift towards the home environment</a:t>
+              <a:rPr lang="en-US" altLang="it-IT" dirty="0"/>
+              <a:t>ICare4COPD</a:t>
             </a:r>
-            <a:endParaRPr lang="en-US" altLang="it-IT" smtClean="0"/>
           </a:p>
-        </p:txBody>
-      </p:sp>
-      <p:sp>
-        <p:nvSpPr>
-          <p:cNvPr id="37" name="Text Placeholder 2_"/>
-          <p:cNvSpPr txBox="1">
-            <a:spLocks/>
-          </p:cNvSpPr>
-          <p:nvPr/>
-        </p:nvSpPr>
-        <p:spPr bwMode="auto">
-          <a:xfrm>
-            <a:off x="457200" y="3892550"/>
-            <a:ext cx="8077200" cy="1365250"/>
-          </a:xfrm>
-          <a:prstGeom prst="rect">
-            <a:avLst/>
-          </a:prstGeom>
-          <a:noFill/>
-          <a:ln>
-            <a:noFill/>
-          </a:ln>
-          <a:extLst>
-            <a:ext uri="{909E8E84-426E-40DD-AFC4-6F175D3DCCD1}">
-              <a14:hiddenFill xmlns:a14="http://schemas.microsoft.com/office/drawing/2010/main">
-                <a:solidFill>
-                  <a:srgbClr val="FFFFFF"/>
-                </a:solidFill>
-              </a14:hiddenFill>
-            </a:ext>
-            <a:ext uri="{91240B29-F687-4F45-9708-019B960494DF}">
-              <a14:hiddenLine xmlns:a14="http://schemas.microsoft.com/office/drawing/2010/main" w="9525">
-                <a:solidFill>
-                  <a:srgbClr val="000000"/>
-                </a:solidFill>
-                <a:miter lim="800000"/>
-                <a:headEnd/>
-                <a:tailEnd/>
-              </a14:hiddenLine>
-            </a:ext>
-          </a:extLst>
-        </p:spPr>
-        <p:txBody>
-          <a:bodyPr lIns="0" tIns="0" rIns="0" bIns="0"/>
-          <a:lstStyle>
-            <a:lvl1pPr eaLnBrk="0" hangingPunct="0">
-              <a:defRPr>
-                <a:solidFill>
-                  <a:schemeClr val="tx1"/>
-                </a:solidFill>
-                <a:latin typeface="Calibri" pitchFamily="34" charset="0"/>
-                <a:cs typeface="Arial" charset="0"/>
-              </a:defRPr>
-            </a:lvl1pPr>
-            <a:lvl2pPr marL="742950" indent="-285750" eaLnBrk="0" hangingPunct="0">
-              <a:defRPr>
-                <a:solidFill>
-                  <a:schemeClr val="tx1"/>
-                </a:solidFill>
-                <a:latin typeface="Calibri" pitchFamily="34" charset="0"/>
-                <a:cs typeface="Arial" charset="0"/>
-              </a:defRPr>
-            </a:lvl2pPr>
-            <a:lvl3pPr marL="1143000" indent="-228600" eaLnBrk="0" hangingPunct="0">
-              <a:defRPr>
-                <a:solidFill>
-                  <a:schemeClr val="tx1"/>
-                </a:solidFill>
-                <a:latin typeface="Calibri" pitchFamily="34" charset="0"/>
-                <a:cs typeface="Arial" charset="0"/>
-              </a:defRPr>
-            </a:lvl3pPr>
-            <a:lvl4pPr marL="1600200" indent="-228600" eaLnBrk="0" hangingPunct="0">
-              <a:defRPr>
-                <a:solidFill>
-                  <a:schemeClr val="tx1"/>
-                </a:solidFill>
-                <a:latin typeface="Calibri" pitchFamily="34" charset="0"/>
-                <a:cs typeface="Arial" charset="0"/>
-              </a:defRPr>
-            </a:lvl4pPr>
-            <a:lvl5pPr marL="2057400" indent="-228600" eaLnBrk="0" hangingPunct="0">
-              <a:defRPr>
-                <a:solidFill>
-                  <a:schemeClr val="tx1"/>
-                </a:solidFill>
-                <a:latin typeface="Calibri" pitchFamily="34" charset="0"/>
-                <a:cs typeface="Arial" charset="0"/>
-              </a:defRPr>
-            </a:lvl5pPr>
-            <a:lvl6pPr marL="2514600" indent="-228600" eaLnBrk="0" fontAlgn="base" hangingPunct="0">
-              <a:spcBef>
-                <a:spcPct val="0"/>
-              </a:spcBef>
-              <a:spcAft>
-                <a:spcPct val="0"/>
-              </a:spcAft>
-              <a:defRPr>
-                <a:solidFill>
-                  <a:schemeClr val="tx1"/>
-                </a:solidFill>
-                <a:latin typeface="Calibri" pitchFamily="34" charset="0"/>
-                <a:cs typeface="Arial" charset="0"/>
-              </a:defRPr>
-            </a:lvl6pPr>
-            <a:lvl7pPr marL="2971800" indent="-228600" eaLnBrk="0" fontAlgn="base" hangingPunct="0">
-              <a:spcBef>
-                <a:spcPct val="0"/>
-              </a:spcBef>
-              <a:spcAft>
-                <a:spcPct val="0"/>
-              </a:spcAft>
-              <a:defRPr>
-                <a:solidFill>
-                  <a:schemeClr val="tx1"/>
-                </a:solidFill>
-                <a:latin typeface="Calibri" pitchFamily="34" charset="0"/>
-                <a:cs typeface="Arial" charset="0"/>
-              </a:defRPr>
-            </a:lvl7pPr>
-            <a:lvl8pPr marL="3429000" indent="-228600" eaLnBrk="0" fontAlgn="base" hangingPunct="0">
-              <a:spcBef>
-                <a:spcPct val="0"/>
-              </a:spcBef>
-              <a:spcAft>
-                <a:spcPct val="0"/>
-              </a:spcAft>
-              <a:defRPr>
-                <a:solidFill>
-                  <a:schemeClr val="tx1"/>
-                </a:solidFill>
-                <a:latin typeface="Calibri" pitchFamily="34" charset="0"/>
-                <a:cs typeface="Arial" charset="0"/>
-              </a:defRPr>
-            </a:lvl8pPr>
-            <a:lvl9pPr marL="3886200" indent="-228600" eaLnBrk="0" fontAlgn="base" hangingPunct="0">
-              <a:spcBef>
-                <a:spcPct val="0"/>
-              </a:spcBef>
-              <a:spcAft>
-                <a:spcPct val="0"/>
-              </a:spcAft>
-              <a:defRPr>
-                <a:solidFill>
-                  <a:schemeClr val="tx1"/>
-                </a:solidFill>
-                <a:latin typeface="Calibri" pitchFamily="34" charset="0"/>
-                <a:cs typeface="Arial" charset="0"/>
-              </a:defRPr>
-            </a:lvl9pPr>
-          </a:lstStyle>
           <a:p>
-            <a:pPr algn="ctr"/>
+            <a:pPr marL="783372" lvl="1" indent="-293764">
+              <a:buSzPct val="45000"/>
+              <a:buFont typeface="Wingdings" charset="2"/>
+              <a:buChar char=""/>
+              <a:tabLst>
+                <a:tab pos="656650" algn="l"/>
+                <a:tab pos="1313299" algn="l"/>
+                <a:tab pos="1969949" algn="l"/>
+                <a:tab pos="2626599" algn="l"/>
+                <a:tab pos="3283248" algn="l"/>
+                <a:tab pos="3939898" algn="l"/>
+                <a:tab pos="4596548" algn="l"/>
+                <a:tab pos="5253198" algn="l"/>
+                <a:tab pos="5909847" algn="l"/>
+                <a:tab pos="6566497" algn="l"/>
+                <a:tab pos="7223147" algn="l"/>
+                <a:tab pos="7879796" algn="l"/>
+              </a:tabLst>
+            </a:pPr>
             <a:r>
-              <a:rPr lang="en-US" altLang="it-IT" sz="2200" dirty="0"/>
-              <a:t>Essential to develop new technologies and service concepts that permit monitoring and management of patients at home (remotely)</a:t>
+              <a:rPr lang="en-US" altLang="it-IT" dirty="0"/>
+              <a:t>Start: January 2011 </a:t>
+            </a:r>
+          </a:p>
+          <a:p>
+            <a:pPr marL="783372" lvl="1" indent="-293764">
+              <a:buSzPct val="45000"/>
+              <a:buFont typeface="Wingdings" charset="2"/>
+              <a:buChar char=""/>
+              <a:tabLst>
+                <a:tab pos="656650" algn="l"/>
+                <a:tab pos="1313299" algn="l"/>
+                <a:tab pos="1969949" algn="l"/>
+                <a:tab pos="2626599" algn="l"/>
+                <a:tab pos="3283248" algn="l"/>
+                <a:tab pos="3939898" algn="l"/>
+                <a:tab pos="4596548" algn="l"/>
+                <a:tab pos="5253198" algn="l"/>
+                <a:tab pos="5909847" algn="l"/>
+                <a:tab pos="6566497" algn="l"/>
+                <a:tab pos="7223147" algn="l"/>
+                <a:tab pos="7879796" algn="l"/>
+              </a:tabLst>
+            </a:pPr>
+            <a:r>
+              <a:rPr lang="en-US" altLang="it-IT" dirty="0"/>
+              <a:t>End: December 2013 (December 2014 extended)</a:t>
+            </a:r>
+          </a:p>
+          <a:p>
+            <a:pPr marL="783372" lvl="1" indent="-293764">
+              <a:buSzPct val="45000"/>
+              <a:buNone/>
+              <a:tabLst>
+                <a:tab pos="656650" algn="l"/>
+                <a:tab pos="1313299" algn="l"/>
+                <a:tab pos="1969949" algn="l"/>
+                <a:tab pos="2626599" algn="l"/>
+                <a:tab pos="3283248" algn="l"/>
+                <a:tab pos="3939898" algn="l"/>
+                <a:tab pos="4596548" algn="l"/>
+                <a:tab pos="5253198" algn="l"/>
+                <a:tab pos="5909847" algn="l"/>
+                <a:tab pos="6566497" algn="l"/>
+                <a:tab pos="7223147" algn="l"/>
+                <a:tab pos="7879796" algn="l"/>
+              </a:tabLst>
+            </a:pPr>
+            <a:endParaRPr lang="en-US" altLang="it-IT" dirty="0"/>
+          </a:p>
+          <a:p>
+            <a:pPr marL="391686" indent="-293764">
+              <a:buSzPct val="45000"/>
+              <a:buFont typeface="Wingdings" charset="2"/>
+              <a:buChar char=""/>
+              <a:tabLst>
+                <a:tab pos="656650" algn="l"/>
+                <a:tab pos="1313299" algn="l"/>
+                <a:tab pos="1969949" algn="l"/>
+                <a:tab pos="2626599" algn="l"/>
+                <a:tab pos="3283248" algn="l"/>
+                <a:tab pos="3939898" algn="l"/>
+                <a:tab pos="4596548" algn="l"/>
+                <a:tab pos="5253198" algn="l"/>
+                <a:tab pos="5909847" algn="l"/>
+                <a:tab pos="6566497" algn="l"/>
+                <a:tab pos="7223147" algn="l"/>
+                <a:tab pos="7879796" algn="l"/>
+              </a:tabLst>
+            </a:pPr>
+            <a:r>
+              <a:rPr lang="en-US" altLang="it-IT" dirty="0"/>
+              <a:t>Partners</a:t>
+            </a:r>
+          </a:p>
+          <a:p>
+            <a:pPr marL="783372" lvl="1" indent="-293764">
+              <a:buSzPct val="45000"/>
+              <a:buFont typeface="Wingdings" charset="2"/>
+              <a:buChar char=""/>
+              <a:tabLst>
+                <a:tab pos="656650" algn="l"/>
+                <a:tab pos="1313299" algn="l"/>
+                <a:tab pos="1969949" algn="l"/>
+                <a:tab pos="2626599" algn="l"/>
+                <a:tab pos="3283248" algn="l"/>
+                <a:tab pos="3939898" algn="l"/>
+                <a:tab pos="4596548" algn="l"/>
+                <a:tab pos="5253198" algn="l"/>
+                <a:tab pos="5909847" algn="l"/>
+                <a:tab pos="6566497" algn="l"/>
+                <a:tab pos="7223147" algn="l"/>
+                <a:tab pos="7879796" algn="l"/>
+              </a:tabLst>
+            </a:pPr>
+            <a:r>
+              <a:rPr lang="en-US" altLang="it-IT" dirty="0"/>
+              <a:t>TU/e</a:t>
+            </a:r>
+          </a:p>
+          <a:p>
+            <a:pPr marL="783372" lvl="1" indent="-293764">
+              <a:buSzPct val="45000"/>
+              <a:buFont typeface="Wingdings" charset="2"/>
+              <a:buChar char=""/>
+              <a:tabLst>
+                <a:tab pos="656650" algn="l"/>
+                <a:tab pos="1313299" algn="l"/>
+                <a:tab pos="1969949" algn="l"/>
+                <a:tab pos="2626599" algn="l"/>
+                <a:tab pos="3283248" algn="l"/>
+                <a:tab pos="3939898" algn="l"/>
+                <a:tab pos="4596548" algn="l"/>
+                <a:tab pos="5253198" algn="l"/>
+                <a:tab pos="5909847" algn="l"/>
+                <a:tab pos="6566497" algn="l"/>
+                <a:tab pos="7223147" algn="l"/>
+                <a:tab pos="7879796" algn="l"/>
+              </a:tabLst>
+            </a:pPr>
+            <a:r>
+              <a:rPr lang="en-US" altLang="it-IT" dirty="0" smtClean="0"/>
+              <a:t>Philips</a:t>
+            </a:r>
+            <a:endParaRPr lang="en-US" altLang="it-IT" dirty="0"/>
+          </a:p>
+          <a:p>
+            <a:pPr marL="783372" lvl="1" indent="-293764">
+              <a:buSzPct val="45000"/>
+              <a:buFont typeface="Wingdings" charset="2"/>
+              <a:buChar char=""/>
+              <a:tabLst>
+                <a:tab pos="656650" algn="l"/>
+                <a:tab pos="1313299" algn="l"/>
+                <a:tab pos="1969949" algn="l"/>
+                <a:tab pos="2626599" algn="l"/>
+                <a:tab pos="3283248" algn="l"/>
+                <a:tab pos="3939898" algn="l"/>
+                <a:tab pos="4596548" algn="l"/>
+                <a:tab pos="5253198" algn="l"/>
+                <a:tab pos="5909847" algn="l"/>
+                <a:tab pos="6566497" algn="l"/>
+                <a:tab pos="7223147" algn="l"/>
+                <a:tab pos="7879796" algn="l"/>
+              </a:tabLst>
+            </a:pPr>
+            <a:r>
+              <a:rPr lang="en-US" altLang="it-IT" dirty="0"/>
+              <a:t>CIRO+</a:t>
             </a:r>
           </a:p>
         </p:txBody>
       </p:sp>
+      <p:grpSp>
+        <p:nvGrpSpPr>
+          <p:cNvPr id="6147" name="Group 3"/>
+          <p:cNvGrpSpPr>
+            <a:grpSpLocks/>
+          </p:cNvGrpSpPr>
+          <p:nvPr/>
+        </p:nvGrpSpPr>
+        <p:grpSpPr bwMode="auto">
+          <a:xfrm>
+            <a:off x="4062240" y="1088754"/>
+            <a:ext cx="1912320" cy="1340781"/>
+            <a:chOff x="2821" y="756"/>
+            <a:chExt cx="1328" cy="931"/>
+          </a:xfrm>
+        </p:grpSpPr>
+        <p:grpSp>
+          <p:nvGrpSpPr>
+            <p:cNvPr id="6148" name="Group 4"/>
+            <p:cNvGrpSpPr>
+              <a:grpSpLocks/>
+            </p:cNvGrpSpPr>
+            <p:nvPr/>
+          </p:nvGrpSpPr>
+          <p:grpSpPr bwMode="auto">
+            <a:xfrm>
+              <a:off x="3042" y="756"/>
+              <a:ext cx="736" cy="931"/>
+              <a:chOff x="3042" y="756"/>
+              <a:chExt cx="736" cy="931"/>
+            </a:xfrm>
+          </p:grpSpPr>
+          <p:sp>
+            <p:nvSpPr>
+              <p:cNvPr id="6149" name="AutoShape 5"/>
+              <p:cNvSpPr>
+                <a:spLocks noChangeArrowheads="1"/>
+              </p:cNvSpPr>
+              <p:nvPr/>
+            </p:nvSpPr>
+            <p:spPr bwMode="auto">
+              <a:xfrm>
+                <a:off x="3042" y="1140"/>
+                <a:ext cx="341" cy="548"/>
+              </a:xfrm>
+              <a:prstGeom prst="roundRect">
+                <a:avLst>
+                  <a:gd name="adj" fmla="val 16667"/>
+                </a:avLst>
+              </a:prstGeom>
+              <a:solidFill>
+                <a:srgbClr val="B6DD6F"/>
+              </a:solidFill>
+              <a:ln>
+                <a:noFill/>
+              </a:ln>
+              <a:effectLst/>
+              <a:extLst>
+                <a:ext uri="{91240B29-F687-4F45-9708-019B960494DF}">
+                  <a14:hiddenLine xmlns:a14="http://schemas.microsoft.com/office/drawing/2010/main" w="9525">
+                    <a:solidFill>
+                      <a:srgbClr val="000000"/>
+                    </a:solidFill>
+                    <a:round/>
+                    <a:headEnd/>
+                    <a:tailEnd/>
+                  </a14:hiddenLine>
+                </a:ext>
+                <a:ext uri="{AF507438-7753-43E0-B8FC-AC1667EBCBE1}">
+                  <a14:hiddenEffects xmlns:a14="http://schemas.microsoft.com/office/drawing/2010/main">
+                    <a:effectLst>
+                      <a:outerShdw dist="35921" dir="2700000" algn="ctr" rotWithShape="0">
+                        <a:srgbClr val="808080"/>
+                      </a:outerShdw>
+                    </a:effectLst>
+                  </a14:hiddenEffects>
+                </a:ext>
+              </a:extLst>
+            </p:spPr>
+            <p:txBody>
+              <a:bodyPr wrap="none" anchor="ctr"/>
+              <a:lstStyle/>
+              <a:p>
+                <a:endParaRPr lang="it-IT"/>
+              </a:p>
+            </p:txBody>
+          </p:sp>
+          <p:sp>
+            <p:nvSpPr>
+              <p:cNvPr id="6150" name="Oval 6"/>
+              <p:cNvSpPr>
+                <a:spLocks noChangeArrowheads="1"/>
+              </p:cNvSpPr>
+              <p:nvPr/>
+            </p:nvSpPr>
+            <p:spPr bwMode="auto">
+              <a:xfrm>
+                <a:off x="3042" y="1000"/>
+                <a:ext cx="341" cy="461"/>
+              </a:xfrm>
+              <a:prstGeom prst="ellipse">
+                <a:avLst/>
+              </a:prstGeom>
+              <a:solidFill>
+                <a:srgbClr val="B6DD6F"/>
+              </a:solidFill>
+              <a:ln>
+                <a:noFill/>
+              </a:ln>
+              <a:effectLst/>
+              <a:extLst>
+                <a:ext uri="{91240B29-F687-4F45-9708-019B960494DF}">
+                  <a14:hiddenLine xmlns:a14="http://schemas.microsoft.com/office/drawing/2010/main" w="9525">
+                    <a:solidFill>
+                      <a:srgbClr val="000000"/>
+                    </a:solidFill>
+                    <a:round/>
+                    <a:headEnd/>
+                    <a:tailEnd/>
+                  </a14:hiddenLine>
+                </a:ext>
+                <a:ext uri="{AF507438-7753-43E0-B8FC-AC1667EBCBE1}">
+                  <a14:hiddenEffects xmlns:a14="http://schemas.microsoft.com/office/drawing/2010/main">
+                    <a:effectLst>
+                      <a:outerShdw dist="35921" dir="2700000" algn="ctr" rotWithShape="0">
+                        <a:srgbClr val="808080"/>
+                      </a:outerShdw>
+                    </a:effectLst>
+                  </a14:hiddenEffects>
+                </a:ext>
+              </a:extLst>
+            </p:spPr>
+            <p:txBody>
+              <a:bodyPr wrap="none" anchor="ctr"/>
+              <a:lstStyle/>
+              <a:p>
+                <a:endParaRPr lang="it-IT"/>
+              </a:p>
+            </p:txBody>
+          </p:sp>
+          <p:sp>
+            <p:nvSpPr>
+              <p:cNvPr id="6151" name="AutoShape 7"/>
+              <p:cNvSpPr>
+                <a:spLocks noChangeArrowheads="1"/>
+              </p:cNvSpPr>
+              <p:nvPr/>
+            </p:nvSpPr>
+            <p:spPr bwMode="auto">
+              <a:xfrm>
+                <a:off x="3437" y="1140"/>
+                <a:ext cx="341" cy="548"/>
+              </a:xfrm>
+              <a:prstGeom prst="roundRect">
+                <a:avLst>
+                  <a:gd name="adj" fmla="val 16667"/>
+                </a:avLst>
+              </a:prstGeom>
+              <a:solidFill>
+                <a:srgbClr val="B6DD6F"/>
+              </a:solidFill>
+              <a:ln>
+                <a:noFill/>
+              </a:ln>
+              <a:effectLst/>
+              <a:extLst>
+                <a:ext uri="{91240B29-F687-4F45-9708-019B960494DF}">
+                  <a14:hiddenLine xmlns:a14="http://schemas.microsoft.com/office/drawing/2010/main" w="9525">
+                    <a:solidFill>
+                      <a:srgbClr val="000000"/>
+                    </a:solidFill>
+                    <a:round/>
+                    <a:headEnd/>
+                    <a:tailEnd/>
+                  </a14:hiddenLine>
+                </a:ext>
+                <a:ext uri="{AF507438-7753-43E0-B8FC-AC1667EBCBE1}">
+                  <a14:hiddenEffects xmlns:a14="http://schemas.microsoft.com/office/drawing/2010/main">
+                    <a:effectLst>
+                      <a:outerShdw dist="35921" dir="2700000" algn="ctr" rotWithShape="0">
+                        <a:srgbClr val="808080"/>
+                      </a:outerShdw>
+                    </a:effectLst>
+                  </a14:hiddenEffects>
+                </a:ext>
+              </a:extLst>
+            </p:spPr>
+            <p:txBody>
+              <a:bodyPr wrap="none" anchor="ctr"/>
+              <a:lstStyle/>
+              <a:p>
+                <a:endParaRPr lang="it-IT"/>
+              </a:p>
+            </p:txBody>
+          </p:sp>
+          <p:sp>
+            <p:nvSpPr>
+              <p:cNvPr id="6152" name="Oval 8"/>
+              <p:cNvSpPr>
+                <a:spLocks noChangeArrowheads="1"/>
+              </p:cNvSpPr>
+              <p:nvPr/>
+            </p:nvSpPr>
+            <p:spPr bwMode="auto">
+              <a:xfrm>
+                <a:off x="3437" y="1000"/>
+                <a:ext cx="341" cy="461"/>
+              </a:xfrm>
+              <a:prstGeom prst="ellipse">
+                <a:avLst/>
+              </a:prstGeom>
+              <a:solidFill>
+                <a:srgbClr val="B6DD6F"/>
+              </a:solidFill>
+              <a:ln>
+                <a:noFill/>
+              </a:ln>
+              <a:effectLst/>
+              <a:extLst>
+                <a:ext uri="{91240B29-F687-4F45-9708-019B960494DF}">
+                  <a14:hiddenLine xmlns:a14="http://schemas.microsoft.com/office/drawing/2010/main" w="9525">
+                    <a:solidFill>
+                      <a:srgbClr val="000000"/>
+                    </a:solidFill>
+                    <a:round/>
+                    <a:headEnd/>
+                    <a:tailEnd/>
+                  </a14:hiddenLine>
+                </a:ext>
+                <a:ext uri="{AF507438-7753-43E0-B8FC-AC1667EBCBE1}">
+                  <a14:hiddenEffects xmlns:a14="http://schemas.microsoft.com/office/drawing/2010/main">
+                    <a:effectLst>
+                      <a:outerShdw dist="35921" dir="2700000" algn="ctr" rotWithShape="0">
+                        <a:srgbClr val="808080"/>
+                      </a:outerShdw>
+                    </a:effectLst>
+                  </a14:hiddenEffects>
+                </a:ext>
+              </a:extLst>
+            </p:spPr>
+            <p:txBody>
+              <a:bodyPr wrap="none" anchor="ctr"/>
+              <a:lstStyle/>
+              <a:p>
+                <a:endParaRPr lang="it-IT"/>
+              </a:p>
+            </p:txBody>
+          </p:sp>
+          <p:sp>
+            <p:nvSpPr>
+              <p:cNvPr id="6153" name="Rectangle 9"/>
+              <p:cNvSpPr>
+                <a:spLocks noChangeArrowheads="1"/>
+              </p:cNvSpPr>
+              <p:nvPr/>
+            </p:nvSpPr>
+            <p:spPr bwMode="auto">
+              <a:xfrm>
+                <a:off x="3361" y="756"/>
+                <a:ext cx="90" cy="252"/>
+              </a:xfrm>
+              <a:prstGeom prst="rect">
+                <a:avLst/>
+              </a:prstGeom>
+              <a:solidFill>
+                <a:srgbClr val="B6DD6F"/>
+              </a:solidFill>
+              <a:ln>
+                <a:noFill/>
+              </a:ln>
+              <a:effectLst/>
+              <a:extLst>
+                <a:ext uri="{91240B29-F687-4F45-9708-019B960494DF}">
+                  <a14:hiddenLine xmlns:a14="http://schemas.microsoft.com/office/drawing/2010/main" w="9525">
+                    <a:solidFill>
+                      <a:srgbClr val="000000"/>
+                    </a:solidFill>
+                    <a:round/>
+                    <a:headEnd/>
+                    <a:tailEnd/>
+                  </a14:hiddenLine>
+                </a:ext>
+                <a:ext uri="{AF507438-7753-43E0-B8FC-AC1667EBCBE1}">
+                  <a14:hiddenEffects xmlns:a14="http://schemas.microsoft.com/office/drawing/2010/main">
+                    <a:effectLst>
+                      <a:outerShdw dist="35921" dir="2700000" algn="ctr" rotWithShape="0">
+                        <a:srgbClr val="808080"/>
+                      </a:outerShdw>
+                    </a:effectLst>
+                  </a14:hiddenEffects>
+                </a:ext>
+              </a:extLst>
+            </p:spPr>
+            <p:txBody>
+              <a:bodyPr wrap="none" anchor="ctr"/>
+              <a:lstStyle/>
+              <a:p>
+                <a:endParaRPr lang="it-IT"/>
+              </a:p>
+            </p:txBody>
+          </p:sp>
+          <p:sp>
+            <p:nvSpPr>
+              <p:cNvPr id="6154" name="AutoShape 10"/>
+              <p:cNvSpPr>
+                <a:spLocks noChangeArrowheads="1"/>
+              </p:cNvSpPr>
+              <p:nvPr/>
+            </p:nvSpPr>
+            <p:spPr bwMode="auto">
+              <a:xfrm rot="16200000">
+                <a:off x="3273" y="879"/>
+                <a:ext cx="278" cy="356"/>
+              </a:xfrm>
+              <a:prstGeom prst="chevron">
+                <a:avLst>
+                  <a:gd name="adj" fmla="val 50000"/>
+                </a:avLst>
+              </a:prstGeom>
+              <a:solidFill>
+                <a:srgbClr val="B6DD6F"/>
+              </a:solidFill>
+              <a:ln>
+                <a:noFill/>
+              </a:ln>
+              <a:effectLst/>
+              <a:extLst>
+                <a:ext uri="{91240B29-F687-4F45-9708-019B960494DF}">
+                  <a14:hiddenLine xmlns:a14="http://schemas.microsoft.com/office/drawing/2010/main" w="9525">
+                    <a:solidFill>
+                      <a:srgbClr val="000000"/>
+                    </a:solidFill>
+                    <a:round/>
+                    <a:headEnd/>
+                    <a:tailEnd/>
+                  </a14:hiddenLine>
+                </a:ext>
+                <a:ext uri="{AF507438-7753-43E0-B8FC-AC1667EBCBE1}">
+                  <a14:hiddenEffects xmlns:a14="http://schemas.microsoft.com/office/drawing/2010/main">
+                    <a:effectLst>
+                      <a:outerShdw dist="35921" dir="2700000" algn="ctr" rotWithShape="0">
+                        <a:srgbClr val="808080"/>
+                      </a:outerShdw>
+                    </a:effectLst>
+                  </a14:hiddenEffects>
+                </a:ext>
+              </a:extLst>
+            </p:spPr>
+            <p:txBody>
+              <a:bodyPr wrap="none" anchor="ctr"/>
+              <a:lstStyle/>
+              <a:p>
+                <a:endParaRPr lang="it-IT"/>
+              </a:p>
+            </p:txBody>
+          </p:sp>
+        </p:grpSp>
+        <p:sp>
+          <p:nvSpPr>
+            <p:cNvPr id="6155" name="Text Box 11"/>
+            <p:cNvSpPr txBox="1">
+              <a:spLocks noChangeArrowheads="1"/>
+            </p:cNvSpPr>
+            <p:nvPr/>
+          </p:nvSpPr>
+          <p:spPr bwMode="auto">
+            <a:xfrm>
+              <a:off x="2951" y="1329"/>
+              <a:ext cx="1198" cy="258"/>
+            </a:xfrm>
+            <a:prstGeom prst="rect">
+              <a:avLst/>
+            </a:prstGeom>
+            <a:noFill/>
+            <a:ln>
+              <a:noFill/>
+            </a:ln>
+            <a:effectLst/>
+            <a:extLst>
+              <a:ext uri="{909E8E84-426E-40DD-AFC4-6F175D3DCCD1}">
+                <a14:hiddenFill xmlns:a14="http://schemas.microsoft.com/office/drawing/2010/main">
+                  <a:solidFill>
+                    <a:srgbClr val="FFFFFF"/>
+                  </a:solidFill>
+                </a14:hiddenFill>
+              </a:ext>
+              <a:ext uri="{91240B29-F687-4F45-9708-019B960494DF}">
+                <a14:hiddenLine xmlns:a14="http://schemas.microsoft.com/office/drawing/2010/main" w="9525">
+                  <a:solidFill>
+                    <a:srgbClr val="000000"/>
+                  </a:solidFill>
+                  <a:round/>
+                  <a:headEnd/>
+                  <a:tailEnd/>
+                </a14:hiddenLine>
+              </a:ext>
+              <a:ext uri="{AF507438-7753-43E0-B8FC-AC1667EBCBE1}">
+                <a14:hiddenEffects xmlns:a14="http://schemas.microsoft.com/office/drawing/2010/main">
+                  <a:effectLst>
+                    <a:outerShdw dist="35921" dir="2700000" algn="ctr" rotWithShape="0">
+                      <a:srgbClr val="808080"/>
+                    </a:outerShdw>
+                  </a:effectLst>
+                </a14:hiddenEffects>
+              </a:ext>
+            </a:extLst>
+          </p:spPr>
+          <p:txBody>
+            <a:bodyPr lIns="90000" tIns="46800" rIns="90000" bIns="46800">
+              <a:spAutoFit/>
+            </a:bodyPr>
+            <a:lstStyle>
+              <a:lvl1pPr>
+                <a:tabLst>
+                  <a:tab pos="723900" algn="l"/>
+                  <a:tab pos="1447800" algn="l"/>
+                </a:tabLst>
+                <a:defRPr>
+                  <a:solidFill>
+                    <a:srgbClr val="000000"/>
+                  </a:solidFill>
+                  <a:latin typeface="Arial" charset="0"/>
+                  <a:cs typeface="Arial Unicode MS" charset="0"/>
+                </a:defRPr>
+              </a:lvl1pPr>
+              <a:lvl2pPr>
+                <a:tabLst>
+                  <a:tab pos="723900" algn="l"/>
+                  <a:tab pos="1447800" algn="l"/>
+                </a:tabLst>
+                <a:defRPr>
+                  <a:solidFill>
+                    <a:srgbClr val="000000"/>
+                  </a:solidFill>
+                  <a:latin typeface="Arial" charset="0"/>
+                  <a:cs typeface="Arial Unicode MS" charset="0"/>
+                </a:defRPr>
+              </a:lvl2pPr>
+              <a:lvl3pPr>
+                <a:tabLst>
+                  <a:tab pos="723900" algn="l"/>
+                  <a:tab pos="1447800" algn="l"/>
+                </a:tabLst>
+                <a:defRPr>
+                  <a:solidFill>
+                    <a:srgbClr val="000000"/>
+                  </a:solidFill>
+                  <a:latin typeface="Arial" charset="0"/>
+                  <a:cs typeface="Arial Unicode MS" charset="0"/>
+                </a:defRPr>
+              </a:lvl3pPr>
+              <a:lvl4pPr>
+                <a:tabLst>
+                  <a:tab pos="723900" algn="l"/>
+                  <a:tab pos="1447800" algn="l"/>
+                </a:tabLst>
+                <a:defRPr>
+                  <a:solidFill>
+                    <a:srgbClr val="000000"/>
+                  </a:solidFill>
+                  <a:latin typeface="Arial" charset="0"/>
+                  <a:cs typeface="Arial Unicode MS" charset="0"/>
+                </a:defRPr>
+              </a:lvl4pPr>
+              <a:lvl5pPr>
+                <a:tabLst>
+                  <a:tab pos="723900" algn="l"/>
+                  <a:tab pos="1447800" algn="l"/>
+                </a:tabLst>
+                <a:defRPr>
+                  <a:solidFill>
+                    <a:srgbClr val="000000"/>
+                  </a:solidFill>
+                  <a:latin typeface="Arial" charset="0"/>
+                  <a:cs typeface="Arial Unicode MS" charset="0"/>
+                </a:defRPr>
+              </a:lvl5pPr>
+              <a:lvl6pPr marL="2514600" indent="-228600" defTabSz="449263" fontAlgn="base" hangingPunct="0">
+                <a:lnSpc>
+                  <a:spcPct val="93000"/>
+                </a:lnSpc>
+                <a:spcBef>
+                  <a:spcPct val="0"/>
+                </a:spcBef>
+                <a:spcAft>
+                  <a:spcPct val="0"/>
+                </a:spcAft>
+                <a:buClr>
+                  <a:srgbClr val="000000"/>
+                </a:buClr>
+                <a:buSzPct val="100000"/>
+                <a:buFont typeface="Times New Roman" pitchFamily="16" charset="0"/>
+                <a:tabLst>
+                  <a:tab pos="723900" algn="l"/>
+                  <a:tab pos="1447800" algn="l"/>
+                </a:tabLst>
+                <a:defRPr>
+                  <a:solidFill>
+                    <a:srgbClr val="000000"/>
+                  </a:solidFill>
+                  <a:latin typeface="Arial" charset="0"/>
+                  <a:cs typeface="Arial Unicode MS" charset="0"/>
+                </a:defRPr>
+              </a:lvl6pPr>
+              <a:lvl7pPr marL="2971800" indent="-228600" defTabSz="449263" fontAlgn="base" hangingPunct="0">
+                <a:lnSpc>
+                  <a:spcPct val="93000"/>
+                </a:lnSpc>
+                <a:spcBef>
+                  <a:spcPct val="0"/>
+                </a:spcBef>
+                <a:spcAft>
+                  <a:spcPct val="0"/>
+                </a:spcAft>
+                <a:buClr>
+                  <a:srgbClr val="000000"/>
+                </a:buClr>
+                <a:buSzPct val="100000"/>
+                <a:buFont typeface="Times New Roman" pitchFamily="16" charset="0"/>
+                <a:tabLst>
+                  <a:tab pos="723900" algn="l"/>
+                  <a:tab pos="1447800" algn="l"/>
+                </a:tabLst>
+                <a:defRPr>
+                  <a:solidFill>
+                    <a:srgbClr val="000000"/>
+                  </a:solidFill>
+                  <a:latin typeface="Arial" charset="0"/>
+                  <a:cs typeface="Arial Unicode MS" charset="0"/>
+                </a:defRPr>
+              </a:lvl7pPr>
+              <a:lvl8pPr marL="3429000" indent="-228600" defTabSz="449263" fontAlgn="base" hangingPunct="0">
+                <a:lnSpc>
+                  <a:spcPct val="93000"/>
+                </a:lnSpc>
+                <a:spcBef>
+                  <a:spcPct val="0"/>
+                </a:spcBef>
+                <a:spcAft>
+                  <a:spcPct val="0"/>
+                </a:spcAft>
+                <a:buClr>
+                  <a:srgbClr val="000000"/>
+                </a:buClr>
+                <a:buSzPct val="100000"/>
+                <a:buFont typeface="Times New Roman" pitchFamily="16" charset="0"/>
+                <a:tabLst>
+                  <a:tab pos="723900" algn="l"/>
+                  <a:tab pos="1447800" algn="l"/>
+                </a:tabLst>
+                <a:defRPr>
+                  <a:solidFill>
+                    <a:srgbClr val="000000"/>
+                  </a:solidFill>
+                  <a:latin typeface="Arial" charset="0"/>
+                  <a:cs typeface="Arial Unicode MS" charset="0"/>
+                </a:defRPr>
+              </a:lvl8pPr>
+              <a:lvl9pPr marL="3886200" indent="-228600" defTabSz="449263" fontAlgn="base" hangingPunct="0">
+                <a:lnSpc>
+                  <a:spcPct val="93000"/>
+                </a:lnSpc>
+                <a:spcBef>
+                  <a:spcPct val="0"/>
+                </a:spcBef>
+                <a:spcAft>
+                  <a:spcPct val="0"/>
+                </a:spcAft>
+                <a:buClr>
+                  <a:srgbClr val="000000"/>
+                </a:buClr>
+                <a:buSzPct val="100000"/>
+                <a:buFont typeface="Times New Roman" pitchFamily="16" charset="0"/>
+                <a:tabLst>
+                  <a:tab pos="723900" algn="l"/>
+                  <a:tab pos="1447800" algn="l"/>
+                </a:tabLst>
+                <a:defRPr>
+                  <a:solidFill>
+                    <a:srgbClr val="000000"/>
+                  </a:solidFill>
+                  <a:latin typeface="Arial" charset="0"/>
+                  <a:cs typeface="Arial Unicode MS" charset="0"/>
+                </a:defRPr>
+              </a:lvl9pPr>
+            </a:lstStyle>
+            <a:p>
+              <a:pPr>
+                <a:lnSpc>
+                  <a:spcPct val="100000"/>
+                </a:lnSpc>
+                <a:buClrTx/>
+                <a:buFontTx/>
+                <a:buNone/>
+              </a:pPr>
+              <a:r>
+                <a:rPr lang="en-US" altLang="it-IT" b="1">
+                  <a:latin typeface="Tahoma" pitchFamily="32" charset="0"/>
+                </a:rPr>
+                <a:t>iCare4COPD</a:t>
+              </a:r>
+            </a:p>
+          </p:txBody>
+        </p:sp>
+        <p:sp>
+          <p:nvSpPr>
+            <p:cNvPr id="6156" name="Freeform 12"/>
+            <p:cNvSpPr>
+              <a:spLocks noChangeArrowheads="1"/>
+            </p:cNvSpPr>
+            <p:nvPr/>
+          </p:nvSpPr>
+          <p:spPr bwMode="auto">
+            <a:xfrm>
+              <a:off x="2964" y="1329"/>
+              <a:ext cx="119" cy="81"/>
+            </a:xfrm>
+            <a:custGeom>
+              <a:avLst/>
+              <a:gdLst>
+                <a:gd name="T0" fmla="*/ 100028 w 200055"/>
+                <a:gd name="T1" fmla="*/ 29849 h 119396"/>
+                <a:gd name="T2" fmla="*/ 100028 w 200055"/>
+                <a:gd name="T3" fmla="*/ 119396 h 119396"/>
+                <a:gd name="T4" fmla="*/ 100028 w 200055"/>
+                <a:gd name="T5" fmla="*/ 29849 h 119396"/>
+                <a:gd name="T6" fmla="*/ 33343 w 200055"/>
+                <a:gd name="T7" fmla="*/ 29849 h 119396"/>
+                <a:gd name="T8" fmla="*/ 166713 w 200055"/>
+                <a:gd name="T9" fmla="*/ 79597 h 119396"/>
+              </a:gdLst>
+              <a:ahLst/>
+              <a:cxnLst>
+                <a:cxn ang="0">
+                  <a:pos x="T0" y="T1"/>
+                </a:cxn>
+                <a:cxn ang="0">
+                  <a:pos x="T2" y="T3"/>
+                </a:cxn>
+                <a:cxn ang="0">
+                  <a:pos x="T4" y="T5"/>
+                </a:cxn>
+              </a:cxnLst>
+              <a:rect l="T6" t="T7" r="T8" b="T9"/>
+              <a:pathLst>
+                <a:path w="200055" h="119396">
+                  <a:moveTo>
+                    <a:pt x="100028" y="29849"/>
+                  </a:moveTo>
+                  <a:cubicBezTo>
+                    <a:pt x="141706" y="-39799"/>
+                    <a:pt x="304250" y="29849"/>
+                    <a:pt x="100028" y="119396"/>
+                  </a:cubicBezTo>
+                  <a:cubicBezTo>
+                    <a:pt x="-104195" y="29849"/>
+                    <a:pt x="58349" y="-39799"/>
+                    <a:pt x="100028" y="29849"/>
+                  </a:cubicBezTo>
+                  <a:close/>
+                </a:path>
+              </a:pathLst>
+            </a:custGeom>
+            <a:solidFill>
+              <a:srgbClr val="FF0000"/>
+            </a:solidFill>
+            <a:ln>
+              <a:noFill/>
+            </a:ln>
+            <a:effectLst/>
+            <a:extLst>
+              <a:ext uri="{91240B29-F687-4F45-9708-019B960494DF}">
+                <a14:hiddenLine xmlns:a14="http://schemas.microsoft.com/office/drawing/2010/main" w="9525">
+                  <a:solidFill>
+                    <a:srgbClr val="000000"/>
+                  </a:solidFill>
+                  <a:round/>
+                  <a:headEnd/>
+                  <a:tailEnd/>
+                </a14:hiddenLine>
+              </a:ext>
+              <a:ext uri="{AF507438-7753-43E0-B8FC-AC1667EBCBE1}">
+                <a14:hiddenEffects xmlns:a14="http://schemas.microsoft.com/office/drawing/2010/main">
+                  <a:effectLst>
+                    <a:outerShdw dist="35921" dir="2700000" algn="ctr" rotWithShape="0">
+                      <a:srgbClr val="808080"/>
+                    </a:outerShdw>
+                  </a:effectLst>
+                </a14:hiddenEffects>
+              </a:ext>
+            </a:extLst>
+          </p:spPr>
+          <p:txBody>
+            <a:bodyPr wrap="none" anchor="ctr"/>
+            <a:lstStyle/>
+            <a:p>
+              <a:endParaRPr lang="it-IT"/>
+            </a:p>
+          </p:txBody>
+        </p:sp>
+        <p:sp>
+          <p:nvSpPr>
+            <p:cNvPr id="6157" name="AutoShape 13"/>
+            <p:cNvSpPr>
+              <a:spLocks noChangeArrowheads="1"/>
+            </p:cNvSpPr>
+            <p:nvPr/>
+          </p:nvSpPr>
+          <p:spPr bwMode="auto">
+            <a:xfrm>
+              <a:off x="2821" y="1061"/>
+              <a:ext cx="1192" cy="182"/>
+            </a:xfrm>
+            <a:prstGeom prst="triangle">
+              <a:avLst>
+                <a:gd name="adj" fmla="val 50000"/>
+              </a:avLst>
+            </a:prstGeom>
+            <a:solidFill>
+              <a:srgbClr val="FF0000"/>
+            </a:solidFill>
+            <a:ln>
+              <a:noFill/>
+            </a:ln>
+            <a:effectLst/>
+            <a:extLst>
+              <a:ext uri="{91240B29-F687-4F45-9708-019B960494DF}">
+                <a14:hiddenLine xmlns:a14="http://schemas.microsoft.com/office/drawing/2010/main" w="9525">
+                  <a:solidFill>
+                    <a:srgbClr val="000000"/>
+                  </a:solidFill>
+                  <a:round/>
+                  <a:headEnd/>
+                  <a:tailEnd/>
+                </a14:hiddenLine>
+              </a:ext>
+              <a:ext uri="{AF507438-7753-43E0-B8FC-AC1667EBCBE1}">
+                <a14:hiddenEffects xmlns:a14="http://schemas.microsoft.com/office/drawing/2010/main">
+                  <a:effectLst>
+                    <a:outerShdw dist="35921" dir="2700000" algn="ctr" rotWithShape="0">
+                      <a:srgbClr val="808080"/>
+                    </a:outerShdw>
+                  </a:effectLst>
+                </a14:hiddenEffects>
+              </a:ext>
+            </a:extLst>
+          </p:spPr>
+          <p:txBody>
+            <a:bodyPr wrap="none" anchor="ctr"/>
+            <a:lstStyle/>
+            <a:p>
+              <a:endParaRPr lang="it-IT"/>
+            </a:p>
+          </p:txBody>
+        </p:sp>
+      </p:grpSp>
       <p:pic>
         <p:nvPicPr>
-          <p:cNvPr id="38" name="Picture 7" descr="http://elderlawblogtn.com/wp-content/uploads/2013/08/HOSPITAL.jpg"/>
+          <p:cNvPr id="6158" name="Picture 14"/>
           <p:cNvPicPr>
             <a:picLocks noChangeAspect="1" noChangeArrowheads="1"/>
           </p:cNvPicPr>
@@ -6842,8 +11724,8 @@
         </p:blipFill>
         <p:spPr bwMode="auto">
           <a:xfrm>
-            <a:off x="1905000" y="2039938"/>
-            <a:ext cx="1531938" cy="1627187"/>
+            <a:off x="3101761" y="3918652"/>
+            <a:ext cx="1306080" cy="653829"/>
           </a:xfrm>
           <a:prstGeom prst="rect">
             <a:avLst/>
@@ -6852,12 +11734,17 @@
           <a:ln>
             <a:noFill/>
           </a:ln>
+          <a:effectLst/>
           <a:extLst>
             <a:ext uri="{909E8E84-426E-40DD-AFC4-6F175D3DCCD1}">
               <a14:hiddenFill xmlns:a14="http://schemas.microsoft.com/office/drawing/2010/main">
-                <a:solidFill>
-                  <a:srgbClr val="FFFFFF"/>
-                </a:solidFill>
+                <a:blipFill dpi="0" rotWithShape="0">
+                  <a:blip/>
+                  <a:srcRect/>
+                  <a:stretch>
+                    <a:fillRect/>
+                  </a:stretch>
+                </a:blipFill>
               </a14:hiddenFill>
             </a:ext>
             <a:ext uri="{91240B29-F687-4F45-9708-019B960494DF}">
@@ -6865,17 +11752,26 @@
                 <a:solidFill>
                   <a:srgbClr val="000000"/>
                 </a:solidFill>
-                <a:miter lim="800000"/>
+                <a:round/>
                 <a:headEnd/>
                 <a:tailEnd/>
               </a14:hiddenLine>
+            </a:ext>
+            <a:ext uri="{AF507438-7753-43E0-B8FC-AC1667EBCBE1}">
+              <a14:hiddenEffects xmlns:a14="http://schemas.microsoft.com/office/drawing/2010/main">
+                <a:effectLst>
+                  <a:outerShdw dist="35921" dir="2700000" algn="ctr" rotWithShape="0">
+                    <a:srgbClr val="808080"/>
+                  </a:outerShdw>
+                </a:effectLst>
+              </a14:hiddenEffects>
             </a:ext>
           </a:extLst>
         </p:spPr>
       </p:pic>
       <p:pic>
         <p:nvPicPr>
-          <p:cNvPr id="39" name="Picture 9" descr="https://www.moneysmart.gov.au/media/399935/buying-a-home.png"/>
+          <p:cNvPr id="6159" name="Picture 15"/>
           <p:cNvPicPr>
             <a:picLocks noChangeAspect="1" noChangeArrowheads="1"/>
           </p:cNvPicPr>
@@ -6896,8 +11792,8 @@
         </p:blipFill>
         <p:spPr bwMode="auto">
           <a:xfrm>
-            <a:off x="5129213" y="2039938"/>
-            <a:ext cx="2362200" cy="1628775"/>
+            <a:off x="2939040" y="4572481"/>
+            <a:ext cx="1866240" cy="551577"/>
           </a:xfrm>
           <a:prstGeom prst="rect">
             <a:avLst/>
@@ -6906,12 +11802,17 @@
           <a:ln>
             <a:noFill/>
           </a:ln>
+          <a:effectLst/>
           <a:extLst>
             <a:ext uri="{909E8E84-426E-40DD-AFC4-6F175D3DCCD1}">
               <a14:hiddenFill xmlns:a14="http://schemas.microsoft.com/office/drawing/2010/main">
-                <a:solidFill>
-                  <a:srgbClr val="FFFFFF"/>
-                </a:solidFill>
+                <a:blipFill dpi="0" rotWithShape="0">
+                  <a:blip/>
+                  <a:srcRect/>
+                  <a:stretch>
+                    <a:fillRect/>
+                  </a:stretch>
+                </a:blipFill>
               </a14:hiddenFill>
             </a:ext>
             <a:ext uri="{91240B29-F687-4F45-9708-019B960494DF}">
@@ -6919,66 +11820,33 @@
                 <a:solidFill>
                   <a:srgbClr val="000000"/>
                 </a:solidFill>
-                <a:miter lim="800000"/>
+                <a:round/>
                 <a:headEnd/>
                 <a:tailEnd/>
               </a14:hiddenLine>
             </a:ext>
+            <a:ext uri="{AF507438-7753-43E0-B8FC-AC1667EBCBE1}">
+              <a14:hiddenEffects xmlns:a14="http://schemas.microsoft.com/office/drawing/2010/main">
+                <a:effectLst>
+                  <a:outerShdw dist="35921" dir="2700000" algn="ctr" rotWithShape="0">
+                    <a:srgbClr val="808080"/>
+                  </a:outerShdw>
+                </a:effectLst>
+              </a14:hiddenEffects>
+            </a:ext>
           </a:extLst>
         </p:spPr>
       </p:pic>
-      <p:sp>
-        <p:nvSpPr>
-          <p:cNvPr id="40" name="Right Arrow 39"/>
-          <p:cNvSpPr/>
-          <p:nvPr/>
-        </p:nvSpPr>
-        <p:spPr>
-          <a:xfrm>
-            <a:off x="3962400" y="2154238"/>
-            <a:ext cx="1074738" cy="590550"/>
-          </a:xfrm>
-          <a:prstGeom prst="rightArrow">
-            <a:avLst/>
-          </a:prstGeom>
-        </p:spPr>
-        <p:style>
-          <a:lnRef idx="2">
-            <a:schemeClr val="accent1">
-              <a:shade val="50000"/>
-            </a:schemeClr>
-          </a:lnRef>
-          <a:fillRef idx="1">
-            <a:schemeClr val="accent1"/>
-          </a:fillRef>
-          <a:effectRef idx="0">
-            <a:schemeClr val="accent1"/>
-          </a:effectRef>
-          <a:fontRef idx="minor">
-            <a:schemeClr val="lt1"/>
-          </a:fontRef>
-        </p:style>
-        <p:txBody>
-          <a:bodyPr anchor="ctr"/>
-          <a:lstStyle/>
-          <a:p>
-            <a:pPr algn="ctr">
-              <a:defRPr/>
-            </a:pPr>
-            <a:endParaRPr lang="en-US"/>
-          </a:p>
-        </p:txBody>
-      </p:sp>
       <p:pic>
         <p:nvPicPr>
-          <p:cNvPr id="41" name="Picture 11" descr="http://www.netanimations.net/old_man_walking_with__a_hc.gif"/>
+          <p:cNvPr id="6161" name="Picture 17"/>
           <p:cNvPicPr>
-            <a:picLocks noChangeAspect="1" noChangeArrowheads="1" noCrop="1"/>
+            <a:picLocks noChangeAspect="1" noChangeArrowheads="1"/>
           </p:cNvPicPr>
           <p:nvPr/>
         </p:nvPicPr>
         <p:blipFill>
-          <a:blip r:embed="rId5" cstate="print">
+          <a:blip r:embed="rId5">
             <a:extLst>
               <a:ext uri="{28A0092B-C50C-407E-A947-70E740481C1C}">
                 <a14:useLocalDpi xmlns:a14="http://schemas.microsoft.com/office/drawing/2010/main" val="0"/>
@@ -6992,8 +11860,8 @@
         </p:blipFill>
         <p:spPr bwMode="auto">
           <a:xfrm>
-            <a:off x="4117975" y="2803525"/>
-            <a:ext cx="606425" cy="925513"/>
+            <a:off x="3020280" y="5181600"/>
+            <a:ext cx="1170720" cy="519894"/>
           </a:xfrm>
           <a:prstGeom prst="rect">
             <a:avLst/>
@@ -7002,12 +11870,17 @@
           <a:ln>
             <a:noFill/>
           </a:ln>
+          <a:effectLst/>
           <a:extLst>
             <a:ext uri="{909E8E84-426E-40DD-AFC4-6F175D3DCCD1}">
               <a14:hiddenFill xmlns:a14="http://schemas.microsoft.com/office/drawing/2010/main">
-                <a:solidFill>
-                  <a:srgbClr val="FFFFFF"/>
-                </a:solidFill>
+                <a:blipFill dpi="0" rotWithShape="0">
+                  <a:blip/>
+                  <a:srcRect/>
+                  <a:stretch>
+                    <a:fillRect/>
+                  </a:stretch>
+                </a:blipFill>
               </a14:hiddenFill>
             </a:ext>
             <a:ext uri="{91240B29-F687-4F45-9708-019B960494DF}">
@@ -7015,10 +11888,87 @@
                 <a:solidFill>
                   <a:srgbClr val="000000"/>
                 </a:solidFill>
-                <a:miter lim="800000"/>
+                <a:round/>
                 <a:headEnd/>
                 <a:tailEnd/>
               </a14:hiddenLine>
+            </a:ext>
+            <a:ext uri="{AF507438-7753-43E0-B8FC-AC1667EBCBE1}">
+              <a14:hiddenEffects xmlns:a14="http://schemas.microsoft.com/office/drawing/2010/main">
+                <a:effectLst>
+                  <a:outerShdw dist="35921" dir="2700000" algn="ctr" rotWithShape="0">
+                    <a:srgbClr val="808080"/>
+                  </a:outerShdw>
+                </a:effectLst>
+              </a14:hiddenEffects>
+            </a:ext>
+          </a:extLst>
+        </p:spPr>
+      </p:pic>
+      <p:pic>
+        <p:nvPicPr>
+          <p:cNvPr id="6163" name="Picture 19"/>
+          <p:cNvPicPr>
+            <a:picLocks noChangeAspect="1" noChangeArrowheads="1"/>
+          </p:cNvPicPr>
+          <p:nvPr/>
+        </p:nvPicPr>
+        <p:blipFill>
+          <a:blip r:embed="rId4">
+            <a:extLst>
+              <a:ext uri="{28A0092B-C50C-407E-A947-70E740481C1C}">
+                <a14:useLocalDpi xmlns:a14="http://schemas.microsoft.com/office/drawing/2010/main" val="0"/>
+              </a:ext>
+            </a:extLst>
+          </a:blip>
+          <a:srcRect/>
+          <a:stretch>
+            <a:fillRect/>
+          </a:stretch>
+        </p:blipFill>
+        <p:spPr bwMode="auto">
+          <a:xfrm>
+            <a:off x="7277760" y="6306423"/>
+            <a:ext cx="1866240" cy="551577"/>
+          </a:xfrm>
+          <a:prstGeom prst="rect">
+            <a:avLst/>
+          </a:prstGeom>
+          <a:noFill/>
+          <a:ln>
+            <a:noFill/>
+          </a:ln>
+          <a:effectLst/>
+          <a:extLst>
+            <a:ext uri="{909E8E84-426E-40DD-AFC4-6F175D3DCCD1}">
+              <a14:hiddenFill xmlns:a14="http://schemas.microsoft.com/office/drawing/2010/main">
+                <a:blipFill dpi="0" rotWithShape="0">
+                  <a:blip/>
+                  <a:srcRect/>
+                  <a:stretch>
+                    <a:fillRect/>
+                  </a:stretch>
+                </a:blipFill>
+              </a14:hiddenFill>
+            </a:ext>
+            <a:ext uri="{91240B29-F687-4F45-9708-019B960494DF}">
+              <a14:hiddenLine xmlns:a14="http://schemas.microsoft.com/office/drawing/2010/main" w="9525">
+                <a:solidFill>
+                  <a:srgbClr val="000000"/>
+                </a:solidFill>
+                <a:round/>
+                <a:headEnd/>
+                <a:tailEnd/>
+              </a14:hiddenLine>
+            </a:ext>
+            <a:ext uri="{AF507438-7753-43E0-B8FC-AC1667EBCBE1}">
+              <a14:hiddenEffects xmlns:a14="http://schemas.microsoft.com/office/drawing/2010/main">
+                <a:effectLst>
+                  <a:outerShdw dist="35921" dir="2700000" algn="ctr" rotWithShape="0">
+                    <a:srgbClr val="808080"/>
+                  </a:outerShdw>
+                </a:effectLst>
+              </a14:hiddenEffects>
             </a:ext>
           </a:extLst>
         </p:spPr>
@@ -7026,7 +11976,7 @@
     </p:spTree>
     <p:extLst>
       <p:ext uri="{BB962C8B-B14F-4D97-AF65-F5344CB8AC3E}">
-        <p14:creationId xmlns:p14="http://schemas.microsoft.com/office/powerpoint/2010/main" val="3317417006"/>
+        <p14:creationId xmlns:p14="http://schemas.microsoft.com/office/powerpoint/2010/main" val="1526489311"/>
       </p:ext>
     </p:extLst>
   </p:cSld>
@@ -7122,6 +12072,651 @@
               </a:tabLst>
             </a:pPr>
             <a:r>
+              <a:rPr lang="en-US" altLang="it-IT" sz="4000" dirty="0" smtClean="0"/>
+              <a:t>Introduction</a:t>
+            </a:r>
+            <a:endParaRPr lang="en-US" altLang="it-IT" sz="4000" dirty="0"/>
+          </a:p>
+        </p:txBody>
+      </p:sp>
+      <p:sp>
+        <p:nvSpPr>
+          <p:cNvPr id="36" name="Text Placeholder 2"/>
+          <p:cNvSpPr txBox="1">
+            <a:spLocks/>
+          </p:cNvSpPr>
+          <p:nvPr/>
+        </p:nvSpPr>
+        <p:spPr bwMode="auto">
+          <a:xfrm>
+            <a:off x="828675" y="1606550"/>
+            <a:ext cx="7486650" cy="374650"/>
+          </a:xfrm>
+          <a:prstGeom prst="rect">
+            <a:avLst/>
+          </a:prstGeom>
+          <a:noFill/>
+          <a:extLst>
+            <a:ext uri="{909E8E84-426E-40DD-AFC4-6F175D3DCCD1}">
+              <a14:hiddenFill xmlns:a14="http://schemas.microsoft.com/office/drawing/2010/main">
+                <a:solidFill>
+                  <a:srgbClr val="FFFFFF"/>
+                </a:solidFill>
+              </a14:hiddenFill>
+            </a:ext>
+            <a:ext uri="{91240B29-F687-4F45-9708-019B960494DF}">
+              <a14:hiddenLine xmlns:a14="http://schemas.microsoft.com/office/drawing/2010/main" w="9525">
+                <a:solidFill>
+                  <a:srgbClr val="000000"/>
+                </a:solidFill>
+                <a:miter lim="800000"/>
+                <a:headEnd/>
+                <a:tailEnd/>
+              </a14:hiddenLine>
+            </a:ext>
+          </a:extLst>
+        </p:spPr>
+        <p:txBody>
+          <a:bodyPr vert="horz" wrap="square" lIns="82945" tIns="41473" rIns="82945" bIns="41473" numCol="1" anchor="t" anchorCtr="0" compatLnSpc="1">
+            <a:prstTxWarp prst="textNoShape">
+              <a:avLst/>
+            </a:prstTxWarp>
+          </a:bodyPr>
+          <a:lstStyle>
+            <a:defPPr>
+              <a:defRPr lang="de-DE"/>
+            </a:defPPr>
+            <a:lvl1pPr algn="l" rtl="0" fontAlgn="base">
+              <a:spcBef>
+                <a:spcPct val="0"/>
+              </a:spcBef>
+              <a:spcAft>
+                <a:spcPct val="0"/>
+              </a:spcAft>
+              <a:defRPr kern="1200">
+                <a:solidFill>
+                  <a:schemeClr val="tx1"/>
+                </a:solidFill>
+                <a:latin typeface="Calibri" pitchFamily="34" charset="0"/>
+                <a:ea typeface="+mn-ea"/>
+                <a:cs typeface="Arial" charset="0"/>
+              </a:defRPr>
+            </a:lvl1pPr>
+            <a:lvl2pPr marL="457200" algn="l" rtl="0" fontAlgn="base">
+              <a:spcBef>
+                <a:spcPct val="0"/>
+              </a:spcBef>
+              <a:spcAft>
+                <a:spcPct val="0"/>
+              </a:spcAft>
+              <a:defRPr kern="1200">
+                <a:solidFill>
+                  <a:schemeClr val="tx1"/>
+                </a:solidFill>
+                <a:latin typeface="Calibri" pitchFamily="34" charset="0"/>
+                <a:ea typeface="+mn-ea"/>
+                <a:cs typeface="Arial" charset="0"/>
+              </a:defRPr>
+            </a:lvl2pPr>
+            <a:lvl3pPr marL="914400" algn="l" rtl="0" fontAlgn="base">
+              <a:spcBef>
+                <a:spcPct val="0"/>
+              </a:spcBef>
+              <a:spcAft>
+                <a:spcPct val="0"/>
+              </a:spcAft>
+              <a:defRPr kern="1200">
+                <a:solidFill>
+                  <a:schemeClr val="tx1"/>
+                </a:solidFill>
+                <a:latin typeface="Calibri" pitchFamily="34" charset="0"/>
+                <a:ea typeface="+mn-ea"/>
+                <a:cs typeface="Arial" charset="0"/>
+              </a:defRPr>
+            </a:lvl3pPr>
+            <a:lvl4pPr marL="1371600" algn="l" rtl="0" fontAlgn="base">
+              <a:spcBef>
+                <a:spcPct val="0"/>
+              </a:spcBef>
+              <a:spcAft>
+                <a:spcPct val="0"/>
+              </a:spcAft>
+              <a:defRPr kern="1200">
+                <a:solidFill>
+                  <a:schemeClr val="tx1"/>
+                </a:solidFill>
+                <a:latin typeface="Calibri" pitchFamily="34" charset="0"/>
+                <a:ea typeface="+mn-ea"/>
+                <a:cs typeface="Arial" charset="0"/>
+              </a:defRPr>
+            </a:lvl4pPr>
+            <a:lvl5pPr marL="1828800" algn="l" rtl="0" fontAlgn="base">
+              <a:spcBef>
+                <a:spcPct val="0"/>
+              </a:spcBef>
+              <a:spcAft>
+                <a:spcPct val="0"/>
+              </a:spcAft>
+              <a:defRPr kern="1200">
+                <a:solidFill>
+                  <a:schemeClr val="tx1"/>
+                </a:solidFill>
+                <a:latin typeface="Calibri" pitchFamily="34" charset="0"/>
+                <a:ea typeface="+mn-ea"/>
+                <a:cs typeface="Arial" charset="0"/>
+              </a:defRPr>
+            </a:lvl5pPr>
+            <a:lvl6pPr marL="2286000" algn="l" defTabSz="914400" rtl="0" eaLnBrk="1" latinLnBrk="0" hangingPunct="1">
+              <a:defRPr kern="1200">
+                <a:solidFill>
+                  <a:schemeClr val="tx1"/>
+                </a:solidFill>
+                <a:latin typeface="Calibri" pitchFamily="34" charset="0"/>
+                <a:ea typeface="+mn-ea"/>
+                <a:cs typeface="Arial" charset="0"/>
+              </a:defRPr>
+            </a:lvl6pPr>
+            <a:lvl7pPr marL="2743200" algn="l" defTabSz="914400" rtl="0" eaLnBrk="1" latinLnBrk="0" hangingPunct="1">
+              <a:defRPr kern="1200">
+                <a:solidFill>
+                  <a:schemeClr val="tx1"/>
+                </a:solidFill>
+                <a:latin typeface="Calibri" pitchFamily="34" charset="0"/>
+                <a:ea typeface="+mn-ea"/>
+                <a:cs typeface="Arial" charset="0"/>
+              </a:defRPr>
+            </a:lvl7pPr>
+            <a:lvl8pPr marL="3200400" algn="l" defTabSz="914400" rtl="0" eaLnBrk="1" latinLnBrk="0" hangingPunct="1">
+              <a:defRPr kern="1200">
+                <a:solidFill>
+                  <a:schemeClr val="tx1"/>
+                </a:solidFill>
+                <a:latin typeface="Calibri" pitchFamily="34" charset="0"/>
+                <a:ea typeface="+mn-ea"/>
+                <a:cs typeface="Arial" charset="0"/>
+              </a:defRPr>
+            </a:lvl8pPr>
+            <a:lvl9pPr marL="3657600" algn="l" defTabSz="914400" rtl="0" eaLnBrk="1" latinLnBrk="0" hangingPunct="1">
+              <a:defRPr kern="1200">
+                <a:solidFill>
+                  <a:schemeClr val="tx1"/>
+                </a:solidFill>
+                <a:latin typeface="Calibri" pitchFamily="34" charset="0"/>
+                <a:ea typeface="+mn-ea"/>
+                <a:cs typeface="Arial" charset="0"/>
+              </a:defRPr>
+            </a:lvl9pPr>
+          </a:lstStyle>
+          <a:p>
+            <a:pPr algn="ctr"/>
+            <a:r>
+              <a:rPr lang="en-US" altLang="it-IT" smtClean="0"/>
+              <a:t>Paradigm shift towards the home environment</a:t>
+            </a:r>
+          </a:p>
+        </p:txBody>
+      </p:sp>
+      <p:sp>
+        <p:nvSpPr>
+          <p:cNvPr id="37" name="Text Placeholder 2_"/>
+          <p:cNvSpPr txBox="1">
+            <a:spLocks/>
+          </p:cNvSpPr>
+          <p:nvPr/>
+        </p:nvSpPr>
+        <p:spPr bwMode="auto">
+          <a:xfrm>
+            <a:off x="457200" y="3892550"/>
+            <a:ext cx="8077200" cy="1365250"/>
+          </a:xfrm>
+          <a:prstGeom prst="rect">
+            <a:avLst/>
+          </a:prstGeom>
+          <a:noFill/>
+          <a:ln>
+            <a:noFill/>
+          </a:ln>
+          <a:extLst>
+            <a:ext uri="{909E8E84-426E-40DD-AFC4-6F175D3DCCD1}">
+              <a14:hiddenFill xmlns:a14="http://schemas.microsoft.com/office/drawing/2010/main">
+                <a:solidFill>
+                  <a:srgbClr val="FFFFFF"/>
+                </a:solidFill>
+              </a14:hiddenFill>
+            </a:ext>
+            <a:ext uri="{91240B29-F687-4F45-9708-019B960494DF}">
+              <a14:hiddenLine xmlns:a14="http://schemas.microsoft.com/office/drawing/2010/main" w="9525">
+                <a:solidFill>
+                  <a:srgbClr val="000000"/>
+                </a:solidFill>
+                <a:miter lim="800000"/>
+                <a:headEnd/>
+                <a:tailEnd/>
+              </a14:hiddenLine>
+            </a:ext>
+          </a:extLst>
+        </p:spPr>
+        <p:txBody>
+          <a:bodyPr lIns="0" tIns="0" rIns="0" bIns="0"/>
+          <a:lstStyle>
+            <a:lvl1pPr eaLnBrk="0" hangingPunct="0">
+              <a:defRPr>
+                <a:solidFill>
+                  <a:schemeClr val="tx1"/>
+                </a:solidFill>
+                <a:latin typeface="Calibri" pitchFamily="34" charset="0"/>
+                <a:cs typeface="Arial" charset="0"/>
+              </a:defRPr>
+            </a:lvl1pPr>
+            <a:lvl2pPr marL="742950" indent="-285750" eaLnBrk="0" hangingPunct="0">
+              <a:defRPr>
+                <a:solidFill>
+                  <a:schemeClr val="tx1"/>
+                </a:solidFill>
+                <a:latin typeface="Calibri" pitchFamily="34" charset="0"/>
+                <a:cs typeface="Arial" charset="0"/>
+              </a:defRPr>
+            </a:lvl2pPr>
+            <a:lvl3pPr marL="1143000" indent="-228600" eaLnBrk="0" hangingPunct="0">
+              <a:defRPr>
+                <a:solidFill>
+                  <a:schemeClr val="tx1"/>
+                </a:solidFill>
+                <a:latin typeface="Calibri" pitchFamily="34" charset="0"/>
+                <a:cs typeface="Arial" charset="0"/>
+              </a:defRPr>
+            </a:lvl3pPr>
+            <a:lvl4pPr marL="1600200" indent="-228600" eaLnBrk="0" hangingPunct="0">
+              <a:defRPr>
+                <a:solidFill>
+                  <a:schemeClr val="tx1"/>
+                </a:solidFill>
+                <a:latin typeface="Calibri" pitchFamily="34" charset="0"/>
+                <a:cs typeface="Arial" charset="0"/>
+              </a:defRPr>
+            </a:lvl4pPr>
+            <a:lvl5pPr marL="2057400" indent="-228600" eaLnBrk="0" hangingPunct="0">
+              <a:defRPr>
+                <a:solidFill>
+                  <a:schemeClr val="tx1"/>
+                </a:solidFill>
+                <a:latin typeface="Calibri" pitchFamily="34" charset="0"/>
+                <a:cs typeface="Arial" charset="0"/>
+              </a:defRPr>
+            </a:lvl5pPr>
+            <a:lvl6pPr marL="2514600" indent="-228600" eaLnBrk="0" fontAlgn="base" hangingPunct="0">
+              <a:spcBef>
+                <a:spcPct val="0"/>
+              </a:spcBef>
+              <a:spcAft>
+                <a:spcPct val="0"/>
+              </a:spcAft>
+              <a:defRPr>
+                <a:solidFill>
+                  <a:schemeClr val="tx1"/>
+                </a:solidFill>
+                <a:latin typeface="Calibri" pitchFamily="34" charset="0"/>
+                <a:cs typeface="Arial" charset="0"/>
+              </a:defRPr>
+            </a:lvl6pPr>
+            <a:lvl7pPr marL="2971800" indent="-228600" eaLnBrk="0" fontAlgn="base" hangingPunct="0">
+              <a:spcBef>
+                <a:spcPct val="0"/>
+              </a:spcBef>
+              <a:spcAft>
+                <a:spcPct val="0"/>
+              </a:spcAft>
+              <a:defRPr>
+                <a:solidFill>
+                  <a:schemeClr val="tx1"/>
+                </a:solidFill>
+                <a:latin typeface="Calibri" pitchFamily="34" charset="0"/>
+                <a:cs typeface="Arial" charset="0"/>
+              </a:defRPr>
+            </a:lvl7pPr>
+            <a:lvl8pPr marL="3429000" indent="-228600" eaLnBrk="0" fontAlgn="base" hangingPunct="0">
+              <a:spcBef>
+                <a:spcPct val="0"/>
+              </a:spcBef>
+              <a:spcAft>
+                <a:spcPct val="0"/>
+              </a:spcAft>
+              <a:defRPr>
+                <a:solidFill>
+                  <a:schemeClr val="tx1"/>
+                </a:solidFill>
+                <a:latin typeface="Calibri" pitchFamily="34" charset="0"/>
+                <a:cs typeface="Arial" charset="0"/>
+              </a:defRPr>
+            </a:lvl8pPr>
+            <a:lvl9pPr marL="3886200" indent="-228600" eaLnBrk="0" fontAlgn="base" hangingPunct="0">
+              <a:spcBef>
+                <a:spcPct val="0"/>
+              </a:spcBef>
+              <a:spcAft>
+                <a:spcPct val="0"/>
+              </a:spcAft>
+              <a:defRPr>
+                <a:solidFill>
+                  <a:schemeClr val="tx1"/>
+                </a:solidFill>
+                <a:latin typeface="Calibri" pitchFamily="34" charset="0"/>
+                <a:cs typeface="Arial" charset="0"/>
+              </a:defRPr>
+            </a:lvl9pPr>
+          </a:lstStyle>
+          <a:p>
+            <a:pPr algn="ctr"/>
+            <a:r>
+              <a:rPr lang="en-US" altLang="it-IT" sz="2200" dirty="0"/>
+              <a:t>Essential to develop new technologies and service concepts that permit monitoring and management of patients at home (remotely)</a:t>
+            </a:r>
+          </a:p>
+        </p:txBody>
+      </p:sp>
+      <p:pic>
+        <p:nvPicPr>
+          <p:cNvPr id="38" name="Picture 7" descr="http://elderlawblogtn.com/wp-content/uploads/2013/08/HOSPITAL.jpg"/>
+          <p:cNvPicPr>
+            <a:picLocks noChangeAspect="1" noChangeArrowheads="1"/>
+          </p:cNvPicPr>
+          <p:nvPr/>
+        </p:nvPicPr>
+        <p:blipFill>
+          <a:blip r:embed="rId3">
+            <a:extLst>
+              <a:ext uri="{28A0092B-C50C-407E-A947-70E740481C1C}">
+                <a14:useLocalDpi xmlns:a14="http://schemas.microsoft.com/office/drawing/2010/main" val="0"/>
+              </a:ext>
+            </a:extLst>
+          </a:blip>
+          <a:srcRect/>
+          <a:stretch>
+            <a:fillRect/>
+          </a:stretch>
+        </p:blipFill>
+        <p:spPr bwMode="auto">
+          <a:xfrm>
+            <a:off x="1905000" y="2039938"/>
+            <a:ext cx="1531938" cy="1627187"/>
+          </a:xfrm>
+          <a:prstGeom prst="rect">
+            <a:avLst/>
+          </a:prstGeom>
+          <a:noFill/>
+          <a:ln>
+            <a:noFill/>
+          </a:ln>
+          <a:extLst>
+            <a:ext uri="{909E8E84-426E-40DD-AFC4-6F175D3DCCD1}">
+              <a14:hiddenFill xmlns:a14="http://schemas.microsoft.com/office/drawing/2010/main">
+                <a:solidFill>
+                  <a:srgbClr val="FFFFFF"/>
+                </a:solidFill>
+              </a14:hiddenFill>
+            </a:ext>
+            <a:ext uri="{91240B29-F687-4F45-9708-019B960494DF}">
+              <a14:hiddenLine xmlns:a14="http://schemas.microsoft.com/office/drawing/2010/main" w="9525">
+                <a:solidFill>
+                  <a:srgbClr val="000000"/>
+                </a:solidFill>
+                <a:miter lim="800000"/>
+                <a:headEnd/>
+                <a:tailEnd/>
+              </a14:hiddenLine>
+            </a:ext>
+          </a:extLst>
+        </p:spPr>
+      </p:pic>
+      <p:pic>
+        <p:nvPicPr>
+          <p:cNvPr id="39" name="Picture 9" descr="https://www.moneysmart.gov.au/media/399935/buying-a-home.png"/>
+          <p:cNvPicPr>
+            <a:picLocks noChangeAspect="1" noChangeArrowheads="1"/>
+          </p:cNvPicPr>
+          <p:nvPr/>
+        </p:nvPicPr>
+        <p:blipFill>
+          <a:blip r:embed="rId4">
+            <a:extLst>
+              <a:ext uri="{28A0092B-C50C-407E-A947-70E740481C1C}">
+                <a14:useLocalDpi xmlns:a14="http://schemas.microsoft.com/office/drawing/2010/main" val="0"/>
+              </a:ext>
+            </a:extLst>
+          </a:blip>
+          <a:srcRect/>
+          <a:stretch>
+            <a:fillRect/>
+          </a:stretch>
+        </p:blipFill>
+        <p:spPr bwMode="auto">
+          <a:xfrm>
+            <a:off x="5129213" y="2039938"/>
+            <a:ext cx="2362200" cy="1628775"/>
+          </a:xfrm>
+          <a:prstGeom prst="rect">
+            <a:avLst/>
+          </a:prstGeom>
+          <a:noFill/>
+          <a:ln>
+            <a:noFill/>
+          </a:ln>
+          <a:extLst>
+            <a:ext uri="{909E8E84-426E-40DD-AFC4-6F175D3DCCD1}">
+              <a14:hiddenFill xmlns:a14="http://schemas.microsoft.com/office/drawing/2010/main">
+                <a:solidFill>
+                  <a:srgbClr val="FFFFFF"/>
+                </a:solidFill>
+              </a14:hiddenFill>
+            </a:ext>
+            <a:ext uri="{91240B29-F687-4F45-9708-019B960494DF}">
+              <a14:hiddenLine xmlns:a14="http://schemas.microsoft.com/office/drawing/2010/main" w="9525">
+                <a:solidFill>
+                  <a:srgbClr val="000000"/>
+                </a:solidFill>
+                <a:miter lim="800000"/>
+                <a:headEnd/>
+                <a:tailEnd/>
+              </a14:hiddenLine>
+            </a:ext>
+          </a:extLst>
+        </p:spPr>
+      </p:pic>
+      <p:sp>
+        <p:nvSpPr>
+          <p:cNvPr id="40" name="Right Arrow 39"/>
+          <p:cNvSpPr/>
+          <p:nvPr/>
+        </p:nvSpPr>
+        <p:spPr>
+          <a:xfrm>
+            <a:off x="3962400" y="2154238"/>
+            <a:ext cx="1074738" cy="590550"/>
+          </a:xfrm>
+          <a:prstGeom prst="rightArrow">
+            <a:avLst/>
+          </a:prstGeom>
+        </p:spPr>
+        <p:style>
+          <a:lnRef idx="2">
+            <a:schemeClr val="accent1">
+              <a:shade val="50000"/>
+            </a:schemeClr>
+          </a:lnRef>
+          <a:fillRef idx="1">
+            <a:schemeClr val="accent1"/>
+          </a:fillRef>
+          <a:effectRef idx="0">
+            <a:schemeClr val="accent1"/>
+          </a:effectRef>
+          <a:fontRef idx="minor">
+            <a:schemeClr val="lt1"/>
+          </a:fontRef>
+        </p:style>
+        <p:txBody>
+          <a:bodyPr anchor="ctr"/>
+          <a:lstStyle/>
+          <a:p>
+            <a:pPr algn="ctr">
+              <a:defRPr/>
+            </a:pPr>
+            <a:endParaRPr lang="en-US"/>
+          </a:p>
+        </p:txBody>
+      </p:sp>
+      <p:pic>
+        <p:nvPicPr>
+          <p:cNvPr id="41" name="Picture 11" descr="http://www.netanimations.net/old_man_walking_with__a_hc.gif"/>
+          <p:cNvPicPr>
+            <a:picLocks noChangeAspect="1" noChangeArrowheads="1" noCrop="1"/>
+          </p:cNvPicPr>
+          <p:nvPr/>
+        </p:nvPicPr>
+        <p:blipFill>
+          <a:blip r:embed="rId5" cstate="print">
+            <a:extLst>
+              <a:ext uri="{28A0092B-C50C-407E-A947-70E740481C1C}">
+                <a14:useLocalDpi xmlns:a14="http://schemas.microsoft.com/office/drawing/2010/main" val="0"/>
+              </a:ext>
+            </a:extLst>
+          </a:blip>
+          <a:srcRect/>
+          <a:stretch>
+            <a:fillRect/>
+          </a:stretch>
+        </p:blipFill>
+        <p:spPr bwMode="auto">
+          <a:xfrm>
+            <a:off x="4117975" y="2803525"/>
+            <a:ext cx="606425" cy="925513"/>
+          </a:xfrm>
+          <a:prstGeom prst="rect">
+            <a:avLst/>
+          </a:prstGeom>
+          <a:noFill/>
+          <a:ln>
+            <a:noFill/>
+          </a:ln>
+          <a:extLst>
+            <a:ext uri="{909E8E84-426E-40DD-AFC4-6F175D3DCCD1}">
+              <a14:hiddenFill xmlns:a14="http://schemas.microsoft.com/office/drawing/2010/main">
+                <a:solidFill>
+                  <a:srgbClr val="FFFFFF"/>
+                </a:solidFill>
+              </a14:hiddenFill>
+            </a:ext>
+            <a:ext uri="{91240B29-F687-4F45-9708-019B960494DF}">
+              <a14:hiddenLine xmlns:a14="http://schemas.microsoft.com/office/drawing/2010/main" w="9525">
+                <a:solidFill>
+                  <a:srgbClr val="000000"/>
+                </a:solidFill>
+                <a:miter lim="800000"/>
+                <a:headEnd/>
+                <a:tailEnd/>
+              </a14:hiddenLine>
+            </a:ext>
+          </a:extLst>
+        </p:spPr>
+      </p:pic>
+    </p:spTree>
+    <p:extLst>
+      <p:ext uri="{BB962C8B-B14F-4D97-AF65-F5344CB8AC3E}">
+        <p14:creationId xmlns:p14="http://schemas.microsoft.com/office/powerpoint/2010/main" val="3317417006"/>
+      </p:ext>
+    </p:extLst>
+  </p:cSld>
+  <p:clrMapOvr>
+    <a:masterClrMapping/>
+  </p:clrMapOvr>
+  <p:transition spd="med"/>
+  <p:timing>
+    <p:tnLst>
+      <p:par>
+        <p:cTn id="1" dur="indefinite" restart="never" nodeType="tmRoot">
+          <p:childTnLst>
+            <p:seq concurrent="1" nextAc="seek">
+              <p:cTn id="2" dur="0" nodeType="mainSeq"/>
+              <p:prevCondLst>
+                <p:cond evt="onPrev" delay="0">
+                  <p:tgtEl>
+                    <p:sldTgt/>
+                  </p:tgtEl>
+                </p:cond>
+              </p:prevCondLst>
+              <p:nextCondLst>
+                <p:cond evt="onNext" delay="0">
+                  <p:tgtEl>
+                    <p:sldTgt/>
+                  </p:tgtEl>
+                </p:cond>
+              </p:nextCondLst>
+            </p:seq>
+          </p:childTnLst>
+        </p:cTn>
+      </p:par>
+    </p:tnLst>
+  </p:timing>
+</p:sld>
+</file>
+
+<file path=ppt/slides/slide5.xml><?xml version="1.0" encoding="utf-8"?>
+<p:sld xmlns:a="http://schemas.openxmlformats.org/drawingml/2006/main" xmlns:r="http://schemas.openxmlformats.org/officeDocument/2006/relationships" xmlns:p="http://schemas.openxmlformats.org/presentationml/2006/main">
+  <p:cSld>
+    <p:spTree>
+      <p:nvGrpSpPr>
+        <p:cNvPr id="1" name=""/>
+        <p:cNvGrpSpPr/>
+        <p:nvPr/>
+      </p:nvGrpSpPr>
+      <p:grpSpPr>
+        <a:xfrm>
+          <a:off x="0" y="0"/>
+          <a:ext cx="0" cy="0"/>
+          <a:chOff x="0" y="0"/>
+          <a:chExt cx="0" cy="0"/>
+        </a:xfrm>
+      </p:grpSpPr>
+      <p:sp>
+        <p:nvSpPr>
+          <p:cNvPr id="8193" name="Rectangle 1"/>
+          <p:cNvSpPr>
+            <a:spLocks noGrp="1" noChangeArrowheads="1"/>
+          </p:cNvSpPr>
+          <p:nvPr>
+            <p:ph type="title" idx="4294967295"/>
+          </p:nvPr>
+        </p:nvSpPr>
+        <p:spPr>
+          <a:xfrm>
+            <a:off x="456481" y="273629"/>
+            <a:ext cx="8228160" cy="1144921"/>
+          </a:xfrm>
+          <a:prstGeom prst="rect">
+            <a:avLst/>
+          </a:prstGeom>
+          <a:ln/>
+        </p:spPr>
+        <p:txBody>
+          <a:bodyPr lIns="82945" tIns="35203" rIns="82945" bIns="41473"/>
+          <a:lstStyle/>
+          <a:p>
+            <a:pPr>
+              <a:tabLst>
+                <a:tab pos="656650" algn="l"/>
+                <a:tab pos="1313299" algn="l"/>
+                <a:tab pos="1969949" algn="l"/>
+                <a:tab pos="2626599" algn="l"/>
+                <a:tab pos="3283248" algn="l"/>
+                <a:tab pos="3939898" algn="l"/>
+                <a:tab pos="4596548" algn="l"/>
+                <a:tab pos="5253198" algn="l"/>
+                <a:tab pos="5909847" algn="l"/>
+                <a:tab pos="6566497" algn="l"/>
+                <a:tab pos="7223147" algn="l"/>
+                <a:tab pos="7879796" algn="l"/>
+              </a:tabLst>
+            </a:pPr>
+            <a:r>
               <a:rPr lang="en-US" sz="4000" dirty="0"/>
               <a:t>Smartphone monitoring and training approaches</a:t>
             </a:r>
@@ -7398,7 +12993,7 @@
   <p:timing>
     <p:tnLst>
       <p:par>
-        <p:cTn id="1" dur="indefinite" nodeType="tmRoot">
+        <p:cTn id="1" dur="indefinite" restart="never" nodeType="tmRoot">
           <p:childTnLst>
             <p:seq concurrent="1" nextAc="seek">
               <p:cTn id="2" dur="0" nodeType="mainSeq"/>
@@ -7425,7 +13020,7 @@
 </p:sld>
 </file>
 
-<file path=ppt/slides/slide5.xml><?xml version="1.0" encoding="utf-8"?>
+<file path=ppt/slides/slide6.xml><?xml version="1.0" encoding="utf-8"?>
 <p:sld xmlns:a="http://schemas.openxmlformats.org/drawingml/2006/main" xmlns:r="http://schemas.openxmlformats.org/officeDocument/2006/relationships" xmlns:p="http://schemas.openxmlformats.org/presentationml/2006/main">
   <p:cSld>
     <p:spTree>
@@ -8153,370 +13748,7 @@
   <p:timing>
     <p:tnLst>
       <p:par>
-        <p:cTn id="1" dur="indefinite" nodeType="tmRoot">
-          <p:childTnLst>
-            <p:seq concurrent="1" nextAc="seek">
-              <p:cTn id="2" dur="0" nodeType="mainSeq"/>
-              <p:prevCondLst>
-                <p:cond evt="onPrev" delay="0">
-                  <p:tgtEl>
-                    <p:sldTgt/>
-                  </p:tgtEl>
-                </p:cond>
-              </p:prevCondLst>
-              <p:nextCondLst>
-                <p:cond evt="onNext" delay="0">
-                  <p:tgtEl>
-                    <p:sldTgt/>
-                  </p:tgtEl>
-                </p:cond>
-              </p:nextCondLst>
-            </p:seq>
-          </p:childTnLst>
-        </p:cTn>
-      </p:par>
-    </p:tnLst>
-  </p:timing>
-</p:sld>
-</file>
-
-<file path=ppt/slides/slide6.xml><?xml version="1.0" encoding="utf-8"?>
-<p:sld xmlns:a="http://schemas.openxmlformats.org/drawingml/2006/main" xmlns:r="http://schemas.openxmlformats.org/officeDocument/2006/relationships" xmlns:p="http://schemas.openxmlformats.org/presentationml/2006/main">
-  <p:cSld>
-    <p:spTree>
-      <p:nvGrpSpPr>
-        <p:cNvPr id="1" name=""/>
-        <p:cNvGrpSpPr/>
-        <p:nvPr/>
-      </p:nvGrpSpPr>
-      <p:grpSpPr>
-        <a:xfrm>
-          <a:off x="0" y="0"/>
-          <a:ext cx="0" cy="0"/>
-          <a:chOff x="0" y="0"/>
-          <a:chExt cx="0" cy="0"/>
-        </a:xfrm>
-      </p:grpSpPr>
-      <p:sp>
-        <p:nvSpPr>
-          <p:cNvPr id="8193" name="Rectangle 1"/>
-          <p:cNvSpPr>
-            <a:spLocks noGrp="1" noChangeArrowheads="1"/>
-          </p:cNvSpPr>
-          <p:nvPr>
-            <p:ph type="title" idx="4294967295"/>
-          </p:nvPr>
-        </p:nvSpPr>
-        <p:spPr>
-          <a:xfrm>
-            <a:off x="456481" y="273629"/>
-            <a:ext cx="8228160" cy="1144921"/>
-          </a:xfrm>
-          <a:prstGeom prst="rect">
-            <a:avLst/>
-          </a:prstGeom>
-          <a:ln/>
-        </p:spPr>
-        <p:txBody>
-          <a:bodyPr lIns="82945" tIns="35203" rIns="82945" bIns="41473"/>
-          <a:lstStyle/>
-          <a:p>
-            <a:pPr>
-              <a:tabLst>
-                <a:tab pos="656650" algn="l"/>
-                <a:tab pos="1313299" algn="l"/>
-                <a:tab pos="1969949" algn="l"/>
-                <a:tab pos="2626599" algn="l"/>
-                <a:tab pos="3283248" algn="l"/>
-                <a:tab pos="3939898" algn="l"/>
-                <a:tab pos="4596548" algn="l"/>
-                <a:tab pos="5253198" algn="l"/>
-                <a:tab pos="5909847" algn="l"/>
-                <a:tab pos="6566497" algn="l"/>
-                <a:tab pos="7223147" algn="l"/>
-                <a:tab pos="7879796" algn="l"/>
-              </a:tabLst>
-            </a:pPr>
-            <a:r>
-              <a:rPr lang="en-US" sz="4000" dirty="0" smtClean="0"/>
-              <a:t>New insights in COPD</a:t>
-            </a:r>
-            <a:endParaRPr lang="en-US" altLang="it-IT" sz="4000" dirty="0"/>
-          </a:p>
-        </p:txBody>
-      </p:sp>
-      <p:sp>
-        <p:nvSpPr>
-          <p:cNvPr id="13" name="Text Placeholder 2_"/>
-          <p:cNvSpPr txBox="1">
-            <a:spLocks/>
-          </p:cNvSpPr>
-          <p:nvPr/>
-        </p:nvSpPr>
-        <p:spPr bwMode="auto">
-          <a:xfrm>
-            <a:off x="304800" y="3359150"/>
-            <a:ext cx="8534400" cy="1365250"/>
-          </a:xfrm>
-          <a:prstGeom prst="rect">
-            <a:avLst/>
-          </a:prstGeom>
-          <a:noFill/>
-          <a:ln>
-            <a:noFill/>
-          </a:ln>
-          <a:extLst>
-            <a:ext uri="{909E8E84-426E-40DD-AFC4-6F175D3DCCD1}">
-              <a14:hiddenFill xmlns:a14="http://schemas.microsoft.com/office/drawing/2010/main">
-                <a:solidFill>
-                  <a:srgbClr val="FFFFFF"/>
-                </a:solidFill>
-              </a14:hiddenFill>
-            </a:ext>
-            <a:ext uri="{91240B29-F687-4F45-9708-019B960494DF}">
-              <a14:hiddenLine xmlns:a14="http://schemas.microsoft.com/office/drawing/2010/main" w="9525">
-                <a:solidFill>
-                  <a:srgbClr val="000000"/>
-                </a:solidFill>
-                <a:miter lim="800000"/>
-                <a:headEnd/>
-                <a:tailEnd/>
-              </a14:hiddenLine>
-            </a:ext>
-          </a:extLst>
-        </p:spPr>
-        <p:txBody>
-          <a:bodyPr lIns="0" tIns="0" rIns="0" bIns="0"/>
-          <a:lstStyle>
-            <a:lvl1pPr eaLnBrk="0" hangingPunct="0">
-              <a:defRPr>
-                <a:solidFill>
-                  <a:schemeClr val="tx1"/>
-                </a:solidFill>
-                <a:latin typeface="Calibri" pitchFamily="34" charset="0"/>
-                <a:cs typeface="Arial" charset="0"/>
-              </a:defRPr>
-            </a:lvl1pPr>
-            <a:lvl2pPr marL="742950" indent="-285750" eaLnBrk="0" hangingPunct="0">
-              <a:defRPr>
-                <a:solidFill>
-                  <a:schemeClr val="tx1"/>
-                </a:solidFill>
-                <a:latin typeface="Calibri" pitchFamily="34" charset="0"/>
-                <a:cs typeface="Arial" charset="0"/>
-              </a:defRPr>
-            </a:lvl2pPr>
-            <a:lvl3pPr marL="1143000" indent="-228600" eaLnBrk="0" hangingPunct="0">
-              <a:defRPr>
-                <a:solidFill>
-                  <a:schemeClr val="tx1"/>
-                </a:solidFill>
-                <a:latin typeface="Calibri" pitchFamily="34" charset="0"/>
-                <a:cs typeface="Arial" charset="0"/>
-              </a:defRPr>
-            </a:lvl3pPr>
-            <a:lvl4pPr marL="1600200" indent="-228600" eaLnBrk="0" hangingPunct="0">
-              <a:defRPr>
-                <a:solidFill>
-                  <a:schemeClr val="tx1"/>
-                </a:solidFill>
-                <a:latin typeface="Calibri" pitchFamily="34" charset="0"/>
-                <a:cs typeface="Arial" charset="0"/>
-              </a:defRPr>
-            </a:lvl4pPr>
-            <a:lvl5pPr marL="2057400" indent="-228600" eaLnBrk="0" hangingPunct="0">
-              <a:defRPr>
-                <a:solidFill>
-                  <a:schemeClr val="tx1"/>
-                </a:solidFill>
-                <a:latin typeface="Calibri" pitchFamily="34" charset="0"/>
-                <a:cs typeface="Arial" charset="0"/>
-              </a:defRPr>
-            </a:lvl5pPr>
-            <a:lvl6pPr marL="2514600" indent="-228600" eaLnBrk="0" fontAlgn="base" hangingPunct="0">
-              <a:spcBef>
-                <a:spcPct val="0"/>
-              </a:spcBef>
-              <a:spcAft>
-                <a:spcPct val="0"/>
-              </a:spcAft>
-              <a:defRPr>
-                <a:solidFill>
-                  <a:schemeClr val="tx1"/>
-                </a:solidFill>
-                <a:latin typeface="Calibri" pitchFamily="34" charset="0"/>
-                <a:cs typeface="Arial" charset="0"/>
-              </a:defRPr>
-            </a:lvl6pPr>
-            <a:lvl7pPr marL="2971800" indent="-228600" eaLnBrk="0" fontAlgn="base" hangingPunct="0">
-              <a:spcBef>
-                <a:spcPct val="0"/>
-              </a:spcBef>
-              <a:spcAft>
-                <a:spcPct val="0"/>
-              </a:spcAft>
-              <a:defRPr>
-                <a:solidFill>
-                  <a:schemeClr val="tx1"/>
-                </a:solidFill>
-                <a:latin typeface="Calibri" pitchFamily="34" charset="0"/>
-                <a:cs typeface="Arial" charset="0"/>
-              </a:defRPr>
-            </a:lvl7pPr>
-            <a:lvl8pPr marL="3429000" indent="-228600" eaLnBrk="0" fontAlgn="base" hangingPunct="0">
-              <a:spcBef>
-                <a:spcPct val="0"/>
-              </a:spcBef>
-              <a:spcAft>
-                <a:spcPct val="0"/>
-              </a:spcAft>
-              <a:defRPr>
-                <a:solidFill>
-                  <a:schemeClr val="tx1"/>
-                </a:solidFill>
-                <a:latin typeface="Calibri" pitchFamily="34" charset="0"/>
-                <a:cs typeface="Arial" charset="0"/>
-              </a:defRPr>
-            </a:lvl8pPr>
-            <a:lvl9pPr marL="3886200" indent="-228600" eaLnBrk="0" fontAlgn="base" hangingPunct="0">
-              <a:spcBef>
-                <a:spcPct val="0"/>
-              </a:spcBef>
-              <a:spcAft>
-                <a:spcPct val="0"/>
-              </a:spcAft>
-              <a:defRPr>
-                <a:solidFill>
-                  <a:schemeClr val="tx1"/>
-                </a:solidFill>
-                <a:latin typeface="Calibri" pitchFamily="34" charset="0"/>
-                <a:cs typeface="Arial" charset="0"/>
-              </a:defRPr>
-            </a:lvl9pPr>
-          </a:lstStyle>
-          <a:p>
-            <a:pPr algn="just"/>
-            <a:r>
-              <a:rPr lang="en-US" sz="1600" dirty="0" err="1" smtClean="0"/>
-              <a:t>Mesquita</a:t>
-            </a:r>
-            <a:r>
-              <a:rPr lang="en-US" sz="1600" dirty="0" smtClean="0"/>
-              <a:t>, Spina et al. </a:t>
-            </a:r>
-            <a:r>
-              <a:rPr lang="en-US" sz="1600" b="1" dirty="0"/>
-              <a:t>Physical activity patterns and clusters in 1001 patients with chronic obstructive pulmonary disease.</a:t>
-            </a:r>
-            <a:r>
-              <a:rPr lang="en-US" sz="1600" dirty="0" smtClean="0"/>
-              <a:t> </a:t>
-            </a:r>
-            <a:r>
-              <a:rPr lang="it-IT" sz="1600" dirty="0" smtClean="0"/>
-              <a:t>Submitted to Thorax, (submitted).</a:t>
-            </a:r>
-            <a:endParaRPr lang="en-US" altLang="it-IT" sz="1600" dirty="0"/>
-          </a:p>
-        </p:txBody>
-      </p:sp>
-      <p:pic>
-        <p:nvPicPr>
-          <p:cNvPr id="27651" name="Picture 3" descr="D:\Condiviso\TUe\COPDBodyMedia\COPDBodyMedia_paper\Draft\Thorax\Figures\Figure5.jpg"/>
-          <p:cNvPicPr>
-            <a:picLocks noChangeAspect="1" noChangeArrowheads="1"/>
-          </p:cNvPicPr>
-          <p:nvPr/>
-        </p:nvPicPr>
-        <p:blipFill>
-          <a:blip r:embed="rId3" cstate="print">
-            <a:extLst>
-              <a:ext uri="{28A0092B-C50C-407E-A947-70E740481C1C}">
-                <a14:useLocalDpi xmlns:a14="http://schemas.microsoft.com/office/drawing/2010/main" val="0"/>
-              </a:ext>
-            </a:extLst>
-          </a:blip>
-          <a:srcRect/>
-          <a:stretch>
-            <a:fillRect/>
-          </a:stretch>
-        </p:blipFill>
-        <p:spPr bwMode="auto">
-          <a:xfrm>
-            <a:off x="4604657" y="1039131"/>
-            <a:ext cx="2979737" cy="2235200"/>
-          </a:xfrm>
-          <a:prstGeom prst="rect">
-            <a:avLst/>
-          </a:prstGeom>
-          <a:noFill/>
-          <a:extLst>
-            <a:ext uri="{909E8E84-426E-40DD-AFC4-6F175D3DCCD1}">
-              <a14:hiddenFill xmlns:a14="http://schemas.microsoft.com/office/drawing/2010/main">
-                <a:solidFill>
-                  <a:srgbClr val="FFFFFF"/>
-                </a:solidFill>
-              </a14:hiddenFill>
-            </a:ext>
-          </a:extLst>
-        </p:spPr>
-      </p:pic>
-      <p:pic>
-        <p:nvPicPr>
-          <p:cNvPr id="27653" name="Picture 5" descr="D:\Condiviso\TUe\COPDBodyMedia\COPDBodyMedia_paper\Draft\Thorax\Figures\Figure6_resized.jpg"/>
-          <p:cNvPicPr>
-            <a:picLocks noChangeAspect="1" noChangeArrowheads="1"/>
-          </p:cNvPicPr>
-          <p:nvPr/>
-        </p:nvPicPr>
-        <p:blipFill>
-          <a:blip r:embed="rId4" cstate="print">
-            <a:extLst>
-              <a:ext uri="{28A0092B-C50C-407E-A947-70E740481C1C}">
-                <a14:useLocalDpi xmlns:a14="http://schemas.microsoft.com/office/drawing/2010/main" val="0"/>
-              </a:ext>
-            </a:extLst>
-          </a:blip>
-          <a:srcRect/>
-          <a:stretch>
-            <a:fillRect/>
-          </a:stretch>
-        </p:blipFill>
-        <p:spPr bwMode="auto">
-          <a:xfrm>
-            <a:off x="1496951" y="1085951"/>
-            <a:ext cx="2953522" cy="2215140"/>
-          </a:xfrm>
-          <a:prstGeom prst="rect">
-            <a:avLst/>
-          </a:prstGeom>
-          <a:noFill/>
-          <a:extLst>
-            <a:ext uri="{909E8E84-426E-40DD-AFC4-6F175D3DCCD1}">
-              <a14:hiddenFill xmlns:a14="http://schemas.microsoft.com/office/drawing/2010/main">
-                <a:solidFill>
-                  <a:srgbClr val="FFFFFF"/>
-                </a:solidFill>
-              </a14:hiddenFill>
-            </a:ext>
-          </a:extLst>
-        </p:spPr>
-      </p:pic>
-    </p:spTree>
-    <p:extLst>
-      <p:ext uri="{BB962C8B-B14F-4D97-AF65-F5344CB8AC3E}">
-        <p14:creationId xmlns:p14="http://schemas.microsoft.com/office/powerpoint/2010/main" val="512398034"/>
-      </p:ext>
-    </p:extLst>
-  </p:cSld>
-  <p:clrMapOvr>
-    <a:masterClrMapping/>
-  </p:clrMapOvr>
-  <p:transition spd="med"/>
-  <p:timing>
-    <p:tnLst>
-      <p:par>
-        <p:cTn id="1" dur="indefinite" nodeType="tmRoot">
+        <p:cTn id="1" dur="indefinite" restart="never" nodeType="tmRoot">
           <p:childTnLst>
             <p:seq concurrent="1" nextAc="seek">
               <p:cTn id="2" dur="0" nodeType="mainSeq"/>
@@ -8610,189 +13842,6 @@
       </p:sp>
       <p:sp>
         <p:nvSpPr>
-          <p:cNvPr id="37" name="Text Placeholder 2_"/>
-          <p:cNvSpPr txBox="1">
-            <a:spLocks/>
-          </p:cNvSpPr>
-          <p:nvPr/>
-        </p:nvSpPr>
-        <p:spPr bwMode="auto">
-          <a:xfrm>
-            <a:off x="304800" y="6011636"/>
-            <a:ext cx="8534400" cy="1365250"/>
-          </a:xfrm>
-          <a:prstGeom prst="rect">
-            <a:avLst/>
-          </a:prstGeom>
-          <a:noFill/>
-          <a:ln>
-            <a:noFill/>
-          </a:ln>
-          <a:extLst>
-            <a:ext uri="{909E8E84-426E-40DD-AFC4-6F175D3DCCD1}">
-              <a14:hiddenFill xmlns:a14="http://schemas.microsoft.com/office/drawing/2010/main">
-                <a:solidFill>
-                  <a:srgbClr val="FFFFFF"/>
-                </a:solidFill>
-              </a14:hiddenFill>
-            </a:ext>
-            <a:ext uri="{91240B29-F687-4F45-9708-019B960494DF}">
-              <a14:hiddenLine xmlns:a14="http://schemas.microsoft.com/office/drawing/2010/main" w="9525">
-                <a:solidFill>
-                  <a:srgbClr val="000000"/>
-                </a:solidFill>
-                <a:miter lim="800000"/>
-                <a:headEnd/>
-                <a:tailEnd/>
-              </a14:hiddenLine>
-            </a:ext>
-          </a:extLst>
-        </p:spPr>
-        <p:txBody>
-          <a:bodyPr lIns="0" tIns="0" rIns="0" bIns="0"/>
-          <a:lstStyle>
-            <a:lvl1pPr eaLnBrk="0" hangingPunct="0">
-              <a:defRPr>
-                <a:solidFill>
-                  <a:schemeClr val="tx1"/>
-                </a:solidFill>
-                <a:latin typeface="Calibri" pitchFamily="34" charset="0"/>
-                <a:cs typeface="Arial" charset="0"/>
-              </a:defRPr>
-            </a:lvl1pPr>
-            <a:lvl2pPr marL="742950" indent="-285750" eaLnBrk="0" hangingPunct="0">
-              <a:defRPr>
-                <a:solidFill>
-                  <a:schemeClr val="tx1"/>
-                </a:solidFill>
-                <a:latin typeface="Calibri" pitchFamily="34" charset="0"/>
-                <a:cs typeface="Arial" charset="0"/>
-              </a:defRPr>
-            </a:lvl2pPr>
-            <a:lvl3pPr marL="1143000" indent="-228600" eaLnBrk="0" hangingPunct="0">
-              <a:defRPr>
-                <a:solidFill>
-                  <a:schemeClr val="tx1"/>
-                </a:solidFill>
-                <a:latin typeface="Calibri" pitchFamily="34" charset="0"/>
-                <a:cs typeface="Arial" charset="0"/>
-              </a:defRPr>
-            </a:lvl3pPr>
-            <a:lvl4pPr marL="1600200" indent="-228600" eaLnBrk="0" hangingPunct="0">
-              <a:defRPr>
-                <a:solidFill>
-                  <a:schemeClr val="tx1"/>
-                </a:solidFill>
-                <a:latin typeface="Calibri" pitchFamily="34" charset="0"/>
-                <a:cs typeface="Arial" charset="0"/>
-              </a:defRPr>
-            </a:lvl4pPr>
-            <a:lvl5pPr marL="2057400" indent="-228600" eaLnBrk="0" hangingPunct="0">
-              <a:defRPr>
-                <a:solidFill>
-                  <a:schemeClr val="tx1"/>
-                </a:solidFill>
-                <a:latin typeface="Calibri" pitchFamily="34" charset="0"/>
-                <a:cs typeface="Arial" charset="0"/>
-              </a:defRPr>
-            </a:lvl5pPr>
-            <a:lvl6pPr marL="2514600" indent="-228600" eaLnBrk="0" fontAlgn="base" hangingPunct="0">
-              <a:spcBef>
-                <a:spcPct val="0"/>
-              </a:spcBef>
-              <a:spcAft>
-                <a:spcPct val="0"/>
-              </a:spcAft>
-              <a:defRPr>
-                <a:solidFill>
-                  <a:schemeClr val="tx1"/>
-                </a:solidFill>
-                <a:latin typeface="Calibri" pitchFamily="34" charset="0"/>
-                <a:cs typeface="Arial" charset="0"/>
-              </a:defRPr>
-            </a:lvl6pPr>
-            <a:lvl7pPr marL="2971800" indent="-228600" eaLnBrk="0" fontAlgn="base" hangingPunct="0">
-              <a:spcBef>
-                <a:spcPct val="0"/>
-              </a:spcBef>
-              <a:spcAft>
-                <a:spcPct val="0"/>
-              </a:spcAft>
-              <a:defRPr>
-                <a:solidFill>
-                  <a:schemeClr val="tx1"/>
-                </a:solidFill>
-                <a:latin typeface="Calibri" pitchFamily="34" charset="0"/>
-                <a:cs typeface="Arial" charset="0"/>
-              </a:defRPr>
-            </a:lvl7pPr>
-            <a:lvl8pPr marL="3429000" indent="-228600" eaLnBrk="0" fontAlgn="base" hangingPunct="0">
-              <a:spcBef>
-                <a:spcPct val="0"/>
-              </a:spcBef>
-              <a:spcAft>
-                <a:spcPct val="0"/>
-              </a:spcAft>
-              <a:defRPr>
-                <a:solidFill>
-                  <a:schemeClr val="tx1"/>
-                </a:solidFill>
-                <a:latin typeface="Calibri" pitchFamily="34" charset="0"/>
-                <a:cs typeface="Arial" charset="0"/>
-              </a:defRPr>
-            </a:lvl8pPr>
-            <a:lvl9pPr marL="3886200" indent="-228600" eaLnBrk="0" fontAlgn="base" hangingPunct="0">
-              <a:spcBef>
-                <a:spcPct val="0"/>
-              </a:spcBef>
-              <a:spcAft>
-                <a:spcPct val="0"/>
-              </a:spcAft>
-              <a:defRPr>
-                <a:solidFill>
-                  <a:schemeClr val="tx1"/>
-                </a:solidFill>
-                <a:latin typeface="Calibri" pitchFamily="34" charset="0"/>
-                <a:cs typeface="Arial" charset="0"/>
-              </a:defRPr>
-            </a:lvl9pPr>
-          </a:lstStyle>
-          <a:p>
-            <a:pPr algn="just"/>
-            <a:r>
-              <a:rPr lang="en-US" sz="1600" dirty="0" smtClean="0"/>
-              <a:t>Spina et al. </a:t>
-            </a:r>
-            <a:r>
-              <a:rPr lang="en-US" sz="1600" b="1" dirty="0"/>
-              <a:t>Identifying Physical Activity Profiles in </a:t>
-            </a:r>
-            <a:r>
-              <a:rPr lang="en-US" sz="1600" b="1" dirty="0" smtClean="0"/>
-              <a:t>COPD Patients </a:t>
-            </a:r>
-            <a:r>
-              <a:rPr lang="en-US" sz="1600" b="1" dirty="0"/>
-              <a:t>Using Topic Models.</a:t>
-            </a:r>
-            <a:r>
-              <a:rPr lang="en-US" sz="1600" dirty="0" smtClean="0"/>
-              <a:t> </a:t>
-            </a:r>
-            <a:r>
-              <a:rPr lang="en-US" sz="1600" dirty="0"/>
-              <a:t>IEEE JOURNAL OF BIOMEDICAL AND HEALTH INFORMATICS</a:t>
-            </a:r>
-            <a:r>
-              <a:rPr lang="it-IT" sz="1600" dirty="0" smtClean="0"/>
-              <a:t>, 2015 (submitted)</a:t>
-            </a:r>
-            <a:endParaRPr lang="en-US" altLang="it-IT" sz="1600" dirty="0"/>
-          </a:p>
-        </p:txBody>
-      </p:sp>
-      <p:sp>
-        <p:nvSpPr>
           <p:cNvPr id="13" name="Text Placeholder 2_"/>
           <p:cNvSpPr txBox="1">
             <a:spLocks/>
@@ -9048,64 +14097,10 @@
           </a:extLst>
         </p:spPr>
       </p:pic>
-      <p:pic>
-        <p:nvPicPr>
-          <p:cNvPr id="27656" name="Picture 8"/>
-          <p:cNvPicPr>
-            <a:picLocks noChangeAspect="1" noChangeArrowheads="1"/>
-          </p:cNvPicPr>
-          <p:nvPr/>
-        </p:nvPicPr>
-        <p:blipFill>
-          <a:blip r:embed="rId5">
-            <a:extLst>
-              <a:ext uri="{28A0092B-C50C-407E-A947-70E740481C1C}">
-                <a14:useLocalDpi xmlns:a14="http://schemas.microsoft.com/office/drawing/2010/main" val="0"/>
-              </a:ext>
-            </a:extLst>
-          </a:blip>
-          <a:srcRect/>
-          <a:stretch>
-            <a:fillRect/>
-          </a:stretch>
-        </p:blipFill>
-        <p:spPr bwMode="auto">
-          <a:xfrm flipV="1">
-            <a:off x="1807481" y="3988656"/>
-            <a:ext cx="5776913" cy="1954944"/>
-          </a:xfrm>
-          <a:prstGeom prst="rect">
-            <a:avLst/>
-          </a:prstGeom>
-          <a:noFill/>
-          <a:ln>
-            <a:noFill/>
-          </a:ln>
-          <a:extLst>
-            <a:ext uri="{909E8E84-426E-40DD-AFC4-6F175D3DCCD1}">
-              <a14:hiddenFill xmlns:a14="http://schemas.microsoft.com/office/drawing/2010/main">
-                <a:solidFill>
-                  <a:schemeClr val="accent1"/>
-                </a:solidFill>
-              </a14:hiddenFill>
-            </a:ext>
-            <a:ext uri="{91240B29-F687-4F45-9708-019B960494DF}">
-              <a14:hiddenLine xmlns:a14="http://schemas.microsoft.com/office/drawing/2010/main" w="9525">
-                <a:solidFill>
-                  <a:schemeClr val="tx1"/>
-                </a:solidFill>
-                <a:miter lim="800000"/>
-                <a:headEnd/>
-                <a:tailEnd/>
-              </a14:hiddenLine>
-            </a:ext>
-          </a:extLst>
-        </p:spPr>
-      </p:pic>
     </p:spTree>
     <p:extLst>
       <p:ext uri="{BB962C8B-B14F-4D97-AF65-F5344CB8AC3E}">
-        <p14:creationId xmlns:p14="http://schemas.microsoft.com/office/powerpoint/2010/main" val="398069072"/>
+        <p14:creationId xmlns:p14="http://schemas.microsoft.com/office/powerpoint/2010/main" val="512398034"/>
       </p:ext>
     </p:extLst>
   </p:cSld>
@@ -9116,7 +14111,7 @@
   <p:timing>
     <p:tnLst>
       <p:par>
-        <p:cTn id="1" dur="indefinite" nodeType="tmRoot">
+        <p:cTn id="1" dur="indefinite" restart="never" nodeType="tmRoot">
           <p:childTnLst>
             <p:seq concurrent="1" nextAc="seek">
               <p:cTn id="2" dur="0" nodeType="mainSeq"/>
@@ -9202,9 +14197,192 @@
             </a:pPr>
             <a:r>
               <a:rPr lang="en-US" sz="4000" dirty="0" smtClean="0"/>
-              <a:t>New monitoring solutions</a:t>
+              <a:t>New insights in COPD</a:t>
             </a:r>
             <a:endParaRPr lang="en-US" altLang="it-IT" sz="4000" dirty="0"/>
+          </a:p>
+        </p:txBody>
+      </p:sp>
+      <p:sp>
+        <p:nvSpPr>
+          <p:cNvPr id="37" name="Text Placeholder 2_"/>
+          <p:cNvSpPr txBox="1">
+            <a:spLocks/>
+          </p:cNvSpPr>
+          <p:nvPr/>
+        </p:nvSpPr>
+        <p:spPr bwMode="auto">
+          <a:xfrm>
+            <a:off x="304800" y="6011636"/>
+            <a:ext cx="8534400" cy="1365250"/>
+          </a:xfrm>
+          <a:prstGeom prst="rect">
+            <a:avLst/>
+          </a:prstGeom>
+          <a:noFill/>
+          <a:ln>
+            <a:noFill/>
+          </a:ln>
+          <a:extLst>
+            <a:ext uri="{909E8E84-426E-40DD-AFC4-6F175D3DCCD1}">
+              <a14:hiddenFill xmlns:a14="http://schemas.microsoft.com/office/drawing/2010/main">
+                <a:solidFill>
+                  <a:srgbClr val="FFFFFF"/>
+                </a:solidFill>
+              </a14:hiddenFill>
+            </a:ext>
+            <a:ext uri="{91240B29-F687-4F45-9708-019B960494DF}">
+              <a14:hiddenLine xmlns:a14="http://schemas.microsoft.com/office/drawing/2010/main" w="9525">
+                <a:solidFill>
+                  <a:srgbClr val="000000"/>
+                </a:solidFill>
+                <a:miter lim="800000"/>
+                <a:headEnd/>
+                <a:tailEnd/>
+              </a14:hiddenLine>
+            </a:ext>
+          </a:extLst>
+        </p:spPr>
+        <p:txBody>
+          <a:bodyPr lIns="0" tIns="0" rIns="0" bIns="0"/>
+          <a:lstStyle>
+            <a:lvl1pPr eaLnBrk="0" hangingPunct="0">
+              <a:defRPr>
+                <a:solidFill>
+                  <a:schemeClr val="tx1"/>
+                </a:solidFill>
+                <a:latin typeface="Calibri" pitchFamily="34" charset="0"/>
+                <a:cs typeface="Arial" charset="0"/>
+              </a:defRPr>
+            </a:lvl1pPr>
+            <a:lvl2pPr marL="742950" indent="-285750" eaLnBrk="0" hangingPunct="0">
+              <a:defRPr>
+                <a:solidFill>
+                  <a:schemeClr val="tx1"/>
+                </a:solidFill>
+                <a:latin typeface="Calibri" pitchFamily="34" charset="0"/>
+                <a:cs typeface="Arial" charset="0"/>
+              </a:defRPr>
+            </a:lvl2pPr>
+            <a:lvl3pPr marL="1143000" indent="-228600" eaLnBrk="0" hangingPunct="0">
+              <a:defRPr>
+                <a:solidFill>
+                  <a:schemeClr val="tx1"/>
+                </a:solidFill>
+                <a:latin typeface="Calibri" pitchFamily="34" charset="0"/>
+                <a:cs typeface="Arial" charset="0"/>
+              </a:defRPr>
+            </a:lvl3pPr>
+            <a:lvl4pPr marL="1600200" indent="-228600" eaLnBrk="0" hangingPunct="0">
+              <a:defRPr>
+                <a:solidFill>
+                  <a:schemeClr val="tx1"/>
+                </a:solidFill>
+                <a:latin typeface="Calibri" pitchFamily="34" charset="0"/>
+                <a:cs typeface="Arial" charset="0"/>
+              </a:defRPr>
+            </a:lvl4pPr>
+            <a:lvl5pPr marL="2057400" indent="-228600" eaLnBrk="0" hangingPunct="0">
+              <a:defRPr>
+                <a:solidFill>
+                  <a:schemeClr val="tx1"/>
+                </a:solidFill>
+                <a:latin typeface="Calibri" pitchFamily="34" charset="0"/>
+                <a:cs typeface="Arial" charset="0"/>
+              </a:defRPr>
+            </a:lvl5pPr>
+            <a:lvl6pPr marL="2514600" indent="-228600" eaLnBrk="0" fontAlgn="base" hangingPunct="0">
+              <a:spcBef>
+                <a:spcPct val="0"/>
+              </a:spcBef>
+              <a:spcAft>
+                <a:spcPct val="0"/>
+              </a:spcAft>
+              <a:defRPr>
+                <a:solidFill>
+                  <a:schemeClr val="tx1"/>
+                </a:solidFill>
+                <a:latin typeface="Calibri" pitchFamily="34" charset="0"/>
+                <a:cs typeface="Arial" charset="0"/>
+              </a:defRPr>
+            </a:lvl6pPr>
+            <a:lvl7pPr marL="2971800" indent="-228600" eaLnBrk="0" fontAlgn="base" hangingPunct="0">
+              <a:spcBef>
+                <a:spcPct val="0"/>
+              </a:spcBef>
+              <a:spcAft>
+                <a:spcPct val="0"/>
+              </a:spcAft>
+              <a:defRPr>
+                <a:solidFill>
+                  <a:schemeClr val="tx1"/>
+                </a:solidFill>
+                <a:latin typeface="Calibri" pitchFamily="34" charset="0"/>
+                <a:cs typeface="Arial" charset="0"/>
+              </a:defRPr>
+            </a:lvl7pPr>
+            <a:lvl8pPr marL="3429000" indent="-228600" eaLnBrk="0" fontAlgn="base" hangingPunct="0">
+              <a:spcBef>
+                <a:spcPct val="0"/>
+              </a:spcBef>
+              <a:spcAft>
+                <a:spcPct val="0"/>
+              </a:spcAft>
+              <a:defRPr>
+                <a:solidFill>
+                  <a:schemeClr val="tx1"/>
+                </a:solidFill>
+                <a:latin typeface="Calibri" pitchFamily="34" charset="0"/>
+                <a:cs typeface="Arial" charset="0"/>
+              </a:defRPr>
+            </a:lvl8pPr>
+            <a:lvl9pPr marL="3886200" indent="-228600" eaLnBrk="0" fontAlgn="base" hangingPunct="0">
+              <a:spcBef>
+                <a:spcPct val="0"/>
+              </a:spcBef>
+              <a:spcAft>
+                <a:spcPct val="0"/>
+              </a:spcAft>
+              <a:defRPr>
+                <a:solidFill>
+                  <a:schemeClr val="tx1"/>
+                </a:solidFill>
+                <a:latin typeface="Calibri" pitchFamily="34" charset="0"/>
+                <a:cs typeface="Arial" charset="0"/>
+              </a:defRPr>
+            </a:lvl9pPr>
+          </a:lstStyle>
+          <a:p>
+            <a:pPr algn="just"/>
+            <a:r>
+              <a:rPr lang="en-US" sz="1600" dirty="0" smtClean="0"/>
+              <a:t>Spina et al. </a:t>
+            </a:r>
+            <a:r>
+              <a:rPr lang="en-US" sz="1600" b="1" dirty="0"/>
+              <a:t>Identifying Physical Activity Profiles in </a:t>
+            </a:r>
+            <a:r>
+              <a:rPr lang="en-US" sz="1600" b="1" dirty="0" smtClean="0"/>
+              <a:t>COPD Patients </a:t>
+            </a:r>
+            <a:r>
+              <a:rPr lang="en-US" sz="1600" b="1" dirty="0"/>
+              <a:t>Using Topic Models.</a:t>
+            </a:r>
+            <a:r>
+              <a:rPr lang="en-US" sz="1600" dirty="0" smtClean="0"/>
+              <a:t> </a:t>
+            </a:r>
+            <a:r>
+              <a:rPr lang="en-US" sz="1600" dirty="0"/>
+              <a:t>IEEE JOURNAL OF BIOMEDICAL AND HEALTH INFORMATICS</a:t>
+            </a:r>
+            <a:r>
+              <a:rPr lang="it-IT" sz="1600" dirty="0" smtClean="0"/>
+              <a:t>, 2015 (submitted)</a:t>
+            </a:r>
+            <a:endParaRPr lang="en-US" altLang="it-IT" sz="1600" dirty="0"/>
           </a:p>
         </p:txBody>
       </p:sp>
@@ -9360,16 +14538,16 @@
           <a:p>
             <a:pPr algn="just"/>
             <a:r>
-              <a:rPr lang="en-US" sz="1600" dirty="0" smtClean="0"/>
-              <a:t>Spina et al. </a:t>
+              <a:rPr lang="en-US" sz="1600" dirty="0" err="1" smtClean="0"/>
+              <a:t>Mesquita</a:t>
             </a:r>
             <a:r>
-              <a:rPr lang="en-US" sz="1600" b="1" dirty="0" err="1" smtClean="0"/>
-              <a:t>Smartscope</a:t>
+              <a:rPr lang="en-US" sz="1600" dirty="0" smtClean="0"/>
+              <a:t>, Spina et al. </a:t>
             </a:r>
             <a:r>
-              <a:rPr lang="en-US" sz="1600" b="1" dirty="0" smtClean="0"/>
-              <a:t>.</a:t>
+              <a:rPr lang="en-US" sz="1600" b="1" dirty="0"/>
+              <a:t>Physical activity patterns and clusters in 1001 patients with chronic obstructive pulmonary disease.</a:t>
             </a:r>
             <a:r>
               <a:rPr lang="en-US" sz="1600" dirty="0" smtClean="0"/>
@@ -9377,155 +14555,22 @@
             </a:r>
             <a:r>
               <a:rPr lang="it-IT" sz="1600" dirty="0" smtClean="0"/>
-              <a:t>Planned.</a:t>
+              <a:t>Submitted to Thorax, (submitted).</a:t>
             </a:r>
             <a:endParaRPr lang="en-US" altLang="it-IT" sz="1600" dirty="0"/>
           </a:p>
         </p:txBody>
       </p:sp>
-      <p:grpSp>
-        <p:nvGrpSpPr>
-          <p:cNvPr id="8" name="Group 2"/>
-          <p:cNvGrpSpPr>
-            <a:grpSpLocks/>
-          </p:cNvGrpSpPr>
-          <p:nvPr/>
-        </p:nvGrpSpPr>
-        <p:grpSpPr bwMode="auto">
-          <a:xfrm>
-            <a:off x="1066800" y="1865848"/>
-            <a:ext cx="1752600" cy="813907"/>
-            <a:chOff x="71438" y="2160588"/>
-            <a:chExt cx="2519362" cy="1343818"/>
-          </a:xfrm>
-        </p:grpSpPr>
-        <p:pic>
-          <p:nvPicPr>
-            <p:cNvPr id="9" name="Picture 3"/>
-            <p:cNvPicPr>
-              <a:picLocks noChangeAspect="1" noChangeArrowheads="1"/>
-            </p:cNvPicPr>
-            <p:nvPr/>
-          </p:nvPicPr>
-          <p:blipFill>
-            <a:blip r:embed="rId3" cstate="print">
-              <a:extLst>
-                <a:ext uri="{28A0092B-C50C-407E-A947-70E740481C1C}">
-                  <a14:useLocalDpi xmlns:a14="http://schemas.microsoft.com/office/drawing/2010/main" val="0"/>
-                </a:ext>
-              </a:extLst>
-            </a:blip>
-            <a:srcRect/>
-            <a:stretch>
-              <a:fillRect/>
-            </a:stretch>
-          </p:blipFill>
-          <p:spPr bwMode="auto">
-            <a:xfrm>
-              <a:off x="71438" y="2160588"/>
-              <a:ext cx="2519362" cy="1058862"/>
-            </a:xfrm>
-            <a:prstGeom prst="rect">
-              <a:avLst/>
-            </a:prstGeom>
-            <a:noFill/>
-            <a:ln>
-              <a:noFill/>
-            </a:ln>
-            <a:effectLst/>
-            <a:extLst>
-              <a:ext uri="{909E8E84-426E-40DD-AFC4-6F175D3DCCD1}">
-                <a14:hiddenFill xmlns:a14="http://schemas.microsoft.com/office/drawing/2010/main">
-                  <a:blipFill dpi="0" rotWithShape="0">
-                    <a:blip/>
-                    <a:srcRect/>
-                    <a:stretch>
-                      <a:fillRect/>
-                    </a:stretch>
-                  </a:blipFill>
-                </a14:hiddenFill>
-              </a:ext>
-              <a:ext uri="{91240B29-F687-4F45-9708-019B960494DF}">
-                <a14:hiddenLine xmlns:a14="http://schemas.microsoft.com/office/drawing/2010/main" w="9525">
-                  <a:solidFill>
-                    <a:srgbClr val="808080"/>
-                  </a:solidFill>
-                  <a:round/>
-                  <a:headEnd/>
-                  <a:tailEnd/>
-                </a14:hiddenLine>
-              </a:ext>
-              <a:ext uri="{AF507438-7753-43E0-B8FC-AC1667EBCBE1}">
-                <a14:hiddenEffects xmlns:a14="http://schemas.microsoft.com/office/drawing/2010/main">
-                  <a:effectLst>
-                    <a:outerShdw dist="35921" dir="2700000" algn="ctr" rotWithShape="0">
-                      <a:srgbClr val="808080"/>
-                    </a:outerShdw>
-                  </a:effectLst>
-                </a14:hiddenEffects>
-              </a:ext>
-            </a:extLst>
-          </p:spPr>
-        </p:pic>
-        <p:sp>
-          <p:nvSpPr>
-            <p:cNvPr id="10" name="Rectangle 9"/>
-            <p:cNvSpPr/>
-            <p:nvPr/>
-          </p:nvSpPr>
-          <p:spPr>
-            <a:xfrm>
-              <a:off x="152400" y="3124769"/>
-              <a:ext cx="1371600" cy="379637"/>
-            </a:xfrm>
-            <a:prstGeom prst="rect">
-              <a:avLst/>
-            </a:prstGeom>
-            <a:solidFill>
-              <a:schemeClr val="bg1"/>
-            </a:solidFill>
-            <a:ln>
-              <a:noFill/>
-            </a:ln>
-          </p:spPr>
-          <p:style>
-            <a:lnRef idx="2">
-              <a:schemeClr val="accent1">
-                <a:shade val="50000"/>
-              </a:schemeClr>
-            </a:lnRef>
-            <a:fillRef idx="1">
-              <a:schemeClr val="accent1"/>
-            </a:fillRef>
-            <a:effectRef idx="0">
-              <a:schemeClr val="accent1"/>
-            </a:effectRef>
-            <a:fontRef idx="minor">
-              <a:schemeClr val="lt1"/>
-            </a:fontRef>
-          </p:style>
-          <p:txBody>
-            <a:bodyPr anchor="ctr"/>
-            <a:lstStyle/>
-            <a:p>
-              <a:pPr algn="ctr">
-                <a:defRPr/>
-              </a:pPr>
-              <a:endParaRPr lang="en-US"/>
-            </a:p>
-          </p:txBody>
-        </p:sp>
-      </p:grpSp>
       <p:pic>
         <p:nvPicPr>
-          <p:cNvPr id="11" name="Picture 6"/>
+          <p:cNvPr id="27651" name="Picture 3" descr="D:\Condiviso\TUe\COPDBodyMedia\COPDBodyMedia_paper\Draft\Thorax\Figures\Figure5.jpg"/>
           <p:cNvPicPr>
             <a:picLocks noChangeAspect="1" noChangeArrowheads="1"/>
           </p:cNvPicPr>
           <p:nvPr/>
         </p:nvPicPr>
         <p:blipFill>
-          <a:blip r:embed="rId4">
+          <a:blip r:embed="rId3" cstate="print">
             <a:extLst>
               <a:ext uri="{28A0092B-C50C-407E-A947-70E740481C1C}">
                 <a14:useLocalDpi xmlns:a14="http://schemas.microsoft.com/office/drawing/2010/main" val="0"/>
@@ -9539,61 +14584,34 @@
         </p:blipFill>
         <p:spPr bwMode="auto">
           <a:xfrm>
-            <a:off x="2895600" y="1394690"/>
-            <a:ext cx="1065211" cy="1583634"/>
+            <a:off x="4604657" y="1039131"/>
+            <a:ext cx="2979737" cy="2235200"/>
           </a:xfrm>
           <a:prstGeom prst="rect">
             <a:avLst/>
           </a:prstGeom>
           <a:noFill/>
-          <a:ln>
-            <a:noFill/>
-          </a:ln>
-          <a:effectLst/>
           <a:extLst>
             <a:ext uri="{909E8E84-426E-40DD-AFC4-6F175D3DCCD1}">
               <a14:hiddenFill xmlns:a14="http://schemas.microsoft.com/office/drawing/2010/main">
-                <a:blipFill dpi="0" rotWithShape="0">
-                  <a:blip/>
-                  <a:srcRect/>
-                  <a:stretch>
-                    <a:fillRect/>
-                  </a:stretch>
-                </a:blipFill>
+                <a:solidFill>
+                  <a:srgbClr val="FFFFFF"/>
+                </a:solidFill>
               </a14:hiddenFill>
-            </a:ext>
-            <a:ext uri="{91240B29-F687-4F45-9708-019B960494DF}">
-              <a14:hiddenLine xmlns:a14="http://schemas.microsoft.com/office/drawing/2010/main" w="9525">
-                <a:solidFill>
-                  <a:srgbClr val="808080"/>
-                </a:solidFill>
-                <a:round/>
-                <a:headEnd/>
-                <a:tailEnd/>
-              </a14:hiddenLine>
-            </a:ext>
-            <a:ext uri="{AF507438-7753-43E0-B8FC-AC1667EBCBE1}">
-              <a14:hiddenEffects xmlns:a14="http://schemas.microsoft.com/office/drawing/2010/main">
-                <a:effectLst>
-                  <a:outerShdw dist="35921" dir="2700000" algn="ctr" rotWithShape="0">
-                    <a:srgbClr val="808080"/>
-                  </a:outerShdw>
-                </a:effectLst>
-              </a14:hiddenEffects>
             </a:ext>
           </a:extLst>
         </p:spPr>
       </p:pic>
       <p:pic>
         <p:nvPicPr>
-          <p:cNvPr id="12" name="Picture 2"/>
+          <p:cNvPr id="27653" name="Picture 5" descr="D:\Condiviso\TUe\COPDBodyMedia\COPDBodyMedia_paper\Draft\Thorax\Figures\Figure6_resized.jpg"/>
           <p:cNvPicPr>
             <a:picLocks noChangeAspect="1" noChangeArrowheads="1"/>
           </p:cNvPicPr>
           <p:nvPr/>
         </p:nvPicPr>
         <p:blipFill>
-          <a:blip r:embed="rId5" cstate="print">
+          <a:blip r:embed="rId4" cstate="print">
             <a:extLst>
               <a:ext uri="{28A0092B-C50C-407E-A947-70E740481C1C}">
                 <a14:useLocalDpi xmlns:a14="http://schemas.microsoft.com/office/drawing/2010/main" val="0"/>
@@ -9607,61 +14625,34 @@
         </p:blipFill>
         <p:spPr bwMode="auto">
           <a:xfrm>
-            <a:off x="4038600" y="1557461"/>
-            <a:ext cx="1676400" cy="1258092"/>
+            <a:off x="1496951" y="1085951"/>
+            <a:ext cx="2953522" cy="2215140"/>
           </a:xfrm>
           <a:prstGeom prst="rect">
             <a:avLst/>
           </a:prstGeom>
           <a:noFill/>
-          <a:ln>
-            <a:noFill/>
-          </a:ln>
-          <a:effectLst/>
           <a:extLst>
             <a:ext uri="{909E8E84-426E-40DD-AFC4-6F175D3DCCD1}">
               <a14:hiddenFill xmlns:a14="http://schemas.microsoft.com/office/drawing/2010/main">
-                <a:blipFill dpi="0" rotWithShape="0">
-                  <a:blip/>
-                  <a:srcRect/>
-                  <a:stretch>
-                    <a:fillRect/>
-                  </a:stretch>
-                </a:blipFill>
+                <a:solidFill>
+                  <a:srgbClr val="FFFFFF"/>
+                </a:solidFill>
               </a14:hiddenFill>
-            </a:ext>
-            <a:ext uri="{91240B29-F687-4F45-9708-019B960494DF}">
-              <a14:hiddenLine xmlns:a14="http://schemas.microsoft.com/office/drawing/2010/main" w="9525">
-                <a:solidFill>
-                  <a:srgbClr val="808080"/>
-                </a:solidFill>
-                <a:round/>
-                <a:headEnd/>
-                <a:tailEnd/>
-              </a14:hiddenLine>
-            </a:ext>
-            <a:ext uri="{AF507438-7753-43E0-B8FC-AC1667EBCBE1}">
-              <a14:hiddenEffects xmlns:a14="http://schemas.microsoft.com/office/drawing/2010/main">
-                <a:effectLst>
-                  <a:outerShdw dist="35921" dir="2700000" algn="ctr" rotWithShape="0">
-                    <a:srgbClr val="808080"/>
-                  </a:outerShdw>
-                </a:effectLst>
-              </a14:hiddenEffects>
             </a:ext>
           </a:extLst>
         </p:spPr>
       </p:pic>
       <p:pic>
         <p:nvPicPr>
-          <p:cNvPr id="14" name="Picture 15"/>
+          <p:cNvPr id="27656" name="Picture 8"/>
           <p:cNvPicPr>
             <a:picLocks noChangeAspect="1" noChangeArrowheads="1"/>
           </p:cNvPicPr>
           <p:nvPr/>
         </p:nvPicPr>
         <p:blipFill>
-          <a:blip r:embed="rId6" cstate="print">
+          <a:blip r:embed="rId5">
             <a:extLst>
               <a:ext uri="{28A0092B-C50C-407E-A947-70E740481C1C}">
                 <a14:useLocalDpi xmlns:a14="http://schemas.microsoft.com/office/drawing/2010/main" val="0"/>
@@ -9674,9 +14665,9 @@
           </a:stretch>
         </p:blipFill>
         <p:spPr bwMode="auto">
-          <a:xfrm>
-            <a:off x="5943600" y="1231625"/>
-            <a:ext cx="1341716" cy="1909763"/>
+          <a:xfrm flipV="1">
+            <a:off x="1807481" y="3988656"/>
+            <a:ext cx="5776913" cy="1954944"/>
           </a:xfrm>
           <a:prstGeom prst="rect">
             <a:avLst/>
@@ -9685,37 +14676,23 @@
           <a:ln>
             <a:noFill/>
           </a:ln>
-          <a:effectLst/>
           <a:extLst>
             <a:ext uri="{909E8E84-426E-40DD-AFC4-6F175D3DCCD1}">
               <a14:hiddenFill xmlns:a14="http://schemas.microsoft.com/office/drawing/2010/main">
-                <a:blipFill dpi="0" rotWithShape="0">
-                  <a:blip/>
-                  <a:srcRect/>
-                  <a:stretch>
-                    <a:fillRect/>
-                  </a:stretch>
-                </a:blipFill>
+                <a:solidFill>
+                  <a:schemeClr val="accent1"/>
+                </a:solidFill>
               </a14:hiddenFill>
             </a:ext>
             <a:ext uri="{91240B29-F687-4F45-9708-019B960494DF}">
               <a14:hiddenLine xmlns:a14="http://schemas.microsoft.com/office/drawing/2010/main" w="9525">
                 <a:solidFill>
-                  <a:srgbClr val="000000"/>
-                </a:solidFill>
-                <a:round/>
+                  <a:schemeClr val="tx1"/>
+                </a:solidFill>
+                <a:miter lim="800000"/>
                 <a:headEnd/>
                 <a:tailEnd/>
               </a14:hiddenLine>
-            </a:ext>
-            <a:ext uri="{AF507438-7753-43E0-B8FC-AC1667EBCBE1}">
-              <a14:hiddenEffects xmlns:a14="http://schemas.microsoft.com/office/drawing/2010/main">
-                <a:effectLst>
-                  <a:outerShdw dist="35921" dir="2700000" algn="ctr" rotWithShape="0">
-                    <a:srgbClr val="808080"/>
-                  </a:outerShdw>
-                </a:effectLst>
-              </a14:hiddenEffects>
             </a:ext>
           </a:extLst>
         </p:spPr>
@@ -9723,7 +14700,7 @@
     </p:spTree>
     <p:extLst>
       <p:ext uri="{BB962C8B-B14F-4D97-AF65-F5344CB8AC3E}">
-        <p14:creationId xmlns:p14="http://schemas.microsoft.com/office/powerpoint/2010/main" val="470242821"/>
+        <p14:creationId xmlns:p14="http://schemas.microsoft.com/office/powerpoint/2010/main" val="398069072"/>
       </p:ext>
     </p:extLst>
   </p:cSld>
@@ -9734,7 +14711,7 @@
   <p:timing>
     <p:tnLst>
       <p:par>
-        <p:cTn id="1" dur="indefinite" nodeType="tmRoot">
+        <p:cTn id="1" dur="indefinite" restart="never" nodeType="tmRoot">
           <p:childTnLst>
             <p:seq concurrent="1" nextAc="seek">
               <p:cTn id="2" dur="0" nodeType="mainSeq"/>
@@ -9778,98 +14755,1863 @@
           <a:chExt cx="0" cy="0"/>
         </a:xfrm>
       </p:grpSpPr>
-      <p:graphicFrame>
-        <p:nvGraphicFramePr>
-          <p:cNvPr id="36" name="Object 35"/>
-          <p:cNvGraphicFramePr>
-            <a:graphicFrameLocks noChangeAspect="1"/>
-          </p:cNvGraphicFramePr>
-          <p:nvPr>
-            <p:extLst>
-              <p:ext uri="{D42A27DB-BD31-4B8C-83A1-F6EECF244321}">
-                <p14:modId xmlns:p14="http://schemas.microsoft.com/office/powerpoint/2010/main" val="2885587077"/>
-              </p:ext>
-            </p:extLst>
-          </p:nvPr>
-        </p:nvGraphicFramePr>
-        <p:xfrm>
-          <a:off x="581025" y="1223963"/>
-          <a:ext cx="7981950" cy="4410075"/>
-        </p:xfrm>
-        <a:graphic>
-          <a:graphicData uri="http://schemas.openxmlformats.org/presentationml/2006/ole">
-            <mc:AlternateContent xmlns:mc="http://schemas.openxmlformats.org/markup-compatibility/2006">
-              <mc:Choice xmlns:v="urn:schemas-microsoft-com:vml" Requires="v">
-                <p:oleObj spid="_x0000_s29726" name="Worksheet" r:id="rId4" imgW="7981882" imgH="4410175" progId="Excel.Sheet.12">
-                  <p:embed/>
-                </p:oleObj>
-              </mc:Choice>
-              <mc:Fallback>
-                <p:oleObj name="Worksheet" r:id="rId4" imgW="7981882" imgH="4410175" progId="Excel.Sheet.12">
-                  <p:embed/>
-                  <p:pic>
-                    <p:nvPicPr>
-                      <p:cNvPr id="0" name=""/>
-                      <p:cNvPicPr/>
-                      <p:nvPr/>
-                    </p:nvPicPr>
-                    <p:blipFill>
-                      <a:blip r:embed="rId5"/>
-                      <a:stretch>
-                        <a:fillRect/>
-                      </a:stretch>
-                    </p:blipFill>
-                    <p:spPr>
-                      <a:xfrm>
-                        <a:off x="581025" y="1223963"/>
-                        <a:ext cx="7981950" cy="4410075"/>
-                      </a:xfrm>
-                      <a:prstGeom prst="rect">
-                        <a:avLst/>
-                      </a:prstGeom>
-                    </p:spPr>
-                  </p:pic>
-                </p:oleObj>
-              </mc:Fallback>
-            </mc:AlternateContent>
-          </a:graphicData>
-        </a:graphic>
-      </p:graphicFrame>
+      <p:grpSp>
+        <p:nvGrpSpPr>
+          <p:cNvPr id="43" name="Group 42"/>
+          <p:cNvGrpSpPr>
+            <a:grpSpLocks noChangeAspect="1"/>
+          </p:cNvGrpSpPr>
+          <p:nvPr/>
+        </p:nvGrpSpPr>
+        <p:grpSpPr>
+          <a:xfrm>
+            <a:off x="76200" y="1425362"/>
+            <a:ext cx="3433752" cy="3603838"/>
+            <a:chOff x="1981200" y="71015"/>
+            <a:chExt cx="5450400" cy="5720377"/>
+          </a:xfrm>
+        </p:grpSpPr>
+        <p:pic>
+          <p:nvPicPr>
+            <p:cNvPr id="44" name="Picture 43"/>
+            <p:cNvPicPr/>
+            <p:nvPr/>
+          </p:nvPicPr>
+          <p:blipFill>
+            <a:blip r:embed="rId2"/>
+            <a:stretch>
+              <a:fillRect/>
+            </a:stretch>
+          </p:blipFill>
+          <p:spPr>
+            <a:xfrm>
+              <a:off x="1981200" y="71015"/>
+              <a:ext cx="5333400" cy="3998520"/>
+            </a:xfrm>
+            <a:prstGeom prst="rect">
+              <a:avLst/>
+            </a:prstGeom>
+          </p:spPr>
+        </p:pic>
+        <p:pic>
+          <p:nvPicPr>
+            <p:cNvPr id="45" name="Picture 44"/>
+            <p:cNvPicPr/>
+            <p:nvPr/>
+          </p:nvPicPr>
+          <p:blipFill>
+            <a:blip r:embed="rId2"/>
+            <a:stretch>
+              <a:fillRect/>
+            </a:stretch>
+          </p:blipFill>
+          <p:spPr>
+            <a:xfrm>
+              <a:off x="1981200" y="76200"/>
+              <a:ext cx="5333400" cy="3998520"/>
+            </a:xfrm>
+            <a:prstGeom prst="rect">
+              <a:avLst/>
+            </a:prstGeom>
+          </p:spPr>
+        </p:pic>
+        <p:sp>
+          <p:nvSpPr>
+            <p:cNvPr id="46" name="CustomShape 6"/>
+            <p:cNvSpPr/>
+            <p:nvPr/>
+          </p:nvSpPr>
+          <p:spPr>
+            <a:xfrm>
+              <a:off x="2096040" y="4074998"/>
+              <a:ext cx="406780" cy="419292"/>
+            </a:xfrm>
+            <a:prstGeom prst="roundRect">
+              <a:avLst>
+                <a:gd name="adj" fmla="val 3600"/>
+              </a:avLst>
+            </a:prstGeom>
+            <a:ln w="36000">
+              <a:solidFill>
+                <a:srgbClr val="2323DC"/>
+              </a:solidFill>
+              <a:round/>
+            </a:ln>
+          </p:spPr>
+        </p:sp>
+        <p:sp>
+          <p:nvSpPr>
+            <p:cNvPr id="47" name="Line 7"/>
+            <p:cNvSpPr/>
+            <p:nvPr/>
+          </p:nvSpPr>
+          <p:spPr>
+            <a:xfrm flipH="1">
+              <a:off x="2502818" y="3276600"/>
+              <a:ext cx="1208365" cy="807109"/>
+            </a:xfrm>
+            <a:prstGeom prst="line">
+              <a:avLst/>
+            </a:prstGeom>
+            <a:ln w="36000">
+              <a:solidFill>
+                <a:srgbClr val="2300DC"/>
+              </a:solidFill>
+              <a:round/>
+            </a:ln>
+          </p:spPr>
+        </p:sp>
+        <p:sp>
+          <p:nvSpPr>
+            <p:cNvPr id="48" name="Line 8"/>
+            <p:cNvSpPr/>
+            <p:nvPr/>
+          </p:nvSpPr>
+          <p:spPr>
+            <a:xfrm flipH="1">
+              <a:off x="2106897" y="3276600"/>
+              <a:ext cx="1604286" cy="798399"/>
+            </a:xfrm>
+            <a:prstGeom prst="line">
+              <a:avLst/>
+            </a:prstGeom>
+            <a:ln w="36000">
+              <a:solidFill>
+                <a:srgbClr val="2300DC"/>
+              </a:solidFill>
+              <a:round/>
+            </a:ln>
+          </p:spPr>
+        </p:sp>
+        <p:sp>
+          <p:nvSpPr>
+            <p:cNvPr id="49" name="Line 9"/>
+            <p:cNvSpPr/>
+            <p:nvPr/>
+          </p:nvSpPr>
+          <p:spPr>
+            <a:xfrm flipH="1">
+              <a:off x="2502818" y="3276600"/>
+              <a:ext cx="1208367" cy="1217690"/>
+            </a:xfrm>
+            <a:prstGeom prst="line">
+              <a:avLst/>
+            </a:prstGeom>
+            <a:ln w="36000">
+              <a:solidFill>
+                <a:srgbClr val="2300DC"/>
+              </a:solidFill>
+              <a:round/>
+            </a:ln>
+          </p:spPr>
+        </p:sp>
+        <p:sp>
+          <p:nvSpPr>
+            <p:cNvPr id="50" name="Line 19"/>
+            <p:cNvSpPr/>
+            <p:nvPr/>
+          </p:nvSpPr>
+          <p:spPr>
+            <a:xfrm flipH="1">
+              <a:off x="2096038" y="3276600"/>
+              <a:ext cx="1615148" cy="1217691"/>
+            </a:xfrm>
+            <a:prstGeom prst="line">
+              <a:avLst/>
+            </a:prstGeom>
+            <a:ln>
+              <a:solidFill>
+                <a:srgbClr val="2300DC"/>
+              </a:solidFill>
+              <a:custDash>
+                <a:ds d="508000" sp="508000"/>
+                <a:ds d="508000" sp="508000"/>
+              </a:custDash>
+            </a:ln>
+          </p:spPr>
+        </p:sp>
+        <p:sp>
+          <p:nvSpPr>
+            <p:cNvPr id="51" name="CustomShape 20"/>
+            <p:cNvSpPr/>
+            <p:nvPr/>
+          </p:nvSpPr>
+          <p:spPr>
+            <a:xfrm>
+              <a:off x="7024819" y="4083708"/>
+              <a:ext cx="406780" cy="419292"/>
+            </a:xfrm>
+            <a:prstGeom prst="roundRect">
+              <a:avLst>
+                <a:gd name="adj" fmla="val 3600"/>
+              </a:avLst>
+            </a:prstGeom>
+            <a:ln w="36000">
+              <a:solidFill>
+                <a:srgbClr val="FF420E"/>
+              </a:solidFill>
+              <a:round/>
+            </a:ln>
+          </p:spPr>
+        </p:sp>
+        <p:sp>
+          <p:nvSpPr>
+            <p:cNvPr id="52" name="Line 21"/>
+            <p:cNvSpPr/>
+            <p:nvPr/>
+          </p:nvSpPr>
+          <p:spPr>
+            <a:xfrm>
+              <a:off x="3962400" y="990600"/>
+              <a:ext cx="3469199" cy="3101818"/>
+            </a:xfrm>
+            <a:prstGeom prst="line">
+              <a:avLst/>
+            </a:prstGeom>
+            <a:ln w="36000">
+              <a:solidFill>
+                <a:srgbClr val="FF420E"/>
+              </a:solidFill>
+              <a:round/>
+            </a:ln>
+          </p:spPr>
+        </p:sp>
+        <p:sp>
+          <p:nvSpPr>
+            <p:cNvPr id="53" name="Line 22"/>
+            <p:cNvSpPr/>
+            <p:nvPr/>
+          </p:nvSpPr>
+          <p:spPr>
+            <a:xfrm>
+              <a:off x="3962400" y="990600"/>
+              <a:ext cx="3062419" cy="3093108"/>
+            </a:xfrm>
+            <a:prstGeom prst="line">
+              <a:avLst/>
+            </a:prstGeom>
+            <a:ln w="36000">
+              <a:solidFill>
+                <a:srgbClr val="FF420E"/>
+              </a:solidFill>
+              <a:round/>
+            </a:ln>
+          </p:spPr>
+        </p:sp>
+        <p:sp>
+          <p:nvSpPr>
+            <p:cNvPr id="54" name="Line 23"/>
+            <p:cNvSpPr/>
+            <p:nvPr/>
+          </p:nvSpPr>
+          <p:spPr>
+            <a:xfrm>
+              <a:off x="3962400" y="990600"/>
+              <a:ext cx="3469200" cy="3512400"/>
+            </a:xfrm>
+            <a:prstGeom prst="line">
+              <a:avLst/>
+            </a:prstGeom>
+            <a:ln>
+              <a:solidFill>
+                <a:srgbClr val="FF420E"/>
+              </a:solidFill>
+              <a:prstDash val="dash"/>
+            </a:ln>
+          </p:spPr>
+        </p:sp>
+        <p:sp>
+          <p:nvSpPr>
+            <p:cNvPr id="55" name="Line 24"/>
+            <p:cNvSpPr/>
+            <p:nvPr/>
+          </p:nvSpPr>
+          <p:spPr>
+            <a:xfrm>
+              <a:off x="3962400" y="990600"/>
+              <a:ext cx="3062420" cy="3512400"/>
+            </a:xfrm>
+            <a:prstGeom prst="line">
+              <a:avLst/>
+            </a:prstGeom>
+            <a:ln w="36000">
+              <a:solidFill>
+                <a:srgbClr val="FF420E"/>
+              </a:solidFill>
+              <a:round/>
+            </a:ln>
+          </p:spPr>
+        </p:sp>
+        <p:sp>
+          <p:nvSpPr>
+            <p:cNvPr id="56" name="Line 14"/>
+            <p:cNvSpPr/>
+            <p:nvPr/>
+          </p:nvSpPr>
+          <p:spPr>
+            <a:xfrm>
+              <a:off x="3962400" y="1759801"/>
+              <a:ext cx="2534200" cy="2323907"/>
+            </a:xfrm>
+            <a:prstGeom prst="line">
+              <a:avLst/>
+            </a:prstGeom>
+            <a:ln w="36000">
+              <a:solidFill>
+                <a:srgbClr val="E6FF00"/>
+              </a:solidFill>
+              <a:round/>
+            </a:ln>
+          </p:spPr>
+        </p:sp>
+        <p:sp>
+          <p:nvSpPr>
+            <p:cNvPr id="57" name="Line 15"/>
+            <p:cNvSpPr/>
+            <p:nvPr/>
+          </p:nvSpPr>
+          <p:spPr>
+            <a:xfrm>
+              <a:off x="3962400" y="1759801"/>
+              <a:ext cx="2931141" cy="2743199"/>
+            </a:xfrm>
+            <a:prstGeom prst="line">
+              <a:avLst/>
+            </a:prstGeom>
+            <a:ln>
+              <a:solidFill>
+                <a:srgbClr val="E6FF00"/>
+              </a:solidFill>
+              <a:prstDash val="dash"/>
+            </a:ln>
+          </p:spPr>
+        </p:sp>
+        <p:sp>
+          <p:nvSpPr>
+            <p:cNvPr id="58" name="Line 16"/>
+            <p:cNvSpPr/>
+            <p:nvPr/>
+          </p:nvSpPr>
+          <p:spPr>
+            <a:xfrm>
+              <a:off x="3962400" y="1759801"/>
+              <a:ext cx="2534200" cy="2743199"/>
+            </a:xfrm>
+            <a:prstGeom prst="line">
+              <a:avLst/>
+            </a:prstGeom>
+            <a:ln w="36000">
+              <a:solidFill>
+                <a:srgbClr val="E6FF00"/>
+              </a:solidFill>
+              <a:round/>
+            </a:ln>
+          </p:spPr>
+        </p:sp>
+        <p:sp>
+          <p:nvSpPr>
+            <p:cNvPr id="59" name="Line 13"/>
+            <p:cNvSpPr/>
+            <p:nvPr/>
+          </p:nvSpPr>
+          <p:spPr>
+            <a:xfrm>
+              <a:off x="3962400" y="1759801"/>
+              <a:ext cx="2940980" cy="2332792"/>
+            </a:xfrm>
+            <a:prstGeom prst="line">
+              <a:avLst/>
+            </a:prstGeom>
+            <a:ln w="36000">
+              <a:solidFill>
+                <a:srgbClr val="E6FF00"/>
+              </a:solidFill>
+              <a:round/>
+            </a:ln>
+          </p:spPr>
+        </p:sp>
+        <p:sp>
+          <p:nvSpPr>
+            <p:cNvPr id="60" name="CustomShape 12"/>
+            <p:cNvSpPr/>
+            <p:nvPr/>
+          </p:nvSpPr>
+          <p:spPr>
+            <a:xfrm>
+              <a:off x="6496600" y="4083708"/>
+              <a:ext cx="406780" cy="419292"/>
+            </a:xfrm>
+            <a:prstGeom prst="roundRect">
+              <a:avLst>
+                <a:gd name="adj" fmla="val 3600"/>
+              </a:avLst>
+            </a:prstGeom>
+            <a:ln w="36000">
+              <a:solidFill>
+                <a:srgbClr val="E6FF00"/>
+              </a:solidFill>
+              <a:round/>
+            </a:ln>
+          </p:spPr>
+        </p:sp>
+        <p:grpSp>
+          <p:nvGrpSpPr>
+            <p:cNvPr id="61" name="Group 60"/>
+            <p:cNvGrpSpPr/>
+            <p:nvPr/>
+          </p:nvGrpSpPr>
+          <p:grpSpPr>
+            <a:xfrm>
+              <a:off x="2554800" y="2507009"/>
+              <a:ext cx="3872043" cy="1988719"/>
+              <a:chOff x="609600" y="2423609"/>
+              <a:chExt cx="3872043" cy="1988719"/>
+            </a:xfrm>
+          </p:grpSpPr>
+          <p:sp>
+            <p:nvSpPr>
+              <p:cNvPr id="67" name="Line 10"/>
+              <p:cNvSpPr/>
+              <p:nvPr/>
+            </p:nvSpPr>
+            <p:spPr>
+              <a:xfrm>
+                <a:off x="1864801" y="2433058"/>
+                <a:ext cx="2616842" cy="1977832"/>
+              </a:xfrm>
+              <a:prstGeom prst="line">
+                <a:avLst/>
+              </a:prstGeom>
+              <a:ln>
+                <a:solidFill>
+                  <a:srgbClr val="00CCCC"/>
+                </a:solidFill>
+                <a:custDash>
+                  <a:ds d="508000" sp="508000"/>
+                  <a:ds d="508000" sp="508000"/>
+                </a:custDash>
+              </a:ln>
+            </p:spPr>
+          </p:sp>
+          <p:sp>
+            <p:nvSpPr>
+              <p:cNvPr id="68" name="Line 11"/>
+              <p:cNvSpPr/>
+              <p:nvPr/>
+            </p:nvSpPr>
+            <p:spPr>
+              <a:xfrm flipH="1">
+                <a:off x="609601" y="2433058"/>
+                <a:ext cx="1255199" cy="1977832"/>
+              </a:xfrm>
+              <a:prstGeom prst="line">
+                <a:avLst/>
+              </a:prstGeom>
+              <a:ln>
+                <a:solidFill>
+                  <a:srgbClr val="00CCCC"/>
+                </a:solidFill>
+                <a:custDash>
+                  <a:ds d="508000" sp="508000"/>
+                  <a:ds d="508000" sp="508000"/>
+                </a:custDash>
+              </a:ln>
+            </p:spPr>
+          </p:sp>
+          <p:sp>
+            <p:nvSpPr>
+              <p:cNvPr id="69" name="CustomShape 17"/>
+              <p:cNvSpPr/>
+              <p:nvPr/>
+            </p:nvSpPr>
+            <p:spPr>
+              <a:xfrm>
+                <a:off x="609601" y="3991598"/>
+                <a:ext cx="3872041" cy="419292"/>
+              </a:xfrm>
+              <a:prstGeom prst="roundRect">
+                <a:avLst>
+                  <a:gd name="adj" fmla="val 3600"/>
+                </a:avLst>
+              </a:prstGeom>
+              <a:ln w="36000">
+                <a:solidFill>
+                  <a:srgbClr val="00CCCC"/>
+                </a:solidFill>
+                <a:round/>
+              </a:ln>
+            </p:spPr>
+          </p:sp>
+          <p:sp>
+            <p:nvSpPr>
+              <p:cNvPr id="70" name="Line 18"/>
+              <p:cNvSpPr/>
+              <p:nvPr/>
+            </p:nvSpPr>
+            <p:spPr>
+              <a:xfrm>
+                <a:off x="1864801" y="2433058"/>
+                <a:ext cx="2616842" cy="1567250"/>
+              </a:xfrm>
+              <a:prstGeom prst="line">
+                <a:avLst/>
+              </a:prstGeom>
+              <a:ln w="36000">
+                <a:solidFill>
+                  <a:srgbClr val="00CCCC"/>
+                </a:solidFill>
+                <a:round/>
+              </a:ln>
+            </p:spPr>
+          </p:sp>
+          <p:sp>
+            <p:nvSpPr>
+              <p:cNvPr id="71" name="Line 5"/>
+              <p:cNvSpPr/>
+              <p:nvPr/>
+            </p:nvSpPr>
+            <p:spPr>
+              <a:xfrm flipH="1">
+                <a:off x="609600" y="2423609"/>
+                <a:ext cx="1255200" cy="1576699"/>
+              </a:xfrm>
+              <a:prstGeom prst="line">
+                <a:avLst/>
+              </a:prstGeom>
+              <a:ln w="36000">
+                <a:solidFill>
+                  <a:srgbClr val="00CCCC"/>
+                </a:solidFill>
+                <a:round/>
+              </a:ln>
+            </p:spPr>
+          </p:sp>
+          <mc:AlternateContent xmlns:mc="http://schemas.openxmlformats.org/markup-compatibility/2006" xmlns:a14="http://schemas.microsoft.com/office/drawing/2010/main">
+            <mc:Choice Requires="a14">
+              <p:sp>
+                <p:nvSpPr>
+                  <p:cNvPr id="72" name="TextBox 71"/>
+                  <p:cNvSpPr txBox="1"/>
+                  <p:nvPr/>
+                </p:nvSpPr>
+                <p:spPr>
+                  <a:xfrm>
+                    <a:off x="609601" y="4038600"/>
+                    <a:ext cx="3872042" cy="373728"/>
+                  </a:xfrm>
+                  <a:prstGeom prst="rect">
+                    <a:avLst/>
+                  </a:prstGeom>
+                  <a:noFill/>
+                </p:spPr>
+                <p:txBody>
+                  <a:bodyPr wrap="square" rtlCol="0">
+                    <a:spAutoFit/>
+                  </a:bodyPr>
+                  <a:lstStyle/>
+                  <a:p>
+                    <a:pPr algn="ctr"/>
+                    <a14:m>
+                      <m:oMath xmlns:m="http://schemas.openxmlformats.org/officeDocument/2006/math">
+                        <m:r>
+                          <a:rPr lang="en-US" sz="1100" b="0" i="1" smtClean="0">
+                            <a:latin typeface="Cambria Math"/>
+                          </a:rPr>
+                          <m:t>𝐼𝐶</m:t>
+                        </m:r>
+                        <m:r>
+                          <a:rPr lang="en-US" sz="1100" b="0" i="1" smtClean="0">
+                            <a:latin typeface="Cambria Math"/>
+                          </a:rPr>
+                          <m:t>, </m:t>
+                        </m:r>
+                        <m:r>
+                          <a:rPr lang="en-US" sz="1100" i="1" smtClean="0">
+                            <a:latin typeface="Cambria Math"/>
+                          </a:rPr>
+                          <m:t>𝑑</m:t>
+                        </m:r>
+                      </m:oMath>
+                    </a14:m>
+                    <a:r>
+                      <a:rPr lang="en-US" sz="1100" dirty="0" smtClean="0"/>
+                      <a:t>,</a:t>
+                    </a:r>
+                    <a:r>
+                      <a:rPr lang="en-US" sz="1100" dirty="0">
+                        <a:ea typeface="Cambria Math"/>
+                      </a:rPr>
+                      <a:t> </a:t>
+                    </a:r>
+                    <a14:m>
+                      <m:oMath xmlns:m="http://schemas.openxmlformats.org/officeDocument/2006/math">
+                        <m:sSubSup>
+                          <m:sSubSupPr>
+                            <m:ctrlPr>
+                              <a:rPr lang="en-US" sz="1100" i="1">
+                                <a:latin typeface="Cambria Math"/>
+                                <a:ea typeface="Cambria Math"/>
+                              </a:rPr>
+                            </m:ctrlPr>
+                          </m:sSubSupPr>
+                          <m:e>
+                            <m:r>
+                              <a:rPr lang="en-US" sz="1100" i="1">
+                                <a:latin typeface="Cambria Math"/>
+                                <a:ea typeface="Cambria Math"/>
+                              </a:rPr>
+                              <m:t>𝜇</m:t>
+                            </m:r>
+                          </m:e>
+                          <m:sub>
+                            <m:r>
+                              <a:rPr lang="en-US" sz="1100" b="0" i="1" smtClean="0">
+                                <a:latin typeface="Cambria Math"/>
+                                <a:ea typeface="Cambria Math"/>
+                              </a:rPr>
+                              <m:t>𝑆𝑇</m:t>
+                            </m:r>
+                          </m:sub>
+                          <m:sup/>
+                        </m:sSubSup>
+                      </m:oMath>
+                    </a14:m>
+                    <a:r>
+                      <a:rPr lang="en-US" sz="1100" dirty="0" smtClean="0"/>
+                      <a:t>,</a:t>
+                    </a:r>
+                    <a14:m>
+                      <m:oMath xmlns:m="http://schemas.openxmlformats.org/officeDocument/2006/math">
+                        <m:sSubSup>
+                          <m:sSubSupPr>
+                            <m:ctrlPr>
+                              <a:rPr lang="en-US" sz="1100" i="1">
+                                <a:latin typeface="Cambria Math"/>
+                                <a:ea typeface="Cambria Math"/>
+                              </a:rPr>
+                            </m:ctrlPr>
+                          </m:sSubSupPr>
+                          <m:e>
+                            <m:r>
+                              <a:rPr lang="en-US" sz="1100" i="1">
+                                <a:latin typeface="Cambria Math"/>
+                                <a:ea typeface="Cambria Math"/>
+                              </a:rPr>
+                              <m:t>𝜇</m:t>
+                            </m:r>
+                          </m:e>
+                          <m:sub>
+                            <m:r>
+                              <a:rPr lang="en-US" sz="1100" b="0" i="1" smtClean="0">
+                                <a:latin typeface="Cambria Math"/>
+                                <a:ea typeface="Cambria Math"/>
+                              </a:rPr>
+                              <m:t>𝐺𝑆𝑅</m:t>
+                            </m:r>
+                          </m:sub>
+                          <m:sup/>
+                        </m:sSubSup>
+                        <m:r>
+                          <a:rPr lang="en-US" sz="1100" b="0" i="1" smtClean="0">
+                            <a:latin typeface="Cambria Math"/>
+                            <a:ea typeface="Cambria Math"/>
+                          </a:rPr>
+                          <m:t>,</m:t>
+                        </m:r>
+                        <m:sSubSup>
+                          <m:sSubSupPr>
+                            <m:ctrlPr>
+                              <a:rPr lang="en-US" sz="1100" i="1">
+                                <a:latin typeface="Cambria Math"/>
+                                <a:ea typeface="Cambria Math"/>
+                              </a:rPr>
+                            </m:ctrlPr>
+                          </m:sSubSupPr>
+                          <m:e>
+                            <m:r>
+                              <a:rPr lang="en-US" sz="1100" i="1">
+                                <a:latin typeface="Cambria Math"/>
+                                <a:ea typeface="Cambria Math"/>
+                              </a:rPr>
+                              <m:t>𝜇</m:t>
+                            </m:r>
+                          </m:e>
+                          <m:sub>
+                            <m:r>
+                              <a:rPr lang="en-US" sz="1100" b="0" i="1" smtClean="0">
+                                <a:latin typeface="Cambria Math"/>
+                                <a:ea typeface="Cambria Math"/>
+                              </a:rPr>
+                              <m:t>𝑉𝑀</m:t>
+                            </m:r>
+                          </m:sub>
+                          <m:sup/>
+                        </m:sSubSup>
+                        <m:sSubSup>
+                          <m:sSubSupPr>
+                            <m:ctrlPr>
+                              <a:rPr lang="en-US" sz="1100" i="1">
+                                <a:latin typeface="Cambria Math"/>
+                                <a:ea typeface="Cambria Math"/>
+                              </a:rPr>
+                            </m:ctrlPr>
+                          </m:sSubSupPr>
+                          <m:e>
+                            <m:r>
+                              <a:rPr lang="en-US" sz="1100" b="0" i="1" smtClean="0">
+                                <a:latin typeface="Cambria Math"/>
+                                <a:ea typeface="Cambria Math"/>
+                              </a:rPr>
+                              <m:t>, </m:t>
+                            </m:r>
+                            <m:r>
+                              <a:rPr lang="en-US" sz="1100" i="1">
+                                <a:latin typeface="Cambria Math"/>
+                                <a:ea typeface="Cambria Math"/>
+                              </a:rPr>
+                              <m:t>𝜇</m:t>
+                            </m:r>
+                          </m:e>
+                          <m:sub>
+                            <m:r>
+                              <a:rPr lang="en-US" sz="1100" b="0" i="1" smtClean="0">
+                                <a:latin typeface="Cambria Math"/>
+                                <a:ea typeface="Cambria Math"/>
+                              </a:rPr>
+                              <m:t>𝑆𝐶</m:t>
+                            </m:r>
+                          </m:sub>
+                          <m:sup/>
+                        </m:sSubSup>
+                      </m:oMath>
+                    </a14:m>
+                    <a:endParaRPr lang="en-US" sz="1100" dirty="0"/>
+                  </a:p>
+                </p:txBody>
+              </p:sp>
+            </mc:Choice>
+            <mc:Fallback xmlns="">
+              <p:sp>
+                <p:nvSpPr>
+                  <p:cNvPr id="72" name="TextBox 71"/>
+                  <p:cNvSpPr txBox="1">
+                    <a:spLocks noRot="1" noChangeAspect="1" noMove="1" noResize="1" noEditPoints="1" noAdjustHandles="1" noChangeArrowheads="1" noChangeShapeType="1" noTextEdit="1"/>
+                  </p:cNvSpPr>
+                  <p:nvPr/>
+                </p:nvSpPr>
+                <p:spPr>
+                  <a:xfrm>
+                    <a:off x="609601" y="4038600"/>
+                    <a:ext cx="3872042" cy="373728"/>
+                  </a:xfrm>
+                  <a:prstGeom prst="rect">
+                    <a:avLst/>
+                  </a:prstGeom>
+                  <a:blipFill rotWithShape="1">
+                    <a:blip r:embed="rId3"/>
+                    <a:stretch>
+                      <a:fillRect b="-28205"/>
+                    </a:stretch>
+                  </a:blipFill>
+                </p:spPr>
+                <p:txBody>
+                  <a:bodyPr/>
+                  <a:lstStyle/>
+                  <a:p>
+                    <a:r>
+                      <a:rPr lang="en-US">
+                        <a:noFill/>
+                      </a:rPr>
+                      <a:t> </a:t>
+                    </a:r>
+                  </a:p>
+                </p:txBody>
+              </p:sp>
+            </mc:Fallback>
+          </mc:AlternateContent>
+        </p:grpSp>
+        <p:sp>
+          <p:nvSpPr>
+            <p:cNvPr id="62" name="Rectangle 61"/>
+            <p:cNvSpPr/>
+            <p:nvPr/>
+          </p:nvSpPr>
+          <p:spPr>
+            <a:xfrm>
+              <a:off x="3462121" y="4762500"/>
+              <a:ext cx="2057400" cy="381000"/>
+            </a:xfrm>
+            <a:prstGeom prst="rect">
+              <a:avLst/>
+            </a:prstGeom>
+            <a:noFill/>
+            <a:ln>
+              <a:solidFill>
+                <a:srgbClr val="000000"/>
+              </a:solidFill>
+            </a:ln>
+            <a:effectLst/>
+          </p:spPr>
+          <p:style>
+            <a:lnRef idx="1">
+              <a:schemeClr val="accent1"/>
+            </a:lnRef>
+            <a:fillRef idx="3">
+              <a:schemeClr val="accent1"/>
+            </a:fillRef>
+            <a:effectRef idx="2">
+              <a:schemeClr val="accent1"/>
+            </a:effectRef>
+            <a:fontRef idx="minor">
+              <a:schemeClr val="lt1"/>
+            </a:fontRef>
+          </p:style>
+          <p:txBody>
+            <a:bodyPr rtlCol="0" anchor="ctr"/>
+            <a:lstStyle/>
+            <a:p>
+              <a:pPr algn="ctr"/>
+              <a:r>
+                <a:rPr lang="en-US" sz="1000" dirty="0" smtClean="0">
+                  <a:solidFill>
+                    <a:srgbClr val="000000"/>
+                  </a:solidFill>
+                </a:rPr>
+                <a:t>Feature selection</a:t>
+              </a:r>
+              <a:endParaRPr lang="en-US" sz="1000" dirty="0">
+                <a:solidFill>
+                  <a:srgbClr val="000000"/>
+                </a:solidFill>
+              </a:endParaRPr>
+            </a:p>
+          </p:txBody>
+        </p:sp>
+        <p:sp>
+          <p:nvSpPr>
+            <p:cNvPr id="63" name="CustomShape 17"/>
+            <p:cNvSpPr/>
+            <p:nvPr/>
+          </p:nvSpPr>
+          <p:spPr>
+            <a:xfrm>
+              <a:off x="3462122" y="5372100"/>
+              <a:ext cx="2057400" cy="419292"/>
+            </a:xfrm>
+            <a:prstGeom prst="roundRect">
+              <a:avLst>
+                <a:gd name="adj" fmla="val 3600"/>
+              </a:avLst>
+            </a:prstGeom>
+            <a:ln w="36000">
+              <a:solidFill>
+                <a:srgbClr val="00CCCC"/>
+              </a:solidFill>
+              <a:round/>
+            </a:ln>
+          </p:spPr>
+        </p:sp>
+        <mc:AlternateContent xmlns:mc="http://schemas.openxmlformats.org/markup-compatibility/2006" xmlns:a14="http://schemas.microsoft.com/office/drawing/2010/main">
+          <mc:Choice Requires="a14">
+            <p:sp>
+              <p:nvSpPr>
+                <p:cNvPr id="64" name="TextBox 63"/>
+                <p:cNvSpPr txBox="1"/>
+                <p:nvPr/>
+              </p:nvSpPr>
+              <p:spPr>
+                <a:xfrm>
+                  <a:off x="3462121" y="5420741"/>
+                  <a:ext cx="2057400" cy="351744"/>
+                </a:xfrm>
+                <a:prstGeom prst="rect">
+                  <a:avLst/>
+                </a:prstGeom>
+                <a:noFill/>
+              </p:spPr>
+              <p:txBody>
+                <a:bodyPr wrap="square" rtlCol="0">
+                  <a:spAutoFit/>
+                </a:bodyPr>
+                <a:lstStyle/>
+                <a:p>
+                  <a:pPr algn="ctr"/>
+                  <a14:m>
+                    <m:oMath xmlns:m="http://schemas.openxmlformats.org/officeDocument/2006/math">
+                      <m:r>
+                        <a:rPr lang="en-US" sz="1000" b="0" i="1" smtClean="0">
+                          <a:latin typeface="Cambria Math"/>
+                        </a:rPr>
+                        <m:t>𝐼𝐶</m:t>
+                      </m:r>
+                      <m:r>
+                        <a:rPr lang="en-US" sz="1000" b="0" i="1" smtClean="0">
+                          <a:latin typeface="Cambria Math"/>
+                        </a:rPr>
+                        <m:t>,</m:t>
+                      </m:r>
+                    </m:oMath>
+                  </a14:m>
+                  <a:r>
+                    <a:rPr lang="en-US" sz="1000" dirty="0">
+                      <a:ea typeface="Cambria Math"/>
+                    </a:rPr>
+                    <a:t> </a:t>
+                  </a:r>
+                  <a14:m>
+                    <m:oMath xmlns:m="http://schemas.openxmlformats.org/officeDocument/2006/math">
+                      <m:sSubSup>
+                        <m:sSubSupPr>
+                          <m:ctrlPr>
+                            <a:rPr lang="en-US" sz="1000" i="1">
+                              <a:latin typeface="Cambria Math"/>
+                              <a:ea typeface="Cambria Math"/>
+                            </a:rPr>
+                          </m:ctrlPr>
+                        </m:sSubSupPr>
+                        <m:e>
+                          <m:r>
+                            <a:rPr lang="en-US" sz="1000" b="0" i="1" smtClean="0">
+                              <a:latin typeface="Cambria Math"/>
+                              <a:ea typeface="Cambria Math"/>
+                            </a:rPr>
+                            <m:t>𝑓</m:t>
+                          </m:r>
+                        </m:e>
+                        <m:sub>
+                          <m:r>
+                            <a:rPr lang="en-US" sz="1000" b="0" i="1" smtClean="0">
+                              <a:latin typeface="Cambria Math"/>
+                              <a:ea typeface="Cambria Math"/>
+                            </a:rPr>
+                            <m:t>1</m:t>
+                          </m:r>
+                        </m:sub>
+                        <m:sup/>
+                      </m:sSubSup>
+                    </m:oMath>
+                  </a14:m>
+                  <a:r>
+                    <a:rPr lang="en-US" sz="1000" dirty="0" smtClean="0"/>
+                    <a:t>,</a:t>
+                  </a:r>
+                  <a14:m>
+                    <m:oMath xmlns:m="http://schemas.openxmlformats.org/officeDocument/2006/math">
+                      <m:sSubSup>
+                        <m:sSubSupPr>
+                          <m:ctrlPr>
+                            <a:rPr lang="en-US" sz="1000" i="1" smtClean="0">
+                              <a:latin typeface="Cambria Math"/>
+                              <a:ea typeface="Cambria Math"/>
+                            </a:rPr>
+                          </m:ctrlPr>
+                        </m:sSubSupPr>
+                        <m:e>
+                          <m:r>
+                            <a:rPr lang="en-US" sz="1000" b="0" i="1" smtClean="0">
+                              <a:latin typeface="Cambria Math"/>
+                              <a:ea typeface="Cambria Math"/>
+                            </a:rPr>
+                            <m:t>𝑓</m:t>
+                          </m:r>
+                        </m:e>
+                        <m:sub>
+                          <m:r>
+                            <a:rPr lang="en-US" sz="1000" b="0" i="1" smtClean="0">
+                              <a:latin typeface="Cambria Math"/>
+                              <a:ea typeface="Cambria Math"/>
+                            </a:rPr>
+                            <m:t>2</m:t>
+                          </m:r>
+                        </m:sub>
+                        <m:sup/>
+                      </m:sSubSup>
+                      <m:r>
+                        <a:rPr lang="en-US" sz="1000" b="0" i="1" smtClean="0">
+                          <a:latin typeface="Cambria Math"/>
+                          <a:ea typeface="Cambria Math"/>
+                        </a:rPr>
+                        <m:t>,</m:t>
+                      </m:r>
+                      <m:sSubSup>
+                        <m:sSubSupPr>
+                          <m:ctrlPr>
+                            <a:rPr lang="en-US" sz="1000" i="1">
+                              <a:latin typeface="Cambria Math"/>
+                              <a:ea typeface="Cambria Math"/>
+                            </a:rPr>
+                          </m:ctrlPr>
+                        </m:sSubSupPr>
+                        <m:e>
+                          <m:r>
+                            <a:rPr lang="en-US" sz="1000" b="0" i="1" smtClean="0">
+                              <a:latin typeface="Cambria Math"/>
+                              <a:ea typeface="Cambria Math"/>
+                            </a:rPr>
+                            <m:t>𝑓</m:t>
+                          </m:r>
+                        </m:e>
+                        <m:sub>
+                          <m:r>
+                            <a:rPr lang="en-US" sz="1000" b="0" i="1" smtClean="0">
+                              <a:latin typeface="Cambria Math"/>
+                              <a:ea typeface="Cambria Math"/>
+                            </a:rPr>
+                            <m:t>3</m:t>
+                          </m:r>
+                        </m:sub>
+                        <m:sup/>
+                      </m:sSubSup>
+                    </m:oMath>
+                  </a14:m>
+                  <a:endParaRPr lang="en-US" sz="1000" dirty="0"/>
+                </a:p>
+              </p:txBody>
+            </p:sp>
+          </mc:Choice>
+          <mc:Fallback xmlns="">
+            <p:sp>
+              <p:nvSpPr>
+                <p:cNvPr id="64" name="TextBox 63"/>
+                <p:cNvSpPr txBox="1">
+                  <a:spLocks noRot="1" noChangeAspect="1" noMove="1" noResize="1" noEditPoints="1" noAdjustHandles="1" noChangeArrowheads="1" noChangeShapeType="1" noTextEdit="1"/>
+                </p:cNvSpPr>
+                <p:nvPr/>
+              </p:nvSpPr>
+              <p:spPr>
+                <a:xfrm>
+                  <a:off x="3462121" y="5420741"/>
+                  <a:ext cx="2057400" cy="351744"/>
+                </a:xfrm>
+                <a:prstGeom prst="rect">
+                  <a:avLst/>
+                </a:prstGeom>
+                <a:blipFill rotWithShape="1">
+                  <a:blip r:embed="rId4"/>
+                  <a:stretch>
+                    <a:fillRect b="-27778"/>
+                  </a:stretch>
+                </a:blipFill>
+              </p:spPr>
+              <p:txBody>
+                <a:bodyPr/>
+                <a:lstStyle/>
+                <a:p>
+                  <a:r>
+                    <a:rPr lang="en-US">
+                      <a:noFill/>
+                    </a:rPr>
+                    <a:t> </a:t>
+                  </a:r>
+                </a:p>
+              </p:txBody>
+            </p:sp>
+          </mc:Fallback>
+        </mc:AlternateContent>
+        <p:cxnSp>
+          <p:nvCxnSpPr>
+            <p:cNvPr id="65" name="Straight Arrow Connector 64"/>
+            <p:cNvCxnSpPr>
+              <a:endCxn id="62" idx="0"/>
+            </p:cNvCxnSpPr>
+            <p:nvPr/>
+          </p:nvCxnSpPr>
+          <p:spPr>
+            <a:xfrm>
+              <a:off x="4483743" y="4525190"/>
+              <a:ext cx="7078" cy="237310"/>
+            </a:xfrm>
+            <a:prstGeom prst="straightConnector1">
+              <a:avLst/>
+            </a:prstGeom>
+            <a:ln w="22225">
+              <a:solidFill>
+                <a:srgbClr val="000000"/>
+              </a:solidFill>
+              <a:tailEnd type="arrow"/>
+            </a:ln>
+            <a:effectLst/>
+          </p:spPr>
+          <p:style>
+            <a:lnRef idx="2">
+              <a:schemeClr val="accent1"/>
+            </a:lnRef>
+            <a:fillRef idx="0">
+              <a:schemeClr val="accent1"/>
+            </a:fillRef>
+            <a:effectRef idx="1">
+              <a:schemeClr val="accent1"/>
+            </a:effectRef>
+            <a:fontRef idx="minor">
+              <a:schemeClr val="tx1"/>
+            </a:fontRef>
+          </p:style>
+        </p:cxnSp>
+        <p:cxnSp>
+          <p:nvCxnSpPr>
+            <p:cNvPr id="66" name="Straight Arrow Connector 65"/>
+            <p:cNvCxnSpPr>
+              <a:stCxn id="62" idx="2"/>
+              <a:endCxn id="63" idx="0"/>
+            </p:cNvCxnSpPr>
+            <p:nvPr/>
+          </p:nvCxnSpPr>
+          <p:spPr>
+            <a:xfrm>
+              <a:off x="4490821" y="5143500"/>
+              <a:ext cx="1" cy="228600"/>
+            </a:xfrm>
+            <a:prstGeom prst="straightConnector1">
+              <a:avLst/>
+            </a:prstGeom>
+            <a:ln w="22225">
+              <a:solidFill>
+                <a:srgbClr val="000000"/>
+              </a:solidFill>
+              <a:tailEnd type="arrow"/>
+            </a:ln>
+            <a:effectLst/>
+          </p:spPr>
+          <p:style>
+            <a:lnRef idx="2">
+              <a:schemeClr val="accent1"/>
+            </a:lnRef>
+            <a:fillRef idx="0">
+              <a:schemeClr val="accent1"/>
+            </a:fillRef>
+            <a:effectRef idx="1">
+              <a:schemeClr val="accent1"/>
+            </a:effectRef>
+            <a:fontRef idx="minor">
+              <a:schemeClr val="tx1"/>
+            </a:fontRef>
+          </p:style>
+        </p:cxnSp>
+      </p:grpSp>
+      <p:grpSp>
+        <p:nvGrpSpPr>
+          <p:cNvPr id="5" name="Group 4"/>
+          <p:cNvGrpSpPr/>
+          <p:nvPr/>
+        </p:nvGrpSpPr>
+        <p:grpSpPr>
+          <a:xfrm>
+            <a:off x="3886200" y="1659147"/>
+            <a:ext cx="5019675" cy="2838450"/>
+            <a:chOff x="3886200" y="304800"/>
+            <a:chExt cx="5019675" cy="2838450"/>
+          </a:xfrm>
+        </p:grpSpPr>
+        <p:pic>
+          <p:nvPicPr>
+            <p:cNvPr id="1028" name="Picture 4" descr="http://images.clipartpanda.com/book-20clip-20art-di855LndT.jpeg"/>
+            <p:cNvPicPr>
+              <a:picLocks noChangeAspect="1" noChangeArrowheads="1"/>
+            </p:cNvPicPr>
+            <p:nvPr/>
+          </p:nvPicPr>
+          <p:blipFill>
+            <a:blip r:embed="rId5">
+              <a:extLst>
+                <a:ext uri="{28A0092B-C50C-407E-A947-70E740481C1C}">
+                  <a14:useLocalDpi xmlns:a14="http://schemas.microsoft.com/office/drawing/2010/main" val="0"/>
+                </a:ext>
+              </a:extLst>
+            </a:blip>
+            <a:srcRect/>
+            <a:stretch>
+              <a:fillRect/>
+            </a:stretch>
+          </p:blipFill>
+          <p:spPr bwMode="auto">
+            <a:xfrm>
+              <a:off x="3886200" y="304800"/>
+              <a:ext cx="5019675" cy="2838450"/>
+            </a:xfrm>
+            <a:prstGeom prst="rect">
+              <a:avLst/>
+            </a:prstGeom>
+            <a:noFill/>
+            <a:extLst>
+              <a:ext uri="{909E8E84-426E-40DD-AFC4-6F175D3DCCD1}">
+                <a14:hiddenFill xmlns:a14="http://schemas.microsoft.com/office/drawing/2010/main">
+                  <a:solidFill>
+                    <a:srgbClr val="FFFFFF"/>
+                  </a:solidFill>
+                </a14:hiddenFill>
+              </a:ext>
+            </a:extLst>
+          </p:spPr>
+        </p:pic>
+        <p:sp>
+          <p:nvSpPr>
+            <p:cNvPr id="76" name="CustomShape 6"/>
+            <p:cNvSpPr/>
+            <p:nvPr/>
+          </p:nvSpPr>
+          <p:spPr>
+            <a:xfrm>
+              <a:off x="4419599" y="735499"/>
+              <a:ext cx="256271" cy="264154"/>
+            </a:xfrm>
+            <a:prstGeom prst="roundRect">
+              <a:avLst>
+                <a:gd name="adj" fmla="val 3600"/>
+              </a:avLst>
+            </a:prstGeom>
+            <a:ln w="36000">
+              <a:solidFill>
+                <a:srgbClr val="2323DC"/>
+              </a:solidFill>
+              <a:round/>
+            </a:ln>
+          </p:spPr>
+        </p:sp>
+        <p:sp>
+          <p:nvSpPr>
+            <p:cNvPr id="77" name="CustomShape 12"/>
+            <p:cNvSpPr/>
+            <p:nvPr/>
+          </p:nvSpPr>
+          <p:spPr>
+            <a:xfrm>
+              <a:off x="4748664" y="735499"/>
+              <a:ext cx="256271" cy="264154"/>
+            </a:xfrm>
+            <a:prstGeom prst="roundRect">
+              <a:avLst>
+                <a:gd name="adj" fmla="val 3600"/>
+              </a:avLst>
+            </a:prstGeom>
+            <a:ln w="36000">
+              <a:solidFill>
+                <a:srgbClr val="E6FF00"/>
+              </a:solidFill>
+              <a:round/>
+            </a:ln>
+          </p:spPr>
+        </p:sp>
+        <p:sp>
+          <p:nvSpPr>
+            <p:cNvPr id="78" name="CustomShape 20"/>
+            <p:cNvSpPr/>
+            <p:nvPr/>
+          </p:nvSpPr>
+          <p:spPr>
+            <a:xfrm>
+              <a:off x="5081135" y="735499"/>
+              <a:ext cx="256271" cy="264154"/>
+            </a:xfrm>
+            <a:prstGeom prst="roundRect">
+              <a:avLst>
+                <a:gd name="adj" fmla="val 3600"/>
+              </a:avLst>
+            </a:prstGeom>
+            <a:ln w="36000">
+              <a:solidFill>
+                <a:srgbClr val="FF420E"/>
+              </a:solidFill>
+              <a:round/>
+            </a:ln>
+          </p:spPr>
+        </p:sp>
+        <p:sp>
+          <p:nvSpPr>
+            <p:cNvPr id="79" name="CustomShape 20_"/>
+            <p:cNvSpPr/>
+            <p:nvPr/>
+          </p:nvSpPr>
+          <p:spPr>
+            <a:xfrm>
+              <a:off x="5413606" y="735499"/>
+              <a:ext cx="256271" cy="264154"/>
+            </a:xfrm>
+            <a:prstGeom prst="roundRect">
+              <a:avLst>
+                <a:gd name="adj" fmla="val 3600"/>
+              </a:avLst>
+            </a:prstGeom>
+            <a:ln w="36000">
+              <a:solidFill>
+                <a:srgbClr val="FF420E"/>
+              </a:solidFill>
+              <a:round/>
+            </a:ln>
+          </p:spPr>
+        </p:sp>
+        <p:sp>
+          <p:nvSpPr>
+            <p:cNvPr id="80" name="CustomShape 6_"/>
+            <p:cNvSpPr/>
+            <p:nvPr/>
+          </p:nvSpPr>
+          <p:spPr>
+            <a:xfrm>
+              <a:off x="5740400" y="735499"/>
+              <a:ext cx="256271" cy="264154"/>
+            </a:xfrm>
+            <a:prstGeom prst="roundRect">
+              <a:avLst>
+                <a:gd name="adj" fmla="val 3600"/>
+              </a:avLst>
+            </a:prstGeom>
+            <a:ln w="36000">
+              <a:solidFill>
+                <a:srgbClr val="00B0F0"/>
+              </a:solidFill>
+              <a:round/>
+            </a:ln>
+          </p:spPr>
+        </p:sp>
+        <p:sp>
+          <p:nvSpPr>
+            <p:cNvPr id="81" name="CustomShape 6__"/>
+            <p:cNvSpPr/>
+            <p:nvPr/>
+          </p:nvSpPr>
+          <p:spPr>
+            <a:xfrm>
+              <a:off x="4419599" y="1074124"/>
+              <a:ext cx="256271" cy="264154"/>
+            </a:xfrm>
+            <a:prstGeom prst="roundRect">
+              <a:avLst>
+                <a:gd name="adj" fmla="val 3600"/>
+              </a:avLst>
+            </a:prstGeom>
+            <a:ln w="36000">
+              <a:solidFill>
+                <a:srgbClr val="00B0F0"/>
+              </a:solidFill>
+              <a:round/>
+            </a:ln>
+          </p:spPr>
+        </p:sp>
+        <p:sp>
+          <p:nvSpPr>
+            <p:cNvPr id="82" name="CustomShape 12_"/>
+            <p:cNvSpPr/>
+            <p:nvPr/>
+          </p:nvSpPr>
+          <p:spPr>
+            <a:xfrm>
+              <a:off x="4748663" y="1085124"/>
+              <a:ext cx="256271" cy="264154"/>
+            </a:xfrm>
+            <a:prstGeom prst="roundRect">
+              <a:avLst>
+                <a:gd name="adj" fmla="val 3600"/>
+              </a:avLst>
+            </a:prstGeom>
+            <a:ln w="36000">
+              <a:solidFill>
+                <a:srgbClr val="E6FF00"/>
+              </a:solidFill>
+              <a:round/>
+            </a:ln>
+          </p:spPr>
+        </p:sp>
+        <p:sp>
+          <p:nvSpPr>
+            <p:cNvPr id="83" name="CustomShape 20__"/>
+            <p:cNvSpPr/>
+            <p:nvPr/>
+          </p:nvSpPr>
+          <p:spPr>
+            <a:xfrm>
+              <a:off x="5083405" y="1066395"/>
+              <a:ext cx="256271" cy="264154"/>
+            </a:xfrm>
+            <a:prstGeom prst="roundRect">
+              <a:avLst>
+                <a:gd name="adj" fmla="val 3600"/>
+              </a:avLst>
+            </a:prstGeom>
+            <a:ln w="36000">
+              <a:solidFill>
+                <a:srgbClr val="FF420E"/>
+              </a:solidFill>
+              <a:round/>
+            </a:ln>
+          </p:spPr>
+        </p:sp>
+        <p:sp>
+          <p:nvSpPr>
+            <p:cNvPr id="84" name="CustomShape 6___"/>
+            <p:cNvSpPr/>
+            <p:nvPr/>
+          </p:nvSpPr>
+          <p:spPr>
+            <a:xfrm>
+              <a:off x="5419956" y="1066395"/>
+              <a:ext cx="256271" cy="264154"/>
+            </a:xfrm>
+            <a:prstGeom prst="roundRect">
+              <a:avLst>
+                <a:gd name="adj" fmla="val 3600"/>
+              </a:avLst>
+            </a:prstGeom>
+            <a:ln w="36000">
+              <a:solidFill>
+                <a:srgbClr val="00B0F0"/>
+              </a:solidFill>
+              <a:round/>
+            </a:ln>
+          </p:spPr>
+        </p:sp>
+        <p:sp>
+          <p:nvSpPr>
+            <p:cNvPr id="85" name="CustomShape 20___"/>
+            <p:cNvSpPr/>
+            <p:nvPr/>
+          </p:nvSpPr>
+          <p:spPr>
+            <a:xfrm>
+              <a:off x="5740399" y="1065990"/>
+              <a:ext cx="256271" cy="264154"/>
+            </a:xfrm>
+            <a:prstGeom prst="roundRect">
+              <a:avLst>
+                <a:gd name="adj" fmla="val 3600"/>
+              </a:avLst>
+            </a:prstGeom>
+            <a:ln w="36000">
+              <a:solidFill>
+                <a:srgbClr val="FF420E"/>
+              </a:solidFill>
+              <a:round/>
+            </a:ln>
+          </p:spPr>
+        </p:sp>
+        <p:sp>
+          <p:nvSpPr>
+            <p:cNvPr id="94" name="CustomShape 6____"/>
+            <p:cNvSpPr/>
+            <p:nvPr/>
+          </p:nvSpPr>
+          <p:spPr>
+            <a:xfrm>
+              <a:off x="4419600" y="1412246"/>
+              <a:ext cx="256271" cy="264154"/>
+            </a:xfrm>
+            <a:prstGeom prst="roundRect">
+              <a:avLst>
+                <a:gd name="adj" fmla="val 3600"/>
+              </a:avLst>
+            </a:prstGeom>
+            <a:ln w="36000">
+              <a:solidFill>
+                <a:srgbClr val="2323DC"/>
+              </a:solidFill>
+              <a:round/>
+            </a:ln>
+          </p:spPr>
+        </p:sp>
+        <p:sp>
+          <p:nvSpPr>
+            <p:cNvPr id="95" name="CustomShape 12__"/>
+            <p:cNvSpPr/>
+            <p:nvPr/>
+          </p:nvSpPr>
+          <p:spPr>
+            <a:xfrm>
+              <a:off x="4748665" y="1412246"/>
+              <a:ext cx="256271" cy="264154"/>
+            </a:xfrm>
+            <a:prstGeom prst="roundRect">
+              <a:avLst>
+                <a:gd name="adj" fmla="val 3600"/>
+              </a:avLst>
+            </a:prstGeom>
+            <a:ln w="36000">
+              <a:solidFill>
+                <a:srgbClr val="E6FF00"/>
+              </a:solidFill>
+              <a:round/>
+            </a:ln>
+          </p:spPr>
+        </p:sp>
+        <p:sp>
+          <p:nvSpPr>
+            <p:cNvPr id="96" name="CustomShape 20____"/>
+            <p:cNvSpPr/>
+            <p:nvPr/>
+          </p:nvSpPr>
+          <p:spPr>
+            <a:xfrm>
+              <a:off x="5081136" y="1412246"/>
+              <a:ext cx="256271" cy="264154"/>
+            </a:xfrm>
+            <a:prstGeom prst="roundRect">
+              <a:avLst>
+                <a:gd name="adj" fmla="val 3600"/>
+              </a:avLst>
+            </a:prstGeom>
+            <a:ln w="36000">
+              <a:solidFill>
+                <a:srgbClr val="FF420E"/>
+              </a:solidFill>
+              <a:round/>
+            </a:ln>
+          </p:spPr>
+        </p:sp>
+        <p:sp>
+          <p:nvSpPr>
+            <p:cNvPr id="97" name="CustomShape 12___"/>
+            <p:cNvSpPr/>
+            <p:nvPr/>
+          </p:nvSpPr>
+          <p:spPr>
+            <a:xfrm>
+              <a:off x="5410200" y="1412246"/>
+              <a:ext cx="256271" cy="264154"/>
+            </a:xfrm>
+            <a:prstGeom prst="roundRect">
+              <a:avLst>
+                <a:gd name="adj" fmla="val 3600"/>
+              </a:avLst>
+            </a:prstGeom>
+            <a:ln w="36000">
+              <a:solidFill>
+                <a:srgbClr val="E6FF00"/>
+              </a:solidFill>
+              <a:round/>
+            </a:ln>
+          </p:spPr>
+        </p:sp>
+        <p:sp>
+          <p:nvSpPr>
+            <p:cNvPr id="98" name="CustomShape 20_____"/>
+            <p:cNvSpPr/>
+            <p:nvPr/>
+          </p:nvSpPr>
+          <p:spPr>
+            <a:xfrm>
+              <a:off x="5740188" y="1416513"/>
+              <a:ext cx="256271" cy="264154"/>
+            </a:xfrm>
+            <a:prstGeom prst="roundRect">
+              <a:avLst>
+                <a:gd name="adj" fmla="val 3600"/>
+              </a:avLst>
+            </a:prstGeom>
+            <a:ln w="36000">
+              <a:solidFill>
+                <a:srgbClr val="FF420E"/>
+              </a:solidFill>
+              <a:round/>
+            </a:ln>
+          </p:spPr>
+        </p:sp>
+        <p:sp>
+          <p:nvSpPr>
+            <p:cNvPr id="99" name="CustomShape 6_____"/>
+            <p:cNvSpPr/>
+            <p:nvPr/>
+          </p:nvSpPr>
+          <p:spPr>
+            <a:xfrm>
+              <a:off x="4419598" y="1756760"/>
+              <a:ext cx="256271" cy="264154"/>
+            </a:xfrm>
+            <a:prstGeom prst="roundRect">
+              <a:avLst>
+                <a:gd name="adj" fmla="val 3600"/>
+              </a:avLst>
+            </a:prstGeom>
+            <a:ln w="36000">
+              <a:solidFill>
+                <a:srgbClr val="00B0F0"/>
+              </a:solidFill>
+              <a:round/>
+            </a:ln>
+          </p:spPr>
+        </p:sp>
+        <p:sp>
+          <p:nvSpPr>
+            <p:cNvPr id="100" name="CustomShape 6______"/>
+            <p:cNvSpPr/>
+            <p:nvPr/>
+          </p:nvSpPr>
+          <p:spPr>
+            <a:xfrm>
+              <a:off x="4748662" y="1756760"/>
+              <a:ext cx="256271" cy="264154"/>
+            </a:xfrm>
+            <a:prstGeom prst="roundRect">
+              <a:avLst>
+                <a:gd name="adj" fmla="val 3600"/>
+              </a:avLst>
+            </a:prstGeom>
+            <a:ln w="36000">
+              <a:solidFill>
+                <a:srgbClr val="00B0F0"/>
+              </a:solidFill>
+              <a:round/>
+            </a:ln>
+          </p:spPr>
+        </p:sp>
+        <p:sp>
+          <p:nvSpPr>
+            <p:cNvPr id="4" name="TextBox 3"/>
+            <p:cNvSpPr txBox="1"/>
+            <p:nvPr/>
+          </p:nvSpPr>
+          <p:spPr>
+            <a:xfrm>
+              <a:off x="5029200" y="1676400"/>
+              <a:ext cx="1014865" cy="369332"/>
+            </a:xfrm>
+            <a:prstGeom prst="rect">
+              <a:avLst/>
+            </a:prstGeom>
+            <a:noFill/>
+          </p:spPr>
+          <p:txBody>
+            <a:bodyPr wrap="square" rtlCol="0">
+              <a:spAutoFit/>
+            </a:bodyPr>
+            <a:lstStyle/>
+            <a:p>
+              <a:r>
+                <a:rPr lang="en-US" dirty="0" smtClean="0"/>
+                <a:t>… … … …</a:t>
+              </a:r>
+              <a:endParaRPr lang="en-US" dirty="0"/>
+            </a:p>
+          </p:txBody>
+        </p:sp>
+        <p:sp>
+          <p:nvSpPr>
+            <p:cNvPr id="101" name="TextBox 100"/>
+            <p:cNvSpPr txBox="1"/>
+            <p:nvPr/>
+          </p:nvSpPr>
+          <p:spPr>
+            <a:xfrm>
+              <a:off x="4343400" y="1992868"/>
+              <a:ext cx="2052637" cy="369332"/>
+            </a:xfrm>
+            <a:prstGeom prst="rect">
+              <a:avLst/>
+            </a:prstGeom>
+            <a:noFill/>
+          </p:spPr>
+          <p:txBody>
+            <a:bodyPr wrap="square" rtlCol="0">
+              <a:spAutoFit/>
+            </a:bodyPr>
+            <a:lstStyle/>
+            <a:p>
+              <a:r>
+                <a:rPr lang="en-US" dirty="0" smtClean="0"/>
+                <a:t>… … … … … … … …</a:t>
+              </a:r>
+              <a:endParaRPr lang="en-US" dirty="0"/>
+            </a:p>
+          </p:txBody>
+        </p:sp>
+        <p:sp>
+          <p:nvSpPr>
+            <p:cNvPr id="103" name="TextBox 102"/>
+            <p:cNvSpPr txBox="1"/>
+            <p:nvPr/>
+          </p:nvSpPr>
+          <p:spPr>
+            <a:xfrm>
+              <a:off x="6396037" y="777286"/>
+              <a:ext cx="2052637" cy="369332"/>
+            </a:xfrm>
+            <a:prstGeom prst="rect">
+              <a:avLst/>
+            </a:prstGeom>
+            <a:noFill/>
+          </p:spPr>
+          <p:txBody>
+            <a:bodyPr wrap="square" rtlCol="0">
+              <a:spAutoFit/>
+            </a:bodyPr>
+            <a:lstStyle/>
+            <a:p>
+              <a:r>
+                <a:rPr lang="en-US" dirty="0" smtClean="0"/>
+                <a:t>… … … … … … … …</a:t>
+              </a:r>
+              <a:endParaRPr lang="en-US" dirty="0"/>
+            </a:p>
+          </p:txBody>
+        </p:sp>
+        <p:sp>
+          <p:nvSpPr>
+            <p:cNvPr id="104" name="TextBox 103"/>
+            <p:cNvSpPr txBox="1"/>
+            <p:nvPr/>
+          </p:nvSpPr>
+          <p:spPr>
+            <a:xfrm>
+              <a:off x="6396037" y="1131046"/>
+              <a:ext cx="2052637" cy="369332"/>
+            </a:xfrm>
+            <a:prstGeom prst="rect">
+              <a:avLst/>
+            </a:prstGeom>
+            <a:noFill/>
+          </p:spPr>
+          <p:txBody>
+            <a:bodyPr wrap="square" rtlCol="0">
+              <a:spAutoFit/>
+            </a:bodyPr>
+            <a:lstStyle/>
+            <a:p>
+              <a:r>
+                <a:rPr lang="en-US" dirty="0" smtClean="0"/>
+                <a:t>… … … … … … … …</a:t>
+              </a:r>
+              <a:endParaRPr lang="en-US" dirty="0"/>
+            </a:p>
+          </p:txBody>
+        </p:sp>
+        <p:sp>
+          <p:nvSpPr>
+            <p:cNvPr id="105" name="TextBox 104"/>
+            <p:cNvSpPr txBox="1"/>
+            <p:nvPr/>
+          </p:nvSpPr>
+          <p:spPr>
+            <a:xfrm>
+              <a:off x="6396037" y="1544323"/>
+              <a:ext cx="2052637" cy="369332"/>
+            </a:xfrm>
+            <a:prstGeom prst="rect">
+              <a:avLst/>
+            </a:prstGeom>
+            <a:noFill/>
+          </p:spPr>
+          <p:txBody>
+            <a:bodyPr wrap="square" rtlCol="0">
+              <a:spAutoFit/>
+            </a:bodyPr>
+            <a:lstStyle/>
+            <a:p>
+              <a:r>
+                <a:rPr lang="en-US" dirty="0" smtClean="0"/>
+                <a:t>… … … … … … … …</a:t>
+              </a:r>
+              <a:endParaRPr lang="en-US" dirty="0"/>
+            </a:p>
+          </p:txBody>
+        </p:sp>
+        <p:sp>
+          <p:nvSpPr>
+            <p:cNvPr id="106" name="CustomShape 20______"/>
+            <p:cNvSpPr/>
+            <p:nvPr/>
+          </p:nvSpPr>
+          <p:spPr>
+            <a:xfrm>
+              <a:off x="6553200" y="1973251"/>
+              <a:ext cx="256271" cy="264154"/>
+            </a:xfrm>
+            <a:prstGeom prst="roundRect">
+              <a:avLst>
+                <a:gd name="adj" fmla="val 3600"/>
+              </a:avLst>
+            </a:prstGeom>
+            <a:ln w="36000">
+              <a:solidFill>
+                <a:srgbClr val="FF420E"/>
+              </a:solidFill>
+              <a:round/>
+            </a:ln>
+          </p:spPr>
+        </p:sp>
+        <p:sp>
+          <p:nvSpPr>
+            <p:cNvPr id="107" name="CustomShape 12____"/>
+            <p:cNvSpPr/>
+            <p:nvPr/>
+          </p:nvSpPr>
+          <p:spPr>
+            <a:xfrm>
+              <a:off x="6934200" y="1973251"/>
+              <a:ext cx="256271" cy="264154"/>
+            </a:xfrm>
+            <a:prstGeom prst="roundRect">
+              <a:avLst>
+                <a:gd name="adj" fmla="val 3600"/>
+              </a:avLst>
+            </a:prstGeom>
+            <a:ln w="36000">
+              <a:solidFill>
+                <a:srgbClr val="E6FF00"/>
+              </a:solidFill>
+              <a:round/>
+            </a:ln>
+          </p:spPr>
+        </p:sp>
+        <p:sp>
+          <p:nvSpPr>
+            <p:cNvPr id="108" name="CustomShape 6_______"/>
+            <p:cNvSpPr/>
+            <p:nvPr/>
+          </p:nvSpPr>
+          <p:spPr>
+            <a:xfrm>
+              <a:off x="7294219" y="1968829"/>
+              <a:ext cx="256271" cy="264154"/>
+            </a:xfrm>
+            <a:prstGeom prst="roundRect">
+              <a:avLst>
+                <a:gd name="adj" fmla="val 3600"/>
+              </a:avLst>
+            </a:prstGeom>
+            <a:ln w="36000">
+              <a:solidFill>
+                <a:srgbClr val="00B0F0"/>
+              </a:solidFill>
+              <a:round/>
+            </a:ln>
+          </p:spPr>
+        </p:sp>
+        <p:sp>
+          <p:nvSpPr>
+            <p:cNvPr id="109" name="CustomShape 6________"/>
+            <p:cNvSpPr/>
+            <p:nvPr/>
+          </p:nvSpPr>
+          <p:spPr>
+            <a:xfrm>
+              <a:off x="7702890" y="1968829"/>
+              <a:ext cx="256271" cy="264154"/>
+            </a:xfrm>
+            <a:prstGeom prst="roundRect">
+              <a:avLst>
+                <a:gd name="adj" fmla="val 3600"/>
+              </a:avLst>
+            </a:prstGeom>
+            <a:ln w="36000">
+              <a:solidFill>
+                <a:srgbClr val="00B0F0"/>
+              </a:solidFill>
+              <a:round/>
+            </a:ln>
+          </p:spPr>
+        </p:sp>
+      </p:grpSp>
     </p:spTree>
     <p:extLst>
       <p:ext uri="{BB962C8B-B14F-4D97-AF65-F5344CB8AC3E}">
-        <p14:creationId xmlns:p14="http://schemas.microsoft.com/office/powerpoint/2010/main" val="3776148913"/>
+        <p14:creationId xmlns:p14="http://schemas.microsoft.com/office/powerpoint/2010/main" val="4261051391"/>
       </p:ext>
     </p:extLst>
   </p:cSld>
   <p:clrMapOvr>
     <a:masterClrMapping/>
   </p:clrMapOvr>
-  <p:transition spd="med"/>
   <p:timing>
     <p:tnLst>
       <p:par>
-        <p:cTn id="1" dur="indefinite" nodeType="tmRoot">
-          <p:childTnLst>
-            <p:seq concurrent="1" nextAc="seek">
-              <p:cTn id="2" dur="0" nodeType="mainSeq"/>
-              <p:prevCondLst>
-                <p:cond evt="onPrev" delay="0">
-                  <p:tgtEl>
-                    <p:sldTgt/>
-                  </p:tgtEl>
-                </p:cond>
-              </p:prevCondLst>
-              <p:nextCondLst>
-                <p:cond evt="onNext" delay="0">
-                  <p:tgtEl>
-                    <p:sldTgt/>
-                  </p:tgtEl>
-                </p:cond>
-              </p:nextCondLst>
-            </p:seq>
-          </p:childTnLst>
-        </p:cTn>
+        <p:cTn id="1" dur="indefinite" restart="never" nodeType="tmRoot"/>
       </p:par>
     </p:tnLst>
   </p:timing>
@@ -10299,7 +17041,7 @@
   <a:extraClrSchemeLst/>
   <a:extLst>
     <a:ext uri="{05A4C25C-085E-4340-85A3-A5531E510DB2}">
-      <thm15:themeFamily xmlns="" xmlns:thm15="http://schemas.microsoft.com/office/thememl/2012/main" name="philips_internal_documentation_template_nov13.pptx" id="{DE36B277-C83F-4A85-9819-A77CE0CA1F6F}" vid="{FCDF7755-76C1-4ABB-A274-22B823C3C882}"/>
+      <thm15:themeFamily xmlns:thm15="http://schemas.microsoft.com/office/thememl/2012/main" xmlns="" name="philips_internal_documentation_template_nov13.pptx" id="{DE36B277-C83F-4A85-9819-A77CE0CA1F6F}" vid="{FCDF7755-76C1-4ABB-A274-22B823C3C882}"/>
     </a:ext>
   </a:extLst>
 </a:theme>
